--- a/presentations/02_transfer_learn.pptx
+++ b/presentations/02_transfer_learn.pptx
@@ -5,7 +5,7 @@
     <p:sldMasterId id="2147483648" r:id="rId1"/>
   </p:sldMasterIdLst>
   <p:notesMasterIdLst>
-    <p:notesMasterId r:id="rId20"/>
+    <p:notesMasterId r:id="rId19"/>
   </p:notesMasterIdLst>
   <p:sldIdLst>
     <p:sldId id="326" r:id="rId2"/>
@@ -15,17 +15,16 @@
     <p:sldId id="338" r:id="rId6"/>
     <p:sldId id="339" r:id="rId7"/>
     <p:sldId id="340" r:id="rId8"/>
-    <p:sldId id="323" r:id="rId9"/>
+    <p:sldId id="347" r:id="rId9"/>
     <p:sldId id="279" r:id="rId10"/>
     <p:sldId id="328" r:id="rId11"/>
     <p:sldId id="331" r:id="rId12"/>
     <p:sldId id="332" r:id="rId13"/>
     <p:sldId id="333" r:id="rId14"/>
-    <p:sldId id="344" r:id="rId15"/>
-    <p:sldId id="341" r:id="rId16"/>
-    <p:sldId id="345" r:id="rId17"/>
-    <p:sldId id="335" r:id="rId18"/>
-    <p:sldId id="346" r:id="rId19"/>
+    <p:sldId id="341" r:id="rId15"/>
+    <p:sldId id="345" r:id="rId16"/>
+    <p:sldId id="335" r:id="rId17"/>
+    <p:sldId id="346" r:id="rId18"/>
   </p:sldIdLst>
   <p:sldSz cx="12192000" cy="6858000"/>
   <p:notesSz cx="6858000" cy="9144000"/>
@@ -225,7 +224,7 @@
           <a:p>
             <a:fld id="{FD93C9B2-20F6-4DB1-B471-224337D0AC79}" type="datetimeFigureOut">
               <a:rPr lang="en-US" smtClean="0"/>
-              <a:t>9/20/2022</a:t>
+              <a:t>10/11/2022</a:t>
             </a:fld>
             <a:endParaRPr lang="en-US"/>
           </a:p>
@@ -635,55 +634,35 @@
           <a:bodyPr/>
           <a:lstStyle/>
           <a:p>
+            <a:pPr marL="0" marR="0" lvl="0" indent="0" algn="l" defTabSz="914400" rtl="0" eaLnBrk="1" fontAlgn="auto" latinLnBrk="0" hangingPunct="1">
+              <a:lnSpc>
+                <a:spcPct val="100000"/>
+              </a:lnSpc>
+              <a:spcBef>
+                <a:spcPts val="0"/>
+              </a:spcBef>
+              <a:spcAft>
+                <a:spcPts val="0"/>
+              </a:spcAft>
+              <a:buClrTx/>
+              <a:buSzTx/>
+              <a:buFontTx/>
+              <a:buNone/>
+              <a:tabLst/>
+              <a:defRPr/>
+            </a:pPr>
+            <a:r>
+              <a:rPr lang="en-US" dirty="0">
+                <a:latin typeface="+mn-lt"/>
+              </a:rPr>
+              <a:t>To save and retrieve the entire model, use the example code displayed here as a template.</a:t>
+            </a:r>
+          </a:p>
+          <a:p>
             <a:pPr algn="l"/>
-            <a:r>
-              <a:rPr lang="en-US" dirty="0"/>
-              <a:t>Let’s dig a little deeper into the details of transfer learning.  It is generally not a good idea to train a very large DNN from scratch: instead, you should always try to find an existing neural network that accomplishes a similar task to the one you are trying to tackle, then reuse the lower layers of this network. If done well, transfer learning not only speeds up training considerably, but also requires significantly less training data.</a:t>
-            </a:r>
-          </a:p>
-          <a:p>
-            <a:pPr algn="l"/>
-            <a:endParaRPr lang="en-US" dirty="0"/>
-          </a:p>
-          <a:p>
-            <a:pPr algn="l"/>
-            <a:r>
-              <a:rPr lang="en-US" dirty="0"/>
-              <a:t>Suppose you have access to a DNN that was trained to classify pictures into 100 different categories, including animals, plants, vehicles, and everyday objects. You now want to train a DNN to classify specific types of vehicles. These tasks are very similar, even partly overlapping, so you should try to reuse parts of the first network as shown here.</a:t>
-            </a:r>
-          </a:p>
-          <a:p>
-            <a:pPr algn="l"/>
-            <a:endParaRPr lang="en-US" dirty="0"/>
-          </a:p>
-          <a:p>
-            <a:pPr algn="l"/>
-            <a:r>
-              <a:rPr lang="en-US" dirty="0"/>
-              <a:t>The output layer of the original model will usually be replaced because it is most likely not useful at all for the new task, and it may not even have the right number of outputs for the new task.  </a:t>
-            </a:r>
-          </a:p>
-          <a:p>
-            <a:pPr algn="l"/>
-            <a:endParaRPr lang="en-US" dirty="0"/>
-          </a:p>
-          <a:p>
-            <a:pPr algn="l"/>
-            <a:r>
-              <a:rPr lang="en-US" dirty="0"/>
-              <a:t>In like manner, the upper hidden layers of the original model are less likely to be as useful as the lower layers, since the high-level features that are most useful for the new task may differ significantly from the ones that were most useful for the original task. You want to find the right number of layers to reuse.</a:t>
-            </a:r>
-          </a:p>
-          <a:p>
-            <a:pPr algn="l"/>
-            <a:endParaRPr lang="en-US" dirty="0"/>
-          </a:p>
-          <a:p>
-            <a:pPr algn="l"/>
-            <a:r>
-              <a:rPr lang="en-US" dirty="0"/>
-              <a:t>Try freezing all the reused layers first (i.e., make their weights non-trainable so that Gradient Descent won’t modify them), then train your model and see how it performs. Then try unfreezing one or two of the top hidden layers to let backpropagation tweak them and see if performance improves. The more training data you have, the more layers you can unfreeze. It is also useful to reduce the learning rate when you unfreeze reused layers: this will avoid wrecking their fine-tuned weights.</a:t>
-            </a:r>
+            <a:endParaRPr lang="en-US" dirty="0">
+              <a:latin typeface="+mn-lt"/>
+            </a:endParaRPr>
           </a:p>
         </p:txBody>
       </p:sp>
@@ -704,7 +683,7 @@
           <a:p>
             <a:fld id="{3148858F-F1DB-4027-9C85-CCA6849540DD}" type="slidenum">
               <a:rPr lang="en-US" smtClean="0"/>
-              <a:t>10</a:t>
+              <a:t>11</a:t>
             </a:fld>
             <a:endParaRPr lang="en-US"/>
           </a:p>
@@ -713,7 +692,7 @@
     </p:spTree>
     <p:extLst>
       <p:ext uri="{BB962C8B-B14F-4D97-AF65-F5344CB8AC3E}">
-        <p14:creationId xmlns:p14="http://schemas.microsoft.com/office/powerpoint/2010/main" val="3451864319"/>
+        <p14:creationId xmlns:p14="http://schemas.microsoft.com/office/powerpoint/2010/main" val="321616863"/>
       </p:ext>
     </p:extLst>
   </p:cSld>
@@ -788,7 +767,7 @@
               <a:rPr lang="en-US" dirty="0">
                 <a:latin typeface="+mn-lt"/>
               </a:rPr>
-              <a:t>To save and retrieve the entire model, use the example code displayed here as a template.</a:t>
+              <a:t>To save and retrieve the model’s trained weights, use the example code displayed here as a template.</a:t>
             </a:r>
           </a:p>
           <a:p>
@@ -816,7 +795,7 @@
           <a:p>
             <a:fld id="{3148858F-F1DB-4027-9C85-CCA6849540DD}" type="slidenum">
               <a:rPr lang="en-US" smtClean="0"/>
-              <a:t>11</a:t>
+              <a:t>12</a:t>
             </a:fld>
             <a:endParaRPr lang="en-US"/>
           </a:p>
@@ -825,7 +804,7 @@
     </p:spTree>
     <p:extLst>
       <p:ext uri="{BB962C8B-B14F-4D97-AF65-F5344CB8AC3E}">
-        <p14:creationId xmlns:p14="http://schemas.microsoft.com/office/powerpoint/2010/main" val="321616863"/>
+        <p14:creationId xmlns:p14="http://schemas.microsoft.com/office/powerpoint/2010/main" val="1931056132"/>
       </p:ext>
     </p:extLst>
   </p:cSld>
@@ -900,7 +879,54 @@
               <a:rPr lang="en-US" dirty="0">
                 <a:latin typeface="+mn-lt"/>
               </a:rPr>
-              <a:t>To save and retrieve the model’s trained weights, use the example code displayed here as a template.</a:t>
+              <a:t>To save and retrieve just the model’s architecture (the layers but not the trained weights), use the example code displayed here as a template.</a:t>
+            </a:r>
+          </a:p>
+          <a:p>
+            <a:pPr marL="0" marR="0" lvl="0" indent="0" algn="l" defTabSz="914400" rtl="0" eaLnBrk="1" fontAlgn="auto" latinLnBrk="0" hangingPunct="1">
+              <a:lnSpc>
+                <a:spcPct val="100000"/>
+              </a:lnSpc>
+              <a:spcBef>
+                <a:spcPts val="0"/>
+              </a:spcBef>
+              <a:spcAft>
+                <a:spcPts val="0"/>
+              </a:spcAft>
+              <a:buClrTx/>
+              <a:buSzTx/>
+              <a:buFontTx/>
+              <a:buNone/>
+              <a:tabLst/>
+              <a:defRPr/>
+            </a:pPr>
+            <a:endParaRPr lang="en-US" dirty="0">
+              <a:latin typeface="+mn-lt"/>
+            </a:endParaRPr>
+          </a:p>
+          <a:p>
+            <a:pPr marL="0" marR="0" lvl="0" indent="0" algn="l" defTabSz="914400" rtl="0" eaLnBrk="1" fontAlgn="auto" latinLnBrk="0" hangingPunct="1">
+              <a:lnSpc>
+                <a:spcPct val="100000"/>
+              </a:lnSpc>
+              <a:spcBef>
+                <a:spcPts val="0"/>
+              </a:spcBef>
+              <a:spcAft>
+                <a:spcPts val="0"/>
+              </a:spcAft>
+              <a:buClrTx/>
+              <a:buSzTx/>
+              <a:buFontTx/>
+              <a:buNone/>
+              <a:tabLst/>
+              <a:defRPr/>
+            </a:pPr>
+            <a:r>
+              <a:rPr lang="en-US" dirty="0">
+                <a:latin typeface="+mn-lt"/>
+              </a:rPr>
+              <a:t>JSON = Java Script Object Notation.</a:t>
             </a:r>
           </a:p>
           <a:p>
@@ -928,7 +954,7 @@
           <a:p>
             <a:fld id="{3148858F-F1DB-4027-9C85-CCA6849540DD}" type="slidenum">
               <a:rPr lang="en-US" smtClean="0"/>
-              <a:t>12</a:t>
+              <a:t>13</a:t>
             </a:fld>
             <a:endParaRPr lang="en-US"/>
           </a:p>
@@ -937,7 +963,7 @@
     </p:spTree>
     <p:extLst>
       <p:ext uri="{BB962C8B-B14F-4D97-AF65-F5344CB8AC3E}">
-        <p14:creationId xmlns:p14="http://schemas.microsoft.com/office/powerpoint/2010/main" val="1931056132"/>
+        <p14:creationId xmlns:p14="http://schemas.microsoft.com/office/powerpoint/2010/main" val="47932266"/>
       </p:ext>
     </p:extLst>
   </p:cSld>
@@ -1008,65 +1034,7 @@
               <a:tabLst/>
               <a:defRPr/>
             </a:pPr>
-            <a:r>
-              <a:rPr lang="en-US" dirty="0">
-                <a:latin typeface="+mn-lt"/>
-              </a:rPr>
-              <a:t>To save and retrieve just the model’s architecture (the layers but not the trained weights), use the example code displayed here as a template.</a:t>
-            </a:r>
-          </a:p>
-          <a:p>
-            <a:pPr marL="0" marR="0" lvl="0" indent="0" algn="l" defTabSz="914400" rtl="0" eaLnBrk="1" fontAlgn="auto" latinLnBrk="0" hangingPunct="1">
-              <a:lnSpc>
-                <a:spcPct val="100000"/>
-              </a:lnSpc>
-              <a:spcBef>
-                <a:spcPts val="0"/>
-              </a:spcBef>
-              <a:spcAft>
-                <a:spcPts val="0"/>
-              </a:spcAft>
-              <a:buClrTx/>
-              <a:buSzTx/>
-              <a:buFontTx/>
-              <a:buNone/>
-              <a:tabLst/>
-              <a:defRPr/>
-            </a:pPr>
-            <a:endParaRPr lang="en-US" dirty="0">
-              <a:latin typeface="+mn-lt"/>
-            </a:endParaRPr>
-          </a:p>
-          <a:p>
-            <a:pPr marL="0" marR="0" lvl="0" indent="0" algn="l" defTabSz="914400" rtl="0" eaLnBrk="1" fontAlgn="auto" latinLnBrk="0" hangingPunct="1">
-              <a:lnSpc>
-                <a:spcPct val="100000"/>
-              </a:lnSpc>
-              <a:spcBef>
-                <a:spcPts val="0"/>
-              </a:spcBef>
-              <a:spcAft>
-                <a:spcPts val="0"/>
-              </a:spcAft>
-              <a:buClrTx/>
-              <a:buSzTx/>
-              <a:buFontTx/>
-              <a:buNone/>
-              <a:tabLst/>
-              <a:defRPr/>
-            </a:pPr>
-            <a:r>
-              <a:rPr lang="en-US" dirty="0">
-                <a:latin typeface="+mn-lt"/>
-              </a:rPr>
-              <a:t>JSON = Java Script Object Notation.</a:t>
-            </a:r>
-          </a:p>
-          <a:p>
-            <a:pPr algn="l"/>
-            <a:endParaRPr lang="en-US" dirty="0">
-              <a:latin typeface="+mn-lt"/>
-            </a:endParaRPr>
+            <a:endParaRPr lang="en-US" dirty="0"/>
           </a:p>
         </p:txBody>
       </p:sp>
@@ -1087,7 +1055,7 @@
           <a:p>
             <a:fld id="{3148858F-F1DB-4027-9C85-CCA6849540DD}" type="slidenum">
               <a:rPr lang="en-US" smtClean="0"/>
-              <a:t>13</a:t>
+              <a:t>14</a:t>
             </a:fld>
             <a:endParaRPr lang="en-US"/>
           </a:p>
@@ -1096,7 +1064,7 @@
     </p:spTree>
     <p:extLst>
       <p:ext uri="{BB962C8B-B14F-4D97-AF65-F5344CB8AC3E}">
-        <p14:creationId xmlns:p14="http://schemas.microsoft.com/office/powerpoint/2010/main" val="47932266"/>
+        <p14:creationId xmlns:p14="http://schemas.microsoft.com/office/powerpoint/2010/main" val="3618987416"/>
       </p:ext>
     </p:extLst>
   </p:cSld>
@@ -1150,12 +1118,12 @@
           <a:bodyPr/>
           <a:lstStyle/>
           <a:p>
-            <a:pPr algn="l"/>
-            <a:r>
-              <a:rPr lang="en-US" dirty="0">
-                <a:latin typeface="+mn-lt"/>
-              </a:rPr>
-              <a:t>https://huggingface.co/</a:t>
+            <a:pPr defTabSz="939363">
+              <a:defRPr/>
+            </a:pPr>
+            <a:r>
+              <a:rPr lang="en-US" dirty="0"/>
+              <a:t>The learning experience for this workshop starts on page 150 of the textbook.  </a:t>
             </a:r>
           </a:p>
         </p:txBody>
@@ -1177,7 +1145,7 @@
           <a:p>
             <a:fld id="{3148858F-F1DB-4027-9C85-CCA6849540DD}" type="slidenum">
               <a:rPr lang="en-US" smtClean="0"/>
-              <a:t>14</a:t>
+              <a:t>15</a:t>
             </a:fld>
             <a:endParaRPr lang="en-US"/>
           </a:p>
@@ -1186,7 +1154,7 @@
     </p:spTree>
     <p:extLst>
       <p:ext uri="{BB962C8B-B14F-4D97-AF65-F5344CB8AC3E}">
-        <p14:creationId xmlns:p14="http://schemas.microsoft.com/office/powerpoint/2010/main" val="2596715463"/>
+        <p14:creationId xmlns:p14="http://schemas.microsoft.com/office/powerpoint/2010/main" val="1974960137"/>
       </p:ext>
     </p:extLst>
   </p:cSld>
@@ -1240,22 +1208,8 @@
           <a:bodyPr/>
           <a:lstStyle/>
           <a:p>
-            <a:pPr marL="0" marR="0" lvl="0" indent="0" algn="l" defTabSz="914400" rtl="0" eaLnBrk="1" fontAlgn="auto" latinLnBrk="0" hangingPunct="1">
-              <a:lnSpc>
-                <a:spcPct val="100000"/>
-              </a:lnSpc>
-              <a:spcBef>
-                <a:spcPts val="0"/>
-              </a:spcBef>
-              <a:spcAft>
-                <a:spcPts val="0"/>
-              </a:spcAft>
-              <a:buClrTx/>
-              <a:buSzTx/>
-              <a:buFontTx/>
+            <a:pPr marL="0" indent="0" algn="l">
               <a:buNone/>
-              <a:tabLst/>
-              <a:defRPr/>
             </a:pPr>
             <a:endParaRPr lang="en-US" dirty="0"/>
           </a:p>
@@ -1278,7 +1232,7 @@
           <a:p>
             <a:fld id="{3148858F-F1DB-4027-9C85-CCA6849540DD}" type="slidenum">
               <a:rPr lang="en-US" smtClean="0"/>
-              <a:t>15</a:t>
+              <a:t>16</a:t>
             </a:fld>
             <a:endParaRPr lang="en-US"/>
           </a:p>
@@ -1287,7 +1241,7 @@
     </p:spTree>
     <p:extLst>
       <p:ext uri="{BB962C8B-B14F-4D97-AF65-F5344CB8AC3E}">
-        <p14:creationId xmlns:p14="http://schemas.microsoft.com/office/powerpoint/2010/main" val="3618987416"/>
+        <p14:creationId xmlns:p14="http://schemas.microsoft.com/office/powerpoint/2010/main" val="108490749"/>
       </p:ext>
     </p:extLst>
   </p:cSld>
@@ -1341,100 +1295,14 @@
           <a:bodyPr/>
           <a:lstStyle/>
           <a:p>
-            <a:pPr defTabSz="939363">
-              <a:defRPr/>
-            </a:pPr>
-            <a:r>
-              <a:rPr lang="en-US" dirty="0"/>
-              <a:t>The learning experience for this workshop starts on page 150 of the textbook.  </a:t>
-            </a:r>
-          </a:p>
-        </p:txBody>
-      </p:sp>
-      <p:sp>
-        <p:nvSpPr>
-          <p:cNvPr id="4" name="Slide Number Placeholder 3"/>
-          <p:cNvSpPr>
-            <a:spLocks noGrp="1"/>
-          </p:cNvSpPr>
-          <p:nvPr>
-            <p:ph type="sldNum" sz="quarter" idx="5"/>
-          </p:nvPr>
-        </p:nvSpPr>
-        <p:spPr/>
-        <p:txBody>
-          <a:bodyPr/>
-          <a:lstStyle/>
-          <a:p>
-            <a:fld id="{3148858F-F1DB-4027-9C85-CCA6849540DD}" type="slidenum">
-              <a:rPr lang="en-US" smtClean="0"/>
-              <a:t>16</a:t>
-            </a:fld>
-            <a:endParaRPr lang="en-US"/>
-          </a:p>
-        </p:txBody>
-      </p:sp>
-    </p:spTree>
-    <p:extLst>
-      <p:ext uri="{BB962C8B-B14F-4D97-AF65-F5344CB8AC3E}">
-        <p14:creationId xmlns:p14="http://schemas.microsoft.com/office/powerpoint/2010/main" val="1974960137"/>
-      </p:ext>
-    </p:extLst>
-  </p:cSld>
-  <p:clrMapOvr>
-    <a:masterClrMapping/>
-  </p:clrMapOvr>
-</p:notes>
-</file>
-
-<file path=ppt/notesSlides/notesSlide17.xml><?xml version="1.0" encoding="utf-8"?>
-<p:notes xmlns:a="http://schemas.openxmlformats.org/drawingml/2006/main" xmlns:r="http://schemas.openxmlformats.org/officeDocument/2006/relationships" xmlns:p="http://schemas.openxmlformats.org/presentationml/2006/main">
-  <p:cSld>
-    <p:spTree>
-      <p:nvGrpSpPr>
-        <p:cNvPr id="1" name=""/>
-        <p:cNvGrpSpPr/>
-        <p:nvPr/>
-      </p:nvGrpSpPr>
-      <p:grpSpPr>
-        <a:xfrm>
-          <a:off x="0" y="0"/>
-          <a:ext cx="0" cy="0"/>
-          <a:chOff x="0" y="0"/>
-          <a:chExt cx="0" cy="0"/>
-        </a:xfrm>
-      </p:grpSpPr>
-      <p:sp>
-        <p:nvSpPr>
-          <p:cNvPr id="2" name="Slide Image Placeholder 1"/>
-          <p:cNvSpPr>
-            <a:spLocks noGrp="1" noRot="1" noChangeAspect="1"/>
-          </p:cNvSpPr>
-          <p:nvPr>
-            <p:ph type="sldImg"/>
-          </p:nvPr>
-        </p:nvSpPr>
-        <p:spPr/>
-      </p:sp>
-      <p:sp>
-        <p:nvSpPr>
-          <p:cNvPr id="3" name="Notes Placeholder 2"/>
-          <p:cNvSpPr>
-            <a:spLocks noGrp="1"/>
-          </p:cNvSpPr>
-          <p:nvPr>
-            <p:ph type="body" idx="1"/>
-          </p:nvPr>
-        </p:nvSpPr>
-        <p:spPr/>
-        <p:txBody>
-          <a:bodyPr/>
-          <a:lstStyle/>
-          <a:p>
-            <a:pPr marL="0" indent="0" algn="l">
-              <a:buNone/>
-            </a:pPr>
-            <a:endParaRPr lang="en-US" dirty="0"/>
+            <a:endParaRPr lang="en-US" dirty="0">
+              <a:latin typeface="Palatino Linotype" panose="02040502050505030304" pitchFamily="18" charset="0"/>
+            </a:endParaRPr>
+          </a:p>
+          <a:p>
+            <a:endParaRPr lang="en-US" dirty="0">
+              <a:latin typeface="Palatino Linotype" panose="02040502050505030304" pitchFamily="18" charset="0"/>
+            </a:endParaRPr>
           </a:p>
         </p:txBody>
       </p:sp>
@@ -1456,97 +1324,6 @@
             <a:fld id="{3148858F-F1DB-4027-9C85-CCA6849540DD}" type="slidenum">
               <a:rPr lang="en-US" smtClean="0"/>
               <a:t>17</a:t>
-            </a:fld>
-            <a:endParaRPr lang="en-US"/>
-          </a:p>
-        </p:txBody>
-      </p:sp>
-    </p:spTree>
-    <p:extLst>
-      <p:ext uri="{BB962C8B-B14F-4D97-AF65-F5344CB8AC3E}">
-        <p14:creationId xmlns:p14="http://schemas.microsoft.com/office/powerpoint/2010/main" val="108490749"/>
-      </p:ext>
-    </p:extLst>
-  </p:cSld>
-  <p:clrMapOvr>
-    <a:masterClrMapping/>
-  </p:clrMapOvr>
-</p:notes>
-</file>
-
-<file path=ppt/notesSlides/notesSlide18.xml><?xml version="1.0" encoding="utf-8"?>
-<p:notes xmlns:a="http://schemas.openxmlformats.org/drawingml/2006/main" xmlns:r="http://schemas.openxmlformats.org/officeDocument/2006/relationships" xmlns:p="http://schemas.openxmlformats.org/presentationml/2006/main">
-  <p:cSld>
-    <p:spTree>
-      <p:nvGrpSpPr>
-        <p:cNvPr id="1" name=""/>
-        <p:cNvGrpSpPr/>
-        <p:nvPr/>
-      </p:nvGrpSpPr>
-      <p:grpSpPr>
-        <a:xfrm>
-          <a:off x="0" y="0"/>
-          <a:ext cx="0" cy="0"/>
-          <a:chOff x="0" y="0"/>
-          <a:chExt cx="0" cy="0"/>
-        </a:xfrm>
-      </p:grpSpPr>
-      <p:sp>
-        <p:nvSpPr>
-          <p:cNvPr id="2" name="Slide Image Placeholder 1"/>
-          <p:cNvSpPr>
-            <a:spLocks noGrp="1" noRot="1" noChangeAspect="1"/>
-          </p:cNvSpPr>
-          <p:nvPr>
-            <p:ph type="sldImg"/>
-          </p:nvPr>
-        </p:nvSpPr>
-        <p:spPr/>
-      </p:sp>
-      <p:sp>
-        <p:nvSpPr>
-          <p:cNvPr id="3" name="Notes Placeholder 2"/>
-          <p:cNvSpPr>
-            <a:spLocks noGrp="1"/>
-          </p:cNvSpPr>
-          <p:nvPr>
-            <p:ph type="body" idx="1"/>
-          </p:nvPr>
-        </p:nvSpPr>
-        <p:spPr/>
-        <p:txBody>
-          <a:bodyPr/>
-          <a:lstStyle/>
-          <a:p>
-            <a:endParaRPr lang="en-US" dirty="0">
-              <a:latin typeface="Palatino Linotype" panose="02040502050505030304" pitchFamily="18" charset="0"/>
-            </a:endParaRPr>
-          </a:p>
-          <a:p>
-            <a:endParaRPr lang="en-US" dirty="0">
-              <a:latin typeface="Palatino Linotype" panose="02040502050505030304" pitchFamily="18" charset="0"/>
-            </a:endParaRPr>
-          </a:p>
-        </p:txBody>
-      </p:sp>
-      <p:sp>
-        <p:nvSpPr>
-          <p:cNvPr id="4" name="Slide Number Placeholder 3"/>
-          <p:cNvSpPr>
-            <a:spLocks noGrp="1"/>
-          </p:cNvSpPr>
-          <p:nvPr>
-            <p:ph type="sldNum" sz="quarter" idx="5"/>
-          </p:nvPr>
-        </p:nvSpPr>
-        <p:spPr/>
-        <p:txBody>
-          <a:bodyPr/>
-          <a:lstStyle/>
-          <a:p>
-            <a:fld id="{3148858F-F1DB-4027-9C85-CCA6849540DD}" type="slidenum">
-              <a:rPr lang="en-US" smtClean="0"/>
-              <a:t>18</a:t>
             </a:fld>
             <a:endParaRPr lang="en-US"/>
           </a:p>
@@ -1612,7 +1389,7 @@
             <a:pPr algn="l"/>
             <a:r>
               <a:rPr lang="en-US" dirty="0"/>
-              <a:t>Start with a definition from Ian Goodfellow and Yoshua Bengio’s book – </a:t>
+              <a:t>Definition from Ian Goodfellow and Yoshua Bengio’s book – </a:t>
             </a:r>
             <a:r>
               <a:rPr lang="en-US" i="1" dirty="0"/>
@@ -1858,32 +1635,53 @@
               <a:buAutoNum type="arabicPeriod"/>
             </a:pPr>
             <a:r>
+              <a:rPr lang="en-US" b="1" i="1" dirty="0">
+                <a:effectLst/>
+                <a:latin typeface="Noto serif" panose="02020600060500020200" pitchFamily="18" charset="0"/>
+              </a:rPr>
+              <a:t>Improved baseline performance</a:t>
+            </a:r>
+            <a:r>
+              <a:rPr lang="en-US" b="1" dirty="0">
+                <a:effectLst/>
+                <a:latin typeface="Noto serif" panose="02020600060500020200" pitchFamily="18" charset="0"/>
+              </a:rPr>
+              <a:t>: </a:t>
+            </a:r>
+            <a:r>
+              <a:rPr lang="en-US" b="0" dirty="0">
+                <a:effectLst/>
+                <a:latin typeface="Noto serif" panose="02020600060500020200" pitchFamily="18" charset="0"/>
+              </a:rPr>
+              <a:t>When we augment the knowledge of an isolated learner (also known as an </a:t>
+            </a:r>
+            <a:r>
               <a:rPr lang="en-US" b="1" i="0" dirty="0">
                 <a:effectLst/>
                 <a:latin typeface="Noto serif" panose="02020600060500020200" pitchFamily="18" charset="0"/>
               </a:rPr>
-              <a:t>Improved baseline performance</a:t>
+              <a:t>ignorant learner</a:t>
             </a:r>
             <a:r>
               <a:rPr lang="en-US" b="0" dirty="0">
                 <a:effectLst/>
                 <a:latin typeface="Noto serif" panose="02020600060500020200" pitchFamily="18" charset="0"/>
               </a:rPr>
-              <a:t>: When we augment the knowledge of an isolated learner (also known as an </a:t>
-            </a:r>
-            <a:r>
-              <a:rPr lang="en-US" b="1" i="0" dirty="0">
+              <a:t>) with knowledge from a source model, baseline performance may improve due to this knowledge transfer.  We have a </a:t>
+            </a:r>
+            <a:r>
+              <a:rPr lang="en-US" b="1" dirty="0">
                 <a:effectLst/>
                 <a:latin typeface="Noto serif" panose="02020600060500020200" pitchFamily="18" charset="0"/>
               </a:rPr>
-              <a:t>ignorant learner</a:t>
+              <a:t>higher start</a:t>
             </a:r>
             <a:r>
               <a:rPr lang="en-US" b="0" dirty="0">
                 <a:effectLst/>
                 <a:latin typeface="Noto serif" panose="02020600060500020200" pitchFamily="18" charset="0"/>
               </a:rPr>
-              <a:t>) with knowledge from a source model, the baseline performance might improve due to this knowledge transfer.</a:t>
+              <a:t>. </a:t>
             </a:r>
           </a:p>
           <a:p>
@@ -1891,37 +1689,76 @@
               <a:buAutoNum type="arabicPeriod"/>
             </a:pPr>
             <a:r>
-              <a:rPr lang="en-US" b="1" i="0" dirty="0">
+              <a:rPr lang="en-US" b="1" i="1" dirty="0">
                 <a:effectLst/>
                 <a:latin typeface="Noto serif" panose="02020600060500020200" pitchFamily="18" charset="0"/>
               </a:rPr>
-              <a:t>Model-development time</a:t>
+              <a:t>Model training time</a:t>
+            </a:r>
+            <a:r>
+              <a:rPr lang="en-US" b="0" i="1" dirty="0">
+                <a:effectLst/>
+                <a:latin typeface="Noto serif" panose="02020600060500020200" pitchFamily="18" charset="0"/>
+              </a:rPr>
+              <a:t>: </a:t>
             </a:r>
             <a:r>
               <a:rPr lang="en-US" b="0" dirty="0">
                 <a:effectLst/>
                 <a:latin typeface="Noto serif" panose="02020600060500020200" pitchFamily="18" charset="0"/>
               </a:rPr>
-              <a:t>: Utilizing knowledge from a source model might also help in fully learning the target task, as compared to a target model that learns from scratch. This, in turn, results in improvements in the overall time taken to develop and train a model.</a:t>
-            </a:r>
+              <a:t>Utilizing knowledge from a source model might also help in fully learning the target task, as compared to a target model that learns from scratch. This, in turn, results in improvements in the overall time taken to develop and train a model.  We have a </a:t>
+            </a:r>
+            <a:r>
+              <a:rPr lang="en-US" b="1" dirty="0">
+                <a:effectLst/>
+                <a:latin typeface="Noto serif" panose="02020600060500020200" pitchFamily="18" charset="0"/>
+              </a:rPr>
+              <a:t>higher slope.</a:t>
+            </a:r>
+            <a:endParaRPr lang="en-US" b="0" dirty="0">
+              <a:effectLst/>
+              <a:latin typeface="Noto serif" panose="02020600060500020200" pitchFamily="18" charset="0"/>
+            </a:endParaRPr>
           </a:p>
           <a:p>
             <a:pPr marL="685800" lvl="1" indent="-228600" algn="l">
               <a:buAutoNum type="arabicPeriod"/>
             </a:pPr>
             <a:r>
-              <a:rPr lang="en-US" b="1" i="0" dirty="0">
+              <a:rPr lang="en-US" b="1" i="1" dirty="0">
                 <a:effectLst/>
                 <a:latin typeface="Noto serif" panose="02020600060500020200" pitchFamily="18" charset="0"/>
               </a:rPr>
               <a:t>Improved final performance</a:t>
+            </a:r>
+            <a:r>
+              <a:rPr lang="en-US" b="0" i="1" dirty="0">
+                <a:effectLst/>
+                <a:latin typeface="Noto serif" panose="02020600060500020200" pitchFamily="18" charset="0"/>
+              </a:rPr>
+              <a:t>: </a:t>
             </a:r>
             <a:r>
               <a:rPr lang="en-US" b="0" dirty="0">
                 <a:effectLst/>
                 <a:latin typeface="Noto serif" panose="02020600060500020200" pitchFamily="18" charset="0"/>
               </a:rPr>
-              <a:t>: And finally, higher final performance might be attained by leveraging transfer learning.</a:t>
+              <a:t>And finally, higher final performance might be attained by leveraging transfer learning.  We have a </a:t>
+            </a:r>
+            <a:r>
+              <a:rPr lang="en-US" b="1" dirty="0">
+                <a:effectLst/>
+                <a:latin typeface="Noto serif" panose="02020600060500020200" pitchFamily="18" charset="0"/>
+              </a:rPr>
+              <a:t>higher asymptote</a:t>
+            </a:r>
+            <a:r>
+              <a:rPr lang="en-US" b="0" dirty="0">
+                <a:effectLst/>
+                <a:latin typeface="Noto serif" panose="02020600060500020200" pitchFamily="18" charset="0"/>
+              </a:rPr>
+              <a:t>.</a:t>
             </a:r>
           </a:p>
           <a:p>
@@ -2249,7 +2086,7 @@
               <a:rPr lang="en-US" dirty="0">
                 <a:latin typeface="+mn-lt"/>
               </a:rPr>
-              <a:t>Many types of transfer – don’t have time to cover here – please review the material in the handout</a:t>
+              <a:t>Many types of transfer learning – don’t have time to cover here – please review the material in the handout</a:t>
             </a:r>
           </a:p>
           <a:p>
@@ -2358,7 +2195,7 @@
               <a:rPr lang="en-US" sz="1800" b="0" i="0" u="none" strike="noStrike" baseline="0" dirty="0">
                 <a:latin typeface="PalatinoLinotype-Roman"/>
               </a:rPr>
-              <a:t>Before we start our first exercise, let’s take an initial look at the transfer learning process.  Deep learning systems are layered architectures that learn different features at different layers. These layers are then finally connected to a last layer (usually a fully connected layer, in the case of classification) to get the final output. This layered architecture allows us to utilize a pretrained network (such as Inception V3 or VGG) without its final layer as a fixed feature extractor for other tasks. </a:t>
+              <a:t>Before we do the exercises, let’s take an initial look at the transfer learning process.  Deep learning systems are layered architectures that learn different features at different layers. These layers are then finally connected to a last layer (usually a fully connected layer, in the case of classification) to get the final output. This layered architecture allows us to utilize a pretrained network (such as Inception V3 or VGG) without its final layer as a fixed feature extractor for other tasks. </a:t>
             </a:r>
             <a:endParaRPr lang="en-US" sz="1200" b="0" i="0" u="none" strike="noStrike" baseline="0" dirty="0">
               <a:latin typeface="+mj-lt"/>
@@ -2463,10 +2300,7 @@
               <a:tabLst/>
               <a:defRPr/>
             </a:pPr>
-            <a:r>
-              <a:rPr lang="en-US" dirty="0"/>
-              <a:t>Setup Instructions…</a:t>
-            </a:r>
+            <a:endParaRPr lang="en-US" dirty="0"/>
           </a:p>
         </p:txBody>
       </p:sp>
@@ -2487,7 +2321,7 @@
           <a:p>
             <a:fld id="{3148858F-F1DB-4027-9C85-CCA6849540DD}" type="slidenum">
               <a:rPr lang="en-US" smtClean="0"/>
-              <a:t>8</a:t>
+              <a:t>9</a:t>
             </a:fld>
             <a:endParaRPr lang="en-US"/>
           </a:p>
@@ -2496,7 +2330,7 @@
     </p:spTree>
     <p:extLst>
       <p:ext uri="{BB962C8B-B14F-4D97-AF65-F5344CB8AC3E}">
-        <p14:creationId xmlns:p14="http://schemas.microsoft.com/office/powerpoint/2010/main" val="1279646560"/>
+        <p14:creationId xmlns:p14="http://schemas.microsoft.com/office/powerpoint/2010/main" val="1985664105"/>
       </p:ext>
     </p:extLst>
   </p:cSld>
@@ -2550,6 +2384,113 @@
           <a:bodyPr/>
           <a:lstStyle/>
           <a:p>
+            <a:pPr algn="l"/>
+            <a:r>
+              <a:rPr lang="en-US" dirty="0"/>
+              <a:t>Let’s quickly review the basic ideas behind transfer learning:</a:t>
+            </a:r>
+          </a:p>
+          <a:p>
+            <a:pPr algn="l"/>
+            <a:endParaRPr lang="en-US" dirty="0"/>
+          </a:p>
+          <a:p>
+            <a:pPr marL="228600" indent="-228600" algn="l">
+              <a:buAutoNum type="alphaLcPeriod"/>
+            </a:pPr>
+            <a:r>
+              <a:rPr lang="en-US" dirty="0"/>
+              <a:t>It’s usually better to find and repurpose an existing model from a related domain rather than train a new neural network from scratch.</a:t>
+            </a:r>
+          </a:p>
+          <a:p>
+            <a:pPr marL="228600" indent="-228600" algn="l">
+              <a:buAutoNum type="alphaLcPeriod"/>
+            </a:pPr>
+            <a:r>
+              <a:rPr lang="en-US" dirty="0"/>
+              <a:t>Transfer learning not only decreases training time but also requires significantly less data.</a:t>
+            </a:r>
+          </a:p>
+          <a:p>
+            <a:pPr marL="228600" indent="-228600" algn="l">
+              <a:buAutoNum type="alphaLcPeriod"/>
+            </a:pPr>
+            <a:r>
+              <a:rPr lang="en-US" dirty="0"/>
+              <a:t>We typically retain the lower network layers (as shown here) and only replace just the top layers with new ones trained specifically for our task.</a:t>
+            </a:r>
+          </a:p>
+          <a:p>
+            <a:pPr marL="685800" marR="0" lvl="1" indent="-228600" algn="l" defTabSz="914400" rtl="0" eaLnBrk="1" fontAlgn="auto" latinLnBrk="0" hangingPunct="1">
+              <a:lnSpc>
+                <a:spcPct val="100000"/>
+              </a:lnSpc>
+              <a:spcBef>
+                <a:spcPts val="0"/>
+              </a:spcBef>
+              <a:spcAft>
+                <a:spcPts val="0"/>
+              </a:spcAft>
+              <a:buClrTx/>
+              <a:buSzTx/>
+              <a:buFontTx/>
+              <a:buAutoNum type="alphaLcPeriod"/>
+              <a:tabLst/>
+              <a:defRPr/>
+            </a:pPr>
+            <a:r>
+              <a:rPr lang="en-US" dirty="0"/>
+              <a:t>The original model’s output layer is usually replaced because it is most likely not useful for the new task.  For example, it may not even have the right number of outputs.  </a:t>
+            </a:r>
+          </a:p>
+          <a:p>
+            <a:pPr marL="685800" marR="0" lvl="1" indent="-228600" algn="l" defTabSz="914400" rtl="0" eaLnBrk="1" fontAlgn="auto" latinLnBrk="0" hangingPunct="1">
+              <a:lnSpc>
+                <a:spcPct val="100000"/>
+              </a:lnSpc>
+              <a:spcBef>
+                <a:spcPts val="0"/>
+              </a:spcBef>
+              <a:spcAft>
+                <a:spcPts val="0"/>
+              </a:spcAft>
+              <a:buClrTx/>
+              <a:buSzTx/>
+              <a:buFontTx/>
+              <a:buAutoNum type="alphaLcPeriod"/>
+              <a:tabLst/>
+              <a:defRPr/>
+            </a:pPr>
+            <a:r>
+              <a:rPr lang="en-US" dirty="0"/>
+              <a:t>Likewise, the original model’s upper hidden layers are less likely to be as useful as the lower ones, since the high-level features most suitable for the new task may differ significantly from the useful ones in the original task. </a:t>
+            </a:r>
+          </a:p>
+          <a:p>
+            <a:pPr marL="228600" marR="0" lvl="0" indent="-228600" algn="l" defTabSz="914400" rtl="0" eaLnBrk="1" fontAlgn="auto" latinLnBrk="0" hangingPunct="1">
+              <a:lnSpc>
+                <a:spcPct val="100000"/>
+              </a:lnSpc>
+              <a:spcBef>
+                <a:spcPts val="0"/>
+              </a:spcBef>
+              <a:spcAft>
+                <a:spcPts val="0"/>
+              </a:spcAft>
+              <a:buClrTx/>
+              <a:buSzTx/>
+              <a:buFontTx/>
+              <a:buAutoNum type="alphaLcPeriod"/>
+              <a:tabLst/>
+              <a:defRPr/>
+            </a:pPr>
+            <a:r>
+              <a:rPr lang="en-US" dirty="0"/>
+              <a:t>Transfer learning is an iterative process. Try freezing all the reused layers first (i.e., make their weights non-trainable so that Gradient Descent won’t modify them), then train your model and see how it performs. Then try unfreezing one or two of the top hidden layers to let backpropagation tweak them and see if performance improves. The more training data you have, the more layers you can unfreeze. It is also useful to reduce the learning rate when you unfreeze reused layers: this will avoid wrecking their fine-tuned weights.</a:t>
+            </a:r>
+          </a:p>
+          <a:p>
             <a:pPr marL="0" marR="0" lvl="0" indent="0" algn="l" defTabSz="914400" rtl="0" eaLnBrk="1" fontAlgn="auto" latinLnBrk="0" hangingPunct="1">
               <a:lnSpc>
                 <a:spcPct val="100000"/>
@@ -2569,6 +2510,66 @@
             </a:pPr>
             <a:endParaRPr lang="en-US" dirty="0"/>
           </a:p>
+          <a:p>
+            <a:pPr marL="0" indent="0" algn="l">
+              <a:buNone/>
+            </a:pPr>
+            <a:r>
+              <a:rPr lang="en-US" dirty="0"/>
+              <a:t>=====</a:t>
+            </a:r>
+          </a:p>
+          <a:p>
+            <a:pPr algn="l"/>
+            <a:r>
+              <a:rPr lang="en-US" dirty="0"/>
+              <a:t>It is generally not a good idea to train a very large DNN from scratch: instead, you should always try to find an existing neural network that accomplishes a similar task to the one you are trying to tackle, then reuse the lower layers of this network. If done well, transfer learning not only speeds up training considerably, but also requires significantly less training data.</a:t>
+            </a:r>
+          </a:p>
+          <a:p>
+            <a:pPr algn="l"/>
+            <a:endParaRPr lang="en-US" dirty="0"/>
+          </a:p>
+          <a:p>
+            <a:pPr algn="l"/>
+            <a:r>
+              <a:rPr lang="en-US" dirty="0"/>
+              <a:t>Suppose you have access to a DNN that was trained to classify pictures into 100 different categories, including animals, plants, vehicles, and everyday objects. You now want to train a DNN to classify specific types of vehicles. These tasks are very similar, even partly overlapping, so you should try to reuse parts of the first network as shown here.</a:t>
+            </a:r>
+          </a:p>
+          <a:p>
+            <a:pPr algn="l"/>
+            <a:endParaRPr lang="en-US" dirty="0"/>
+          </a:p>
+          <a:p>
+            <a:pPr algn="l"/>
+            <a:r>
+              <a:rPr lang="en-US" dirty="0"/>
+              <a:t>The output layer of the original model will usually be replaced because it is most likely not useful at all for the new task, and it may not even have the right number of outputs for the new task.  </a:t>
+            </a:r>
+          </a:p>
+          <a:p>
+            <a:pPr algn="l"/>
+            <a:endParaRPr lang="en-US" dirty="0"/>
+          </a:p>
+          <a:p>
+            <a:pPr algn="l"/>
+            <a:r>
+              <a:rPr lang="en-US" dirty="0"/>
+              <a:t>In like manner, the upper hidden layers of the original model are less likely to be as useful as the lower layers, since the high-level features that are most useful for the new task may differ significantly from the ones that were most useful for the original task. You want to find the right number of layers to reuse.</a:t>
+            </a:r>
+          </a:p>
+          <a:p>
+            <a:pPr algn="l"/>
+            <a:endParaRPr lang="en-US" dirty="0"/>
+          </a:p>
+          <a:p>
+            <a:pPr algn="l"/>
+            <a:r>
+              <a:rPr lang="en-US" dirty="0"/>
+              <a:t>Try freezing all the reused layers first (i.e., make their weights non-trainable so that Gradient Descent won’t modify them), then train your model and see how it performs. Then try unfreezing one or two of the top hidden layers to let backpropagation tweak them and see if performance improves. The more training data you have, the more layers you can unfreeze. It is also useful to reduce the learning rate when you unfreeze reused layers: this will avoid wrecking their fine-tuned weights.</a:t>
+            </a:r>
+          </a:p>
         </p:txBody>
       </p:sp>
       <p:sp>
@@ -2588,7 +2589,7 @@
           <a:p>
             <a:fld id="{3148858F-F1DB-4027-9C85-CCA6849540DD}" type="slidenum">
               <a:rPr lang="en-US" smtClean="0"/>
-              <a:t>9</a:t>
+              <a:t>10</a:t>
             </a:fld>
             <a:endParaRPr lang="en-US"/>
           </a:p>
@@ -2597,7 +2598,7 @@
     </p:spTree>
     <p:extLst>
       <p:ext uri="{BB962C8B-B14F-4D97-AF65-F5344CB8AC3E}">
-        <p14:creationId xmlns:p14="http://schemas.microsoft.com/office/powerpoint/2010/main" val="1985664105"/>
+        <p14:creationId xmlns:p14="http://schemas.microsoft.com/office/powerpoint/2010/main" val="3451864319"/>
       </p:ext>
     </p:extLst>
   </p:cSld>
@@ -2754,7 +2755,7 @@
           <a:p>
             <a:fld id="{C3F78080-8D0A-4BE8-A5B4-CB115102D524}" type="datetimeFigureOut">
               <a:rPr lang="en-US" smtClean="0"/>
-              <a:t>9/20/2022</a:t>
+              <a:t>10/11/2022</a:t>
             </a:fld>
             <a:endParaRPr lang="en-US"/>
           </a:p>
@@ -2952,7 +2953,7 @@
           <a:p>
             <a:fld id="{C3F78080-8D0A-4BE8-A5B4-CB115102D524}" type="datetimeFigureOut">
               <a:rPr lang="en-US" smtClean="0"/>
-              <a:t>9/20/2022</a:t>
+              <a:t>10/11/2022</a:t>
             </a:fld>
             <a:endParaRPr lang="en-US"/>
           </a:p>
@@ -3160,7 +3161,7 @@
           <a:p>
             <a:fld id="{C3F78080-8D0A-4BE8-A5B4-CB115102D524}" type="datetimeFigureOut">
               <a:rPr lang="en-US" smtClean="0"/>
-              <a:t>9/20/2022</a:t>
+              <a:t>10/11/2022</a:t>
             </a:fld>
             <a:endParaRPr lang="en-US"/>
           </a:p>
@@ -3358,7 +3359,7 @@
           <a:p>
             <a:fld id="{C3F78080-8D0A-4BE8-A5B4-CB115102D524}" type="datetimeFigureOut">
               <a:rPr lang="en-US" smtClean="0"/>
-              <a:t>9/20/2022</a:t>
+              <a:t>10/11/2022</a:t>
             </a:fld>
             <a:endParaRPr lang="en-US"/>
           </a:p>
@@ -3633,7 +3634,7 @@
           <a:p>
             <a:fld id="{C3F78080-8D0A-4BE8-A5B4-CB115102D524}" type="datetimeFigureOut">
               <a:rPr lang="en-US" smtClean="0"/>
-              <a:t>9/20/2022</a:t>
+              <a:t>10/11/2022</a:t>
             </a:fld>
             <a:endParaRPr lang="en-US"/>
           </a:p>
@@ -3898,7 +3899,7 @@
           <a:p>
             <a:fld id="{C3F78080-8D0A-4BE8-A5B4-CB115102D524}" type="datetimeFigureOut">
               <a:rPr lang="en-US" smtClean="0"/>
-              <a:t>9/20/2022</a:t>
+              <a:t>10/11/2022</a:t>
             </a:fld>
             <a:endParaRPr lang="en-US"/>
           </a:p>
@@ -4310,7 +4311,7 @@
           <a:p>
             <a:fld id="{C3F78080-8D0A-4BE8-A5B4-CB115102D524}" type="datetimeFigureOut">
               <a:rPr lang="en-US" smtClean="0"/>
-              <a:t>9/20/2022</a:t>
+              <a:t>10/11/2022</a:t>
             </a:fld>
             <a:endParaRPr lang="en-US"/>
           </a:p>
@@ -4451,7 +4452,7 @@
           <a:p>
             <a:fld id="{C3F78080-8D0A-4BE8-A5B4-CB115102D524}" type="datetimeFigureOut">
               <a:rPr lang="en-US" smtClean="0"/>
-              <a:t>9/20/2022</a:t>
+              <a:t>10/11/2022</a:t>
             </a:fld>
             <a:endParaRPr lang="en-US"/>
           </a:p>
@@ -4564,7 +4565,7 @@
           <a:p>
             <a:fld id="{C3F78080-8D0A-4BE8-A5B4-CB115102D524}" type="datetimeFigureOut">
               <a:rPr lang="en-US" smtClean="0"/>
-              <a:t>9/20/2022</a:t>
+              <a:t>10/11/2022</a:t>
             </a:fld>
             <a:endParaRPr lang="en-US"/>
           </a:p>
@@ -4875,7 +4876,7 @@
           <a:p>
             <a:fld id="{C3F78080-8D0A-4BE8-A5B4-CB115102D524}" type="datetimeFigureOut">
               <a:rPr lang="en-US" smtClean="0"/>
-              <a:t>9/20/2022</a:t>
+              <a:t>10/11/2022</a:t>
             </a:fld>
             <a:endParaRPr lang="en-US"/>
           </a:p>
@@ -5163,7 +5164,7 @@
           <a:p>
             <a:fld id="{C3F78080-8D0A-4BE8-A5B4-CB115102D524}" type="datetimeFigureOut">
               <a:rPr lang="en-US" smtClean="0"/>
-              <a:t>9/20/2022</a:t>
+              <a:t>10/11/2022</a:t>
             </a:fld>
             <a:endParaRPr lang="en-US"/>
           </a:p>
@@ -5404,7 +5405,7 @@
           <a:p>
             <a:fld id="{C3F78080-8D0A-4BE8-A5B4-CB115102D524}" type="datetimeFigureOut">
               <a:rPr lang="en-US" smtClean="0"/>
-              <a:t>9/20/2022</a:t>
+              <a:t>10/11/2022</a:t>
             </a:fld>
             <a:endParaRPr lang="en-US"/>
           </a:p>
@@ -7613,55 +7614,98 @@
       </p:grpSpPr>
       <p:pic>
         <p:nvPicPr>
-          <p:cNvPr id="1026" name="Picture 2" descr="Hugging Face: The Artificial Intelligence Community Building the Future">
-            <a:extLst>
-              <a:ext uri="{FF2B5EF4-FFF2-40B4-BE49-F238E27FC236}">
-                <a16:creationId xmlns:a16="http://schemas.microsoft.com/office/drawing/2014/main" id="{280E1861-D7F6-46FB-AFFE-3A33E6D35281}"/>
+          <p:cNvPr id="3" name="Picture 2">
+            <a:extLst>
+              <a:ext uri="{FF2B5EF4-FFF2-40B4-BE49-F238E27FC236}">
+                <a16:creationId xmlns:a16="http://schemas.microsoft.com/office/drawing/2014/main" id="{88CC7D4C-7D31-4E3C-92F7-200A7C7F587F}"/>
               </a:ext>
             </a:extLst>
           </p:cNvPr>
           <p:cNvPicPr>
-            <a:picLocks noChangeAspect="1" noChangeArrowheads="1"/>
+            <a:picLocks noChangeAspect="1"/>
           </p:cNvPicPr>
           <p:nvPr/>
         </p:nvPicPr>
         <p:blipFill>
-          <a:blip r:embed="rId3">
-            <a:extLst>
-              <a:ext uri="{28A0092B-C50C-407E-A947-70E740481C1C}">
-                <a14:useLocalDpi xmlns:a14="http://schemas.microsoft.com/office/drawing/2010/main" val="0"/>
-              </a:ext>
-            </a:extLst>
-          </a:blip>
-          <a:srcRect/>
+          <a:blip r:embed="rId3"/>
           <a:stretch>
             <a:fillRect/>
           </a:stretch>
         </p:blipFill>
-        <p:spPr bwMode="auto">
+        <p:spPr>
           <a:xfrm>
-            <a:off x="2119312" y="781050"/>
-            <a:ext cx="7953375" cy="5295900"/>
+            <a:off x="0" y="365760"/>
+            <a:ext cx="3233668" cy="805144"/>
+          </a:xfrm>
+          <a:prstGeom prst="rect">
+            <a:avLst/>
+          </a:prstGeom>
+        </p:spPr>
+      </p:pic>
+      <p:sp>
+        <p:nvSpPr>
+          <p:cNvPr id="4" name="TextBox 3">
+            <a:extLst>
+              <a:ext uri="{FF2B5EF4-FFF2-40B4-BE49-F238E27FC236}">
+                <a16:creationId xmlns:a16="http://schemas.microsoft.com/office/drawing/2014/main" id="{D80C2300-C072-4EDD-91B9-F3EBA464EDE2}"/>
+              </a:ext>
+            </a:extLst>
+          </p:cNvPr>
+          <p:cNvSpPr txBox="1"/>
+          <p:nvPr/>
+        </p:nvSpPr>
+        <p:spPr>
+          <a:xfrm>
+            <a:off x="0" y="3291840"/>
+            <a:ext cx="12192000" cy="1200329"/>
           </a:xfrm>
           <a:prstGeom prst="rect">
             <a:avLst/>
           </a:prstGeom>
           <a:noFill/>
-          <a:extLst>
-            <a:ext uri="{909E8E84-426E-40DD-AFC4-6F175D3DCCD1}">
-              <a14:hiddenFill xmlns:a14="http://schemas.microsoft.com/office/drawing/2010/main">
-                <a:solidFill>
-                  <a:srgbClr val="FFFFFF"/>
-                </a:solidFill>
-              </a14:hiddenFill>
-            </a:ext>
-          </a:extLst>
         </p:spPr>
-      </p:pic>
+        <p:txBody>
+          <a:bodyPr wrap="square" rtlCol="0">
+            <a:spAutoFit/>
+          </a:bodyPr>
+          <a:lstStyle/>
+          <a:p>
+            <a:pPr algn="ctr"/>
+            <a:r>
+              <a:rPr lang="en-US" sz="3600" dirty="0">
+                <a:solidFill>
+                  <a:schemeClr val="tx1">
+                    <a:lumMod val="65000"/>
+                    <a:lumOff val="35000"/>
+                  </a:schemeClr>
+                </a:solidFill>
+                <a:latin typeface="Palatino Linotype" panose="02040502050505030304" pitchFamily="18" charset="0"/>
+              </a:rPr>
+              <a:t>Transfer Learning (Fine Tuning)</a:t>
+            </a:r>
+          </a:p>
+          <a:p>
+            <a:pPr algn="ctr"/>
+            <a:r>
+              <a:rPr lang="en-US" sz="3600" dirty="0">
+                <a:solidFill>
+                  <a:schemeClr val="tx1">
+                    <a:lumMod val="65000"/>
+                    <a:lumOff val="35000"/>
+                  </a:schemeClr>
+                </a:solidFill>
+                <a:latin typeface="Palatino Linotype" panose="02040502050505030304" pitchFamily="18" charset="0"/>
+              </a:rPr>
+              <a:t>02.2_fine_tune.ipynb</a:t>
+            </a:r>
+            <a:endParaRPr lang="en-US" sz="3600" dirty="0"/>
+          </a:p>
+        </p:txBody>
+      </p:sp>
     </p:spTree>
     <p:extLst>
       <p:ext uri="{BB962C8B-B14F-4D97-AF65-F5344CB8AC3E}">
-        <p14:creationId xmlns:p14="http://schemas.microsoft.com/office/powerpoint/2010/main" val="3503339875"/>
+        <p14:creationId xmlns:p14="http://schemas.microsoft.com/office/powerpoint/2010/main" val="609489790"/>
       </p:ext>
     </p:extLst>
   </p:cSld>
@@ -7705,138 +7749,6 @@
           <p:cNvPr id="3" name="Picture 2">
             <a:extLst>
               <a:ext uri="{FF2B5EF4-FFF2-40B4-BE49-F238E27FC236}">
-                <a16:creationId xmlns:a16="http://schemas.microsoft.com/office/drawing/2014/main" id="{88CC7D4C-7D31-4E3C-92F7-200A7C7F587F}"/>
-              </a:ext>
-            </a:extLst>
-          </p:cNvPr>
-          <p:cNvPicPr>
-            <a:picLocks noChangeAspect="1"/>
-          </p:cNvPicPr>
-          <p:nvPr/>
-        </p:nvPicPr>
-        <p:blipFill>
-          <a:blip r:embed="rId3"/>
-          <a:stretch>
-            <a:fillRect/>
-          </a:stretch>
-        </p:blipFill>
-        <p:spPr>
-          <a:xfrm>
-            <a:off x="0" y="365760"/>
-            <a:ext cx="3233668" cy="805144"/>
-          </a:xfrm>
-          <a:prstGeom prst="rect">
-            <a:avLst/>
-          </a:prstGeom>
-        </p:spPr>
-      </p:pic>
-      <p:sp>
-        <p:nvSpPr>
-          <p:cNvPr id="4" name="TextBox 3">
-            <a:extLst>
-              <a:ext uri="{FF2B5EF4-FFF2-40B4-BE49-F238E27FC236}">
-                <a16:creationId xmlns:a16="http://schemas.microsoft.com/office/drawing/2014/main" id="{D80C2300-C072-4EDD-91B9-F3EBA464EDE2}"/>
-              </a:ext>
-            </a:extLst>
-          </p:cNvPr>
-          <p:cNvSpPr txBox="1"/>
-          <p:nvPr/>
-        </p:nvSpPr>
-        <p:spPr>
-          <a:xfrm>
-            <a:off x="0" y="3291840"/>
-            <a:ext cx="12192000" cy="1200329"/>
-          </a:xfrm>
-          <a:prstGeom prst="rect">
-            <a:avLst/>
-          </a:prstGeom>
-          <a:noFill/>
-        </p:spPr>
-        <p:txBody>
-          <a:bodyPr wrap="square" rtlCol="0">
-            <a:spAutoFit/>
-          </a:bodyPr>
-          <a:lstStyle/>
-          <a:p>
-            <a:pPr algn="ctr"/>
-            <a:r>
-              <a:rPr lang="en-US" sz="3600" dirty="0">
-                <a:solidFill>
-                  <a:schemeClr val="tx1">
-                    <a:lumMod val="65000"/>
-                    <a:lumOff val="35000"/>
-                  </a:schemeClr>
-                </a:solidFill>
-                <a:latin typeface="Palatino Linotype" panose="02040502050505030304" pitchFamily="18" charset="0"/>
-              </a:rPr>
-              <a:t>Transfer Learning (Fine Tuning)</a:t>
-            </a:r>
-          </a:p>
-          <a:p>
-            <a:pPr algn="ctr"/>
-            <a:r>
-              <a:rPr lang="en-US" sz="3600" dirty="0">
-                <a:solidFill>
-                  <a:schemeClr val="tx1">
-                    <a:lumMod val="65000"/>
-                    <a:lumOff val="35000"/>
-                  </a:schemeClr>
-                </a:solidFill>
-                <a:latin typeface="Palatino Linotype" panose="02040502050505030304" pitchFamily="18" charset="0"/>
-              </a:rPr>
-              <a:t>01.2_fine_tune.ipynb</a:t>
-            </a:r>
-            <a:endParaRPr lang="en-US" sz="3600" dirty="0"/>
-          </a:p>
-        </p:txBody>
-      </p:sp>
-    </p:spTree>
-    <p:extLst>
-      <p:ext uri="{BB962C8B-B14F-4D97-AF65-F5344CB8AC3E}">
-        <p14:creationId xmlns:p14="http://schemas.microsoft.com/office/powerpoint/2010/main" val="609489790"/>
-      </p:ext>
-    </p:extLst>
-  </p:cSld>
-  <p:clrMapOvr>
-    <a:masterClrMapping/>
-  </p:clrMapOvr>
-  <mc:AlternateContent xmlns:mc="http://schemas.openxmlformats.org/markup-compatibility/2006" xmlns:p14="http://schemas.microsoft.com/office/powerpoint/2010/main">
-    <mc:Choice Requires="p14">
-      <p:transition spd="med" p14:dur="700">
-        <p:fade/>
-      </p:transition>
-    </mc:Choice>
-    <mc:Fallback xmlns="">
-      <p:transition spd="med">
-        <p:fade/>
-      </p:transition>
-    </mc:Fallback>
-  </mc:AlternateContent>
-</p:sld>
-</file>
-
-<file path=ppt/slides/slide16.xml><?xml version="1.0" encoding="utf-8"?>
-<p:sld xmlns:a="http://schemas.openxmlformats.org/drawingml/2006/main" xmlns:r="http://schemas.openxmlformats.org/officeDocument/2006/relationships" xmlns:p="http://schemas.openxmlformats.org/presentationml/2006/main">
-  <p:cSld>
-    <p:spTree>
-      <p:nvGrpSpPr>
-        <p:cNvPr id="1" name=""/>
-        <p:cNvGrpSpPr/>
-        <p:nvPr/>
-      </p:nvGrpSpPr>
-      <p:grpSpPr>
-        <a:xfrm>
-          <a:off x="0" y="0"/>
-          <a:ext cx="0" cy="0"/>
-          <a:chOff x="0" y="0"/>
-          <a:chExt cx="0" cy="0"/>
-        </a:xfrm>
-      </p:grpSpPr>
-      <p:pic>
-        <p:nvPicPr>
-          <p:cNvPr id="3" name="Picture 2">
-            <a:extLst>
-              <a:ext uri="{FF2B5EF4-FFF2-40B4-BE49-F238E27FC236}">
                 <a16:creationId xmlns:a16="http://schemas.microsoft.com/office/drawing/2014/main" id="{239D0A82-7D34-4E48-BE20-B982B3990537}"/>
               </a:ext>
             </a:extLst>
@@ -7916,7 +7828,7 @@
                 </a:solidFill>
                 <a:latin typeface="Palatino Linotype" panose="02040502050505030304" pitchFamily="18" charset="0"/>
               </a:rPr>
-              <a:t>01.3_fruit_class.ipynb</a:t>
+              <a:t>02.3_fruit_class.ipynb</a:t>
             </a:r>
             <a:endParaRPr lang="en-US" sz="3600" dirty="0"/>
           </a:p>
@@ -7947,7 +7859,7 @@
 </p:sld>
 </file>
 
-<file path=ppt/slides/slide17.xml><?xml version="1.0" encoding="utf-8"?>
+<file path=ppt/slides/slide16.xml><?xml version="1.0" encoding="utf-8"?>
 <p:sld xmlns:a="http://schemas.openxmlformats.org/drawingml/2006/main" xmlns:r="http://schemas.openxmlformats.org/officeDocument/2006/relationships" xmlns:p="http://schemas.openxmlformats.org/presentationml/2006/main">
   <p:cSld>
     <p:spTree>
@@ -7989,7 +7901,7 @@
 </p:sld>
 </file>
 
-<file path=ppt/slides/slide18.xml><?xml version="1.0" encoding="utf-8"?>
+<file path=ppt/slides/slide17.xml><?xml version="1.0" encoding="utf-8"?>
 <p:sld xmlns:a="http://schemas.openxmlformats.org/drawingml/2006/main" xmlns:r="http://schemas.openxmlformats.org/officeDocument/2006/relationships" xmlns:p="http://schemas.openxmlformats.org/presentationml/2006/main">
   <p:cSld>
     <p:spTree>
@@ -9446,75 +9358,74 @@
           <a:chExt cx="0" cy="0"/>
         </a:xfrm>
       </p:grpSpPr>
-      <p:pic>
-        <p:nvPicPr>
-          <p:cNvPr id="1026" name="Picture 2" descr="Project Jupyter - Wikipedia">
-            <a:extLst>
-              <a:ext uri="{FF2B5EF4-FFF2-40B4-BE49-F238E27FC236}">
-                <a16:creationId xmlns:a16="http://schemas.microsoft.com/office/drawing/2014/main" id="{2E199D10-634D-4257-BA3C-C6BFAF6D0A76}"/>
-              </a:ext>
-            </a:extLst>
-          </p:cNvPr>
-          <p:cNvPicPr>
-            <a:picLocks noChangeAspect="1" noChangeArrowheads="1"/>
-          </p:cNvPicPr>
+      <p:sp>
+        <p:nvSpPr>
+          <p:cNvPr id="3" name="TextBox 2">
+            <a:extLst>
+              <a:ext uri="{FF2B5EF4-FFF2-40B4-BE49-F238E27FC236}">
+                <a16:creationId xmlns:a16="http://schemas.microsoft.com/office/drawing/2014/main" id="{558F3CCB-26C2-2079-ED9F-F97D33863C15}"/>
+              </a:ext>
+            </a:extLst>
+          </p:cNvPr>
+          <p:cNvSpPr txBox="1"/>
           <p:nvPr/>
-        </p:nvPicPr>
-        <p:blipFill>
-          <a:blip r:embed="rId3">
-            <a:extLst>
-              <a:ext uri="{28A0092B-C50C-407E-A947-70E740481C1C}">
-                <a14:useLocalDpi xmlns:a14="http://schemas.microsoft.com/office/drawing/2010/main" val="0"/>
-              </a:ext>
-            </a:extLst>
-          </a:blip>
-          <a:srcRect/>
-          <a:stretch>
-            <a:fillRect/>
-          </a:stretch>
-        </p:blipFill>
-        <p:spPr bwMode="auto">
+        </p:nvSpPr>
+        <p:spPr>
           <a:xfrm>
-            <a:off x="4581999" y="1674108"/>
-            <a:ext cx="3028001" cy="3509783"/>
+            <a:off x="0" y="2828835"/>
+            <a:ext cx="12192000" cy="1323439"/>
           </a:xfrm>
           <a:prstGeom prst="rect">
             <a:avLst/>
           </a:prstGeom>
           <a:noFill/>
-          <a:extLst>
-            <a:ext uri="{909E8E84-426E-40DD-AFC4-6F175D3DCCD1}">
-              <a14:hiddenFill xmlns:a14="http://schemas.microsoft.com/office/drawing/2010/main">
-                <a:solidFill>
-                  <a:srgbClr val="FFFFFF"/>
-                </a:solidFill>
-              </a14:hiddenFill>
-            </a:ext>
-          </a:extLst>
         </p:spPr>
-      </p:pic>
+        <p:txBody>
+          <a:bodyPr wrap="square" rtlCol="0">
+            <a:spAutoFit/>
+          </a:bodyPr>
+          <a:lstStyle/>
+          <a:p>
+            <a:pPr algn="ctr"/>
+            <a:r>
+              <a:rPr lang="en-US" sz="4400" dirty="0">
+                <a:solidFill>
+                  <a:srgbClr val="54D61E"/>
+                </a:solidFill>
+                <a:latin typeface="Courier New" panose="02070309020205020404" pitchFamily="49" charset="0"/>
+                <a:cs typeface="Courier New" panose="02070309020205020404" pitchFamily="49" charset="0"/>
+              </a:rPr>
+              <a:t>Talk and Doc</a:t>
+            </a:r>
+          </a:p>
+          <a:p>
+            <a:pPr algn="ctr"/>
+            <a:r>
+              <a:rPr lang="en-US" sz="3600" dirty="0">
+                <a:solidFill>
+                  <a:schemeClr val="tx1">
+                    <a:lumMod val="65000"/>
+                    <a:lumOff val="35000"/>
+                  </a:schemeClr>
+                </a:solidFill>
+                <a:latin typeface="Palatino Linotype" panose="02040502050505030304" pitchFamily="18" charset="0"/>
+              </a:rPr>
+              <a:t>02.0_transfer_hot_dog.ipynb</a:t>
+            </a:r>
+            <a:endParaRPr lang="en-US" sz="3600" dirty="0"/>
+          </a:p>
+        </p:txBody>
+      </p:sp>
     </p:spTree>
     <p:extLst>
       <p:ext uri="{BB962C8B-B14F-4D97-AF65-F5344CB8AC3E}">
-        <p14:creationId xmlns:p14="http://schemas.microsoft.com/office/powerpoint/2010/main" val="2383651979"/>
+        <p14:creationId xmlns:p14="http://schemas.microsoft.com/office/powerpoint/2010/main" val="4013088514"/>
       </p:ext>
     </p:extLst>
   </p:cSld>
   <p:clrMapOvr>
     <a:masterClrMapping/>
   </p:clrMapOvr>
-  <mc:AlternateContent xmlns:mc="http://schemas.openxmlformats.org/markup-compatibility/2006" xmlns:p14="http://schemas.microsoft.com/office/powerpoint/2010/main">
-    <mc:Choice Requires="p14">
-      <p:transition spd="med" p14:dur="700">
-        <p:fade/>
-      </p:transition>
-    </mc:Choice>
-    <mc:Fallback xmlns="">
-      <p:transition spd="med">
-        <p:fade/>
-      </p:transition>
-    </mc:Fallback>
-  </mc:AlternateContent>
 </p:sld>
 </file>
 
@@ -9619,7 +9530,7 @@
                 </a:solidFill>
                 <a:latin typeface="Palatino Linotype" panose="02040502050505030304" pitchFamily="18" charset="0"/>
               </a:rPr>
-              <a:t>01.1_transfer.ipynb</a:t>
+              <a:t>02.1_transfer.ipynb</a:t>
             </a:r>
             <a:endParaRPr lang="en-US" sz="3600" dirty="0"/>
           </a:p>

--- a/presentations/02_transfer_learn.pptx
+++ b/presentations/02_transfer_learn.pptx
@@ -5,7 +5,7 @@
     <p:sldMasterId id="2147483648" r:id="rId1"/>
   </p:sldMasterIdLst>
   <p:notesMasterIdLst>
-    <p:notesMasterId r:id="rId19"/>
+    <p:notesMasterId r:id="rId17"/>
   </p:notesMasterIdLst>
   <p:sldIdLst>
     <p:sldId id="326" r:id="rId2"/>
@@ -23,8 +23,6 @@
     <p:sldId id="333" r:id="rId14"/>
     <p:sldId id="341" r:id="rId15"/>
     <p:sldId id="345" r:id="rId16"/>
-    <p:sldId id="335" r:id="rId17"/>
-    <p:sldId id="346" r:id="rId18"/>
   </p:sldIdLst>
   <p:sldSz cx="12192000" cy="6858000"/>
   <p:notesSz cx="6858000" cy="9144000"/>
@@ -1415,184 +1413,6 @@
     <p:extLst>
       <p:ext uri="{BB962C8B-B14F-4D97-AF65-F5344CB8AC3E}">
         <p14:creationId xmlns:p14="http://schemas.microsoft.com/office/powerpoint/2010/main" val="1974960137"/>
-      </p:ext>
-    </p:extLst>
-  </p:cSld>
-  <p:clrMapOvr>
-    <a:masterClrMapping/>
-  </p:clrMapOvr>
-</p:notes>
-</file>
-
-<file path=ppt/notesSlides/notesSlide16.xml><?xml version="1.0" encoding="utf-8"?>
-<p:notes xmlns:a="http://schemas.openxmlformats.org/drawingml/2006/main" xmlns:r="http://schemas.openxmlformats.org/officeDocument/2006/relationships" xmlns:p="http://schemas.openxmlformats.org/presentationml/2006/main">
-  <p:cSld>
-    <p:spTree>
-      <p:nvGrpSpPr>
-        <p:cNvPr id="1" name=""/>
-        <p:cNvGrpSpPr/>
-        <p:nvPr/>
-      </p:nvGrpSpPr>
-      <p:grpSpPr>
-        <a:xfrm>
-          <a:off x="0" y="0"/>
-          <a:ext cx="0" cy="0"/>
-          <a:chOff x="0" y="0"/>
-          <a:chExt cx="0" cy="0"/>
-        </a:xfrm>
-      </p:grpSpPr>
-      <p:sp>
-        <p:nvSpPr>
-          <p:cNvPr id="2" name="Slide Image Placeholder 1"/>
-          <p:cNvSpPr>
-            <a:spLocks noGrp="1" noRot="1" noChangeAspect="1"/>
-          </p:cNvSpPr>
-          <p:nvPr>
-            <p:ph type="sldImg"/>
-          </p:nvPr>
-        </p:nvSpPr>
-        <p:spPr/>
-      </p:sp>
-      <p:sp>
-        <p:nvSpPr>
-          <p:cNvPr id="3" name="Notes Placeholder 2"/>
-          <p:cNvSpPr>
-            <a:spLocks noGrp="1"/>
-          </p:cNvSpPr>
-          <p:nvPr>
-            <p:ph type="body" idx="1"/>
-          </p:nvPr>
-        </p:nvSpPr>
-        <p:spPr/>
-        <p:txBody>
-          <a:bodyPr/>
-          <a:lstStyle/>
-          <a:p>
-            <a:pPr marL="0" indent="0" algn="l">
-              <a:buNone/>
-            </a:pPr>
-            <a:endParaRPr lang="en-US" dirty="0"/>
-          </a:p>
-        </p:txBody>
-      </p:sp>
-      <p:sp>
-        <p:nvSpPr>
-          <p:cNvPr id="4" name="Slide Number Placeholder 3"/>
-          <p:cNvSpPr>
-            <a:spLocks noGrp="1"/>
-          </p:cNvSpPr>
-          <p:nvPr>
-            <p:ph type="sldNum" sz="quarter" idx="5"/>
-          </p:nvPr>
-        </p:nvSpPr>
-        <p:spPr/>
-        <p:txBody>
-          <a:bodyPr/>
-          <a:lstStyle/>
-          <a:p>
-            <a:fld id="{3148858F-F1DB-4027-9C85-CCA6849540DD}" type="slidenum">
-              <a:rPr lang="en-US" smtClean="0"/>
-              <a:t>16</a:t>
-            </a:fld>
-            <a:endParaRPr lang="en-US"/>
-          </a:p>
-        </p:txBody>
-      </p:sp>
-    </p:spTree>
-    <p:extLst>
-      <p:ext uri="{BB962C8B-B14F-4D97-AF65-F5344CB8AC3E}">
-        <p14:creationId xmlns:p14="http://schemas.microsoft.com/office/powerpoint/2010/main" val="108490749"/>
-      </p:ext>
-    </p:extLst>
-  </p:cSld>
-  <p:clrMapOvr>
-    <a:masterClrMapping/>
-  </p:clrMapOvr>
-</p:notes>
-</file>
-
-<file path=ppt/notesSlides/notesSlide17.xml><?xml version="1.0" encoding="utf-8"?>
-<p:notes xmlns:a="http://schemas.openxmlformats.org/drawingml/2006/main" xmlns:r="http://schemas.openxmlformats.org/officeDocument/2006/relationships" xmlns:p="http://schemas.openxmlformats.org/presentationml/2006/main">
-  <p:cSld>
-    <p:spTree>
-      <p:nvGrpSpPr>
-        <p:cNvPr id="1" name=""/>
-        <p:cNvGrpSpPr/>
-        <p:nvPr/>
-      </p:nvGrpSpPr>
-      <p:grpSpPr>
-        <a:xfrm>
-          <a:off x="0" y="0"/>
-          <a:ext cx="0" cy="0"/>
-          <a:chOff x="0" y="0"/>
-          <a:chExt cx="0" cy="0"/>
-        </a:xfrm>
-      </p:grpSpPr>
-      <p:sp>
-        <p:nvSpPr>
-          <p:cNvPr id="2" name="Slide Image Placeholder 1"/>
-          <p:cNvSpPr>
-            <a:spLocks noGrp="1" noRot="1" noChangeAspect="1"/>
-          </p:cNvSpPr>
-          <p:nvPr>
-            <p:ph type="sldImg"/>
-          </p:nvPr>
-        </p:nvSpPr>
-        <p:spPr/>
-      </p:sp>
-      <p:sp>
-        <p:nvSpPr>
-          <p:cNvPr id="3" name="Notes Placeholder 2"/>
-          <p:cNvSpPr>
-            <a:spLocks noGrp="1"/>
-          </p:cNvSpPr>
-          <p:nvPr>
-            <p:ph type="body" idx="1"/>
-          </p:nvPr>
-        </p:nvSpPr>
-        <p:spPr/>
-        <p:txBody>
-          <a:bodyPr/>
-          <a:lstStyle/>
-          <a:p>
-            <a:endParaRPr lang="en-US" dirty="0">
-              <a:latin typeface="Palatino Linotype" panose="02040502050505030304" pitchFamily="18" charset="0"/>
-            </a:endParaRPr>
-          </a:p>
-          <a:p>
-            <a:endParaRPr lang="en-US" dirty="0">
-              <a:latin typeface="Palatino Linotype" panose="02040502050505030304" pitchFamily="18" charset="0"/>
-            </a:endParaRPr>
-          </a:p>
-        </p:txBody>
-      </p:sp>
-      <p:sp>
-        <p:nvSpPr>
-          <p:cNvPr id="4" name="Slide Number Placeholder 3"/>
-          <p:cNvSpPr>
-            <a:spLocks noGrp="1"/>
-          </p:cNvSpPr>
-          <p:nvPr>
-            <p:ph type="sldNum" sz="quarter" idx="5"/>
-          </p:nvPr>
-        </p:nvSpPr>
-        <p:spPr/>
-        <p:txBody>
-          <a:bodyPr/>
-          <a:lstStyle/>
-          <a:p>
-            <a:fld id="{3148858F-F1DB-4027-9C85-CCA6849540DD}" type="slidenum">
-              <a:rPr lang="en-US" smtClean="0"/>
-              <a:t>17</a:t>
-            </a:fld>
-            <a:endParaRPr lang="en-US"/>
-          </a:p>
-        </p:txBody>
-      </p:sp>
-    </p:spTree>
-    <p:extLst>
-      <p:ext uri="{BB962C8B-B14F-4D97-AF65-F5344CB8AC3E}">
-        <p14:creationId xmlns:p14="http://schemas.microsoft.com/office/powerpoint/2010/main" val="2023840696"/>
       </p:ext>
     </p:extLst>
   </p:cSld>
@@ -7459,7 +7279,7 @@
         <p:spPr>
           <a:xfrm>
             <a:off x="2448019" y="1416210"/>
-            <a:ext cx="1504708" cy="369332"/>
+            <a:ext cx="1504708" cy="400110"/>
           </a:xfrm>
           <a:prstGeom prst="rect">
             <a:avLst/>
@@ -7474,7 +7294,7 @@
           <a:p>
             <a:pPr algn="ctr"/>
             <a:r>
-              <a:rPr lang="en-US" dirty="0">
+              <a:rPr lang="en-US" sz="2000" dirty="0">
                 <a:solidFill>
                   <a:schemeClr val="bg1"/>
                 </a:solidFill>
@@ -7553,7 +7373,7 @@
         </p:nvSpPr>
         <p:spPr>
           <a:xfrm>
-            <a:off x="2448019" y="677711"/>
+            <a:off x="2448019" y="622626"/>
             <a:ext cx="1504708" cy="400110"/>
           </a:xfrm>
           <a:prstGeom prst="rect">
@@ -10411,170 +10231,6 @@
     <p:extLst>
       <p:ext uri="{BB962C8B-B14F-4D97-AF65-F5344CB8AC3E}">
         <p14:creationId xmlns:p14="http://schemas.microsoft.com/office/powerpoint/2010/main" val="994788979"/>
-      </p:ext>
-    </p:extLst>
-  </p:cSld>
-  <p:clrMapOvr>
-    <a:masterClrMapping/>
-  </p:clrMapOvr>
-  <mc:AlternateContent xmlns:mc="http://schemas.openxmlformats.org/markup-compatibility/2006" xmlns:p14="http://schemas.microsoft.com/office/powerpoint/2010/main">
-    <mc:Choice Requires="p14">
-      <p:transition spd="med" p14:dur="700">
-        <p:fade/>
-      </p:transition>
-    </mc:Choice>
-    <mc:Fallback xmlns="">
-      <p:transition spd="med">
-        <p:fade/>
-      </p:transition>
-    </mc:Fallback>
-  </mc:AlternateContent>
-</p:sld>
-</file>
-
-<file path=ppt/slides/slide16.xml><?xml version="1.0" encoding="utf-8"?>
-<p:sld xmlns:a="http://schemas.openxmlformats.org/drawingml/2006/main" xmlns:r="http://schemas.openxmlformats.org/officeDocument/2006/relationships" xmlns:p="http://schemas.openxmlformats.org/presentationml/2006/main">
-  <p:cSld>
-    <p:spTree>
-      <p:nvGrpSpPr>
-        <p:cNvPr id="1" name=""/>
-        <p:cNvGrpSpPr/>
-        <p:nvPr/>
-      </p:nvGrpSpPr>
-      <p:grpSpPr>
-        <a:xfrm>
-          <a:off x="0" y="0"/>
-          <a:ext cx="0" cy="0"/>
-          <a:chOff x="0" y="0"/>
-          <a:chExt cx="0" cy="0"/>
-        </a:xfrm>
-      </p:grpSpPr>
-    </p:spTree>
-    <p:extLst>
-      <p:ext uri="{BB962C8B-B14F-4D97-AF65-F5344CB8AC3E}">
-        <p14:creationId xmlns:p14="http://schemas.microsoft.com/office/powerpoint/2010/main" val="2165812169"/>
-      </p:ext>
-    </p:extLst>
-  </p:cSld>
-  <p:clrMapOvr>
-    <a:masterClrMapping/>
-  </p:clrMapOvr>
-  <mc:AlternateContent xmlns:mc="http://schemas.openxmlformats.org/markup-compatibility/2006" xmlns:p14="http://schemas.microsoft.com/office/powerpoint/2010/main">
-    <mc:Choice Requires="p14">
-      <p:transition spd="med" p14:dur="700">
-        <p:fade/>
-      </p:transition>
-    </mc:Choice>
-    <mc:Fallback xmlns="">
-      <p:transition spd="med">
-        <p:fade/>
-      </p:transition>
-    </mc:Fallback>
-  </mc:AlternateContent>
-</p:sld>
-</file>
-
-<file path=ppt/slides/slide17.xml><?xml version="1.0" encoding="utf-8"?>
-<p:sld xmlns:a="http://schemas.openxmlformats.org/drawingml/2006/main" xmlns:r="http://schemas.openxmlformats.org/officeDocument/2006/relationships" xmlns:p="http://schemas.openxmlformats.org/presentationml/2006/main">
-  <p:cSld>
-    <p:spTree>
-      <p:nvGrpSpPr>
-        <p:cNvPr id="1" name=""/>
-        <p:cNvGrpSpPr/>
-        <p:nvPr/>
-      </p:nvGrpSpPr>
-      <p:grpSpPr>
-        <a:xfrm>
-          <a:off x="0" y="0"/>
-          <a:ext cx="0" cy="0"/>
-          <a:chOff x="0" y="0"/>
-          <a:chExt cx="0" cy="0"/>
-        </a:xfrm>
-      </p:grpSpPr>
-      <p:sp>
-        <p:nvSpPr>
-          <p:cNvPr id="11" name="TextBox 10">
-            <a:extLst>
-              <a:ext uri="{FF2B5EF4-FFF2-40B4-BE49-F238E27FC236}">
-                <a16:creationId xmlns:a16="http://schemas.microsoft.com/office/drawing/2014/main" id="{032EA95D-BE72-4FC1-87D5-1F0489EE2C7E}"/>
-              </a:ext>
-            </a:extLst>
-          </p:cNvPr>
-          <p:cNvSpPr txBox="1"/>
-          <p:nvPr/>
-        </p:nvSpPr>
-        <p:spPr>
-          <a:xfrm>
-            <a:off x="11430" y="6550223"/>
-            <a:ext cx="12192000" cy="307777"/>
-          </a:xfrm>
-          <a:prstGeom prst="rect">
-            <a:avLst/>
-          </a:prstGeom>
-          <a:noFill/>
-        </p:spPr>
-        <p:txBody>
-          <a:bodyPr wrap="square" rtlCol="0">
-            <a:spAutoFit/>
-          </a:bodyPr>
-          <a:lstStyle/>
-          <a:p>
-            <a:r>
-              <a:rPr lang="en-US" sz="1400" dirty="0">
-                <a:solidFill>
-                  <a:schemeClr val="tx1">
-                    <a:lumMod val="65000"/>
-                    <a:lumOff val="35000"/>
-                  </a:schemeClr>
-                </a:solidFill>
-                <a:latin typeface="+mj-lt"/>
-                <a:ea typeface="Verdana" panose="020B0604030504040204" pitchFamily="34" charset="0"/>
-              </a:rPr>
-              <a:t>Image Credit: https://cktechcheck.com/</a:t>
-            </a:r>
-          </a:p>
-        </p:txBody>
-      </p:sp>
-      <p:pic>
-        <p:nvPicPr>
-          <p:cNvPr id="3" name="Picture 2" descr="A green and white logo&#10;&#10;Description automatically generated with low confidence">
-            <a:extLst>
-              <a:ext uri="{FF2B5EF4-FFF2-40B4-BE49-F238E27FC236}">
-                <a16:creationId xmlns:a16="http://schemas.microsoft.com/office/drawing/2014/main" id="{845735AC-AF18-4257-A9FE-DE0BE6D668A3}"/>
-              </a:ext>
-            </a:extLst>
-          </p:cNvPr>
-          <p:cNvPicPr>
-            <a:picLocks noChangeAspect="1"/>
-          </p:cNvPicPr>
-          <p:nvPr/>
-        </p:nvPicPr>
-        <p:blipFill>
-          <a:blip r:embed="rId3">
-            <a:extLst>
-              <a:ext uri="{28A0092B-C50C-407E-A947-70E740481C1C}">
-                <a14:useLocalDpi xmlns:a14="http://schemas.microsoft.com/office/drawing/2010/main" val="0"/>
-              </a:ext>
-            </a:extLst>
-          </a:blip>
-          <a:stretch>
-            <a:fillRect/>
-          </a:stretch>
-        </p:blipFill>
-        <p:spPr>
-          <a:xfrm>
-            <a:off x="2347157" y="2219696"/>
-            <a:ext cx="7497685" cy="2418608"/>
-          </a:xfrm>
-          <a:prstGeom prst="rect">
-            <a:avLst/>
-          </a:prstGeom>
-        </p:spPr>
-      </p:pic>
-    </p:spTree>
-    <p:extLst>
-      <p:ext uri="{BB962C8B-B14F-4D97-AF65-F5344CB8AC3E}">
-        <p14:creationId xmlns:p14="http://schemas.microsoft.com/office/powerpoint/2010/main" val="264863391"/>
       </p:ext>
     </p:extLst>
   </p:cSld>
@@ -14989,6 +14645,12 @@
             <a:pPr algn="ctr"/>
             <a:r>
               <a:rPr lang="en-US" sz="3600" b="1" dirty="0">
+                <a:solidFill>
+                  <a:schemeClr val="tx1">
+                    <a:lumMod val="75000"/>
+                    <a:lumOff val="25000"/>
+                  </a:schemeClr>
+                </a:solidFill>
                 <a:latin typeface="Avenir Black" panose="02000503020000020003" pitchFamily="2" charset="0"/>
                 <a:cs typeface="Arial" panose="020B0604020202020204" pitchFamily="34" charset="0"/>
               </a:rPr>

--- a/presentations/02_transfer_learn.pptx
+++ b/presentations/02_transfer_learn.pptx
@@ -5,7 +5,7 @@
     <p:sldMasterId id="2147483648" r:id="rId1"/>
   </p:sldMasterIdLst>
   <p:notesMasterIdLst>
-    <p:notesMasterId r:id="rId17"/>
+    <p:notesMasterId r:id="rId19"/>
   </p:notesMasterIdLst>
   <p:sldIdLst>
     <p:sldId id="326" r:id="rId2"/>
@@ -23,6 +23,8 @@
     <p:sldId id="333" r:id="rId14"/>
     <p:sldId id="341" r:id="rId15"/>
     <p:sldId id="345" r:id="rId16"/>
+    <p:sldId id="335" r:id="rId17"/>
+    <p:sldId id="346" r:id="rId18"/>
   </p:sldIdLst>
   <p:sldSz cx="12192000" cy="6858000"/>
   <p:notesSz cx="6858000" cy="9144000"/>
@@ -222,7 +224,7 @@
           <a:p>
             <a:fld id="{FD93C9B2-20F6-4DB1-B471-224337D0AC79}" type="datetimeFigureOut">
               <a:rPr lang="en-US" smtClean="0"/>
-              <a:t>11/1/2022</a:t>
+              <a:t>11/14/2022</a:t>
             </a:fld>
             <a:endParaRPr lang="en-US"/>
           </a:p>
@@ -533,6 +535,14 @@
           <a:bodyPr/>
           <a:lstStyle/>
           <a:p>
+            <a:r>
+              <a:rPr lang="en-US" dirty="0">
+                <a:latin typeface="+mn-lt"/>
+              </a:rPr>
+              <a:t>Let’s get started…</a:t>
+            </a:r>
+          </a:p>
+          <a:p>
             <a:endParaRPr lang="en-US" dirty="0">
               <a:latin typeface="Palatino Linotype" panose="02040502050505030304" pitchFamily="18" charset="0"/>
             </a:endParaRPr>
@@ -624,113 +634,6 @@
           <a:bodyPr/>
           <a:lstStyle/>
           <a:p>
-            <a:pPr algn="l"/>
-            <a:r>
-              <a:rPr lang="en-US" dirty="0"/>
-              <a:t>Let’s quickly review the basic ideas behind transfer learning:</a:t>
-            </a:r>
-          </a:p>
-          <a:p>
-            <a:pPr algn="l"/>
-            <a:endParaRPr lang="en-US" dirty="0"/>
-          </a:p>
-          <a:p>
-            <a:pPr marL="228600" indent="-228600" algn="l">
-              <a:buAutoNum type="alphaLcPeriod"/>
-            </a:pPr>
-            <a:r>
-              <a:rPr lang="en-US" dirty="0"/>
-              <a:t>It’s usually better to find and repurpose an existing model from a related domain rather than train a new neural network from scratch.</a:t>
-            </a:r>
-          </a:p>
-          <a:p>
-            <a:pPr marL="228600" indent="-228600" algn="l">
-              <a:buAutoNum type="alphaLcPeriod"/>
-            </a:pPr>
-            <a:r>
-              <a:rPr lang="en-US" dirty="0"/>
-              <a:t>Transfer learning not only decreases training time but also requires significantly less data.</a:t>
-            </a:r>
-          </a:p>
-          <a:p>
-            <a:pPr marL="228600" indent="-228600" algn="l">
-              <a:buAutoNum type="alphaLcPeriod"/>
-            </a:pPr>
-            <a:r>
-              <a:rPr lang="en-US" dirty="0"/>
-              <a:t>We typically retain the lower network layers (as shown here) and only replace just the top layers with new ones trained specifically for our task.</a:t>
-            </a:r>
-          </a:p>
-          <a:p>
-            <a:pPr marL="685800" marR="0" lvl="1" indent="-228600" algn="l" defTabSz="914400" rtl="0" eaLnBrk="1" fontAlgn="auto" latinLnBrk="0" hangingPunct="1">
-              <a:lnSpc>
-                <a:spcPct val="100000"/>
-              </a:lnSpc>
-              <a:spcBef>
-                <a:spcPts val="0"/>
-              </a:spcBef>
-              <a:spcAft>
-                <a:spcPts val="0"/>
-              </a:spcAft>
-              <a:buClrTx/>
-              <a:buSzTx/>
-              <a:buFontTx/>
-              <a:buAutoNum type="alphaLcPeriod"/>
-              <a:tabLst/>
-              <a:defRPr/>
-            </a:pPr>
-            <a:r>
-              <a:rPr lang="en-US" dirty="0"/>
-              <a:t>The original model’s output layer is usually replaced because it is most likely not useful for the new task.  For example, it may not even have the right number of outputs.  </a:t>
-            </a:r>
-          </a:p>
-          <a:p>
-            <a:pPr marL="685800" marR="0" lvl="1" indent="-228600" algn="l" defTabSz="914400" rtl="0" eaLnBrk="1" fontAlgn="auto" latinLnBrk="0" hangingPunct="1">
-              <a:lnSpc>
-                <a:spcPct val="100000"/>
-              </a:lnSpc>
-              <a:spcBef>
-                <a:spcPts val="0"/>
-              </a:spcBef>
-              <a:spcAft>
-                <a:spcPts val="0"/>
-              </a:spcAft>
-              <a:buClrTx/>
-              <a:buSzTx/>
-              <a:buFontTx/>
-              <a:buAutoNum type="alphaLcPeriod"/>
-              <a:tabLst/>
-              <a:defRPr/>
-            </a:pPr>
-            <a:r>
-              <a:rPr lang="en-US" dirty="0"/>
-              <a:t>Likewise, the original model’s upper hidden layers are less likely to be as useful as the lower ones, since the high-level features most suitable for the new task may differ significantly from the useful ones in the original task. </a:t>
-            </a:r>
-          </a:p>
-          <a:p>
-            <a:pPr marL="228600" marR="0" lvl="0" indent="-228600" algn="l" defTabSz="914400" rtl="0" eaLnBrk="1" fontAlgn="auto" latinLnBrk="0" hangingPunct="1">
-              <a:lnSpc>
-                <a:spcPct val="100000"/>
-              </a:lnSpc>
-              <a:spcBef>
-                <a:spcPts val="0"/>
-              </a:spcBef>
-              <a:spcAft>
-                <a:spcPts val="0"/>
-              </a:spcAft>
-              <a:buClrTx/>
-              <a:buSzTx/>
-              <a:buFontTx/>
-              <a:buAutoNum type="alphaLcPeriod"/>
-              <a:tabLst/>
-              <a:defRPr/>
-            </a:pPr>
-            <a:r>
-              <a:rPr lang="en-US" dirty="0"/>
-              <a:t>Transfer learning is an iterative process. Try freezing all the reused layers first (i.e., make their weights non-trainable so that Gradient Descent won’t modify them), then train your model and see how it performs. Then try unfreezing one or two of the top hidden layers to let backpropagation tweak them and see if performance improves. The more training data you have, the more layers you can unfreeze. It is also useful to reduce the learning rate when you unfreeze reused layers: this will avoid wrecking their fine-tuned weights.</a:t>
-            </a:r>
-          </a:p>
-          <a:p>
             <a:pPr marL="0" marR="0" lvl="0" indent="0" algn="l" defTabSz="914400" rtl="0" eaLnBrk="1" fontAlgn="auto" latinLnBrk="0" hangingPunct="1">
               <a:lnSpc>
                 <a:spcPct val="100000"/>
@@ -748,67 +651,18 @@
               <a:tabLst/>
               <a:defRPr/>
             </a:pPr>
-            <a:endParaRPr lang="en-US" dirty="0"/>
-          </a:p>
-          <a:p>
-            <a:pPr marL="0" indent="0" algn="l">
-              <a:buNone/>
-            </a:pPr>
-            <a:r>
-              <a:rPr lang="en-US" dirty="0"/>
-              <a:t>=====</a:t>
+            <a:r>
+              <a:rPr lang="en-US" dirty="0">
+                <a:latin typeface="+mn-lt"/>
+              </a:rPr>
+              <a:t>To save and retrieve the entire model, use the example code displayed here as a template.</a:t>
             </a:r>
           </a:p>
           <a:p>
             <a:pPr algn="l"/>
-            <a:r>
-              <a:rPr lang="en-US" dirty="0"/>
-              <a:t>It is generally not a good idea to train a very large DNN from scratch: instead, you should always try to find an existing neural network that accomplishes a similar task to the one you are trying to tackle, then reuse the lower layers of this network. If done well, transfer learning not only speeds up training considerably, but also requires significantly less training data.</a:t>
-            </a:r>
-          </a:p>
-          <a:p>
-            <a:pPr algn="l"/>
-            <a:endParaRPr lang="en-US" dirty="0"/>
-          </a:p>
-          <a:p>
-            <a:pPr algn="l"/>
-            <a:r>
-              <a:rPr lang="en-US" dirty="0"/>
-              <a:t>Suppose you have access to a DNN that was trained to classify pictures into 100 different categories, including animals, plants, vehicles, and everyday objects. You now want to train a DNN to classify specific types of vehicles. These tasks are very similar, even partly overlapping, so you should try to reuse parts of the first network as shown here.</a:t>
-            </a:r>
-          </a:p>
-          <a:p>
-            <a:pPr algn="l"/>
-            <a:endParaRPr lang="en-US" dirty="0"/>
-          </a:p>
-          <a:p>
-            <a:pPr algn="l"/>
-            <a:r>
-              <a:rPr lang="en-US" dirty="0"/>
-              <a:t>The output layer of the original model will usually be replaced because it is most likely not useful at all for the new task, and it may not even have the right number of outputs for the new task.  </a:t>
-            </a:r>
-          </a:p>
-          <a:p>
-            <a:pPr algn="l"/>
-            <a:endParaRPr lang="en-US" dirty="0"/>
-          </a:p>
-          <a:p>
-            <a:pPr algn="l"/>
-            <a:r>
-              <a:rPr lang="en-US" dirty="0"/>
-              <a:t>In like manner, the upper hidden layers of the original model are less likely to be as useful as the lower layers, since the high-level features that are most useful for the new task may differ significantly from the ones that were most useful for the original task. You want to find the right number of layers to reuse.</a:t>
-            </a:r>
-          </a:p>
-          <a:p>
-            <a:pPr algn="l"/>
-            <a:endParaRPr lang="en-US" dirty="0"/>
-          </a:p>
-          <a:p>
-            <a:pPr algn="l"/>
-            <a:r>
-              <a:rPr lang="en-US" dirty="0"/>
-              <a:t>Try freezing all the reused layers first (i.e., make their weights non-trainable so that Gradient Descent won’t modify them), then train your model and see how it performs. Then try unfreezing one or two of the top hidden layers to let backpropagation tweak them and see if performance improves. The more training data you have, the more layers you can unfreeze. It is also useful to reduce the learning rate when you unfreeze reused layers: this will avoid wrecking their fine-tuned weights.</a:t>
-            </a:r>
+            <a:endParaRPr lang="en-US" dirty="0">
+              <a:latin typeface="+mn-lt"/>
+            </a:endParaRPr>
           </a:p>
         </p:txBody>
       </p:sp>
@@ -829,7 +683,7 @@
           <a:p>
             <a:fld id="{3148858F-F1DB-4027-9C85-CCA6849540DD}" type="slidenum">
               <a:rPr lang="en-US" smtClean="0"/>
-              <a:t>10</a:t>
+              <a:t>11</a:t>
             </a:fld>
             <a:endParaRPr lang="en-US"/>
           </a:p>
@@ -838,7 +692,7 @@
     </p:spTree>
     <p:extLst>
       <p:ext uri="{BB962C8B-B14F-4D97-AF65-F5344CB8AC3E}">
-        <p14:creationId xmlns:p14="http://schemas.microsoft.com/office/powerpoint/2010/main" val="3451864319"/>
+        <p14:creationId xmlns:p14="http://schemas.microsoft.com/office/powerpoint/2010/main" val="321616863"/>
       </p:ext>
     </p:extLst>
   </p:cSld>
@@ -913,7 +767,7 @@
               <a:rPr lang="en-US" dirty="0">
                 <a:latin typeface="+mn-lt"/>
               </a:rPr>
-              <a:t>To save and retrieve the entire model, use the example code displayed here as a template.</a:t>
+              <a:t>To save and retrieve the model’s trained weights, use the example code displayed here as a template.</a:t>
             </a:r>
           </a:p>
           <a:p>
@@ -941,7 +795,7 @@
           <a:p>
             <a:fld id="{3148858F-F1DB-4027-9C85-CCA6849540DD}" type="slidenum">
               <a:rPr lang="en-US" smtClean="0"/>
-              <a:t>11</a:t>
+              <a:t>12</a:t>
             </a:fld>
             <a:endParaRPr lang="en-US"/>
           </a:p>
@@ -950,7 +804,7 @@
     </p:spTree>
     <p:extLst>
       <p:ext uri="{BB962C8B-B14F-4D97-AF65-F5344CB8AC3E}">
-        <p14:creationId xmlns:p14="http://schemas.microsoft.com/office/powerpoint/2010/main" val="321616863"/>
+        <p14:creationId xmlns:p14="http://schemas.microsoft.com/office/powerpoint/2010/main" val="1931056132"/>
       </p:ext>
     </p:extLst>
   </p:cSld>
@@ -1025,7 +879,54 @@
               <a:rPr lang="en-US" dirty="0">
                 <a:latin typeface="+mn-lt"/>
               </a:rPr>
-              <a:t>To save and retrieve the model’s trained weights, use the example code displayed here as a template.</a:t>
+              <a:t>To save and retrieve just the model’s architecture (the layers but not the trained weights), use the example code displayed here as a template.</a:t>
+            </a:r>
+          </a:p>
+          <a:p>
+            <a:pPr marL="0" marR="0" lvl="0" indent="0" algn="l" defTabSz="914400" rtl="0" eaLnBrk="1" fontAlgn="auto" latinLnBrk="0" hangingPunct="1">
+              <a:lnSpc>
+                <a:spcPct val="100000"/>
+              </a:lnSpc>
+              <a:spcBef>
+                <a:spcPts val="0"/>
+              </a:spcBef>
+              <a:spcAft>
+                <a:spcPts val="0"/>
+              </a:spcAft>
+              <a:buClrTx/>
+              <a:buSzTx/>
+              <a:buFontTx/>
+              <a:buNone/>
+              <a:tabLst/>
+              <a:defRPr/>
+            </a:pPr>
+            <a:endParaRPr lang="en-US" dirty="0">
+              <a:latin typeface="+mn-lt"/>
+            </a:endParaRPr>
+          </a:p>
+          <a:p>
+            <a:pPr marL="0" marR="0" lvl="0" indent="0" algn="l" defTabSz="914400" rtl="0" eaLnBrk="1" fontAlgn="auto" latinLnBrk="0" hangingPunct="1">
+              <a:lnSpc>
+                <a:spcPct val="100000"/>
+              </a:lnSpc>
+              <a:spcBef>
+                <a:spcPts val="0"/>
+              </a:spcBef>
+              <a:spcAft>
+                <a:spcPts val="0"/>
+              </a:spcAft>
+              <a:buClrTx/>
+              <a:buSzTx/>
+              <a:buFontTx/>
+              <a:buNone/>
+              <a:tabLst/>
+              <a:defRPr/>
+            </a:pPr>
+            <a:r>
+              <a:rPr lang="en-US" dirty="0">
+                <a:latin typeface="+mn-lt"/>
+              </a:rPr>
+              <a:t>JSON = Java Script Object Notation.</a:t>
             </a:r>
           </a:p>
           <a:p>
@@ -1053,7 +954,7 @@
           <a:p>
             <a:fld id="{3148858F-F1DB-4027-9C85-CCA6849540DD}" type="slidenum">
               <a:rPr lang="en-US" smtClean="0"/>
-              <a:t>12</a:t>
+              <a:t>13</a:t>
             </a:fld>
             <a:endParaRPr lang="en-US"/>
           </a:p>
@@ -1062,7 +963,7 @@
     </p:spTree>
     <p:extLst>
       <p:ext uri="{BB962C8B-B14F-4D97-AF65-F5344CB8AC3E}">
-        <p14:creationId xmlns:p14="http://schemas.microsoft.com/office/powerpoint/2010/main" val="1931056132"/>
+        <p14:creationId xmlns:p14="http://schemas.microsoft.com/office/powerpoint/2010/main" val="47932266"/>
       </p:ext>
     </p:extLst>
   </p:cSld>
@@ -1133,65 +1034,7 @@
               <a:tabLst/>
               <a:defRPr/>
             </a:pPr>
-            <a:r>
-              <a:rPr lang="en-US" dirty="0">
-                <a:latin typeface="+mn-lt"/>
-              </a:rPr>
-              <a:t>To save and retrieve just the model’s architecture (the layers but not the trained weights), use the example code displayed here as a template.</a:t>
-            </a:r>
-          </a:p>
-          <a:p>
-            <a:pPr marL="0" marR="0" lvl="0" indent="0" algn="l" defTabSz="914400" rtl="0" eaLnBrk="1" fontAlgn="auto" latinLnBrk="0" hangingPunct="1">
-              <a:lnSpc>
-                <a:spcPct val="100000"/>
-              </a:lnSpc>
-              <a:spcBef>
-                <a:spcPts val="0"/>
-              </a:spcBef>
-              <a:spcAft>
-                <a:spcPts val="0"/>
-              </a:spcAft>
-              <a:buClrTx/>
-              <a:buSzTx/>
-              <a:buFontTx/>
-              <a:buNone/>
-              <a:tabLst/>
-              <a:defRPr/>
-            </a:pPr>
-            <a:endParaRPr lang="en-US" dirty="0">
-              <a:latin typeface="+mn-lt"/>
-            </a:endParaRPr>
-          </a:p>
-          <a:p>
-            <a:pPr marL="0" marR="0" lvl="0" indent="0" algn="l" defTabSz="914400" rtl="0" eaLnBrk="1" fontAlgn="auto" latinLnBrk="0" hangingPunct="1">
-              <a:lnSpc>
-                <a:spcPct val="100000"/>
-              </a:lnSpc>
-              <a:spcBef>
-                <a:spcPts val="0"/>
-              </a:spcBef>
-              <a:spcAft>
-                <a:spcPts val="0"/>
-              </a:spcAft>
-              <a:buClrTx/>
-              <a:buSzTx/>
-              <a:buFontTx/>
-              <a:buNone/>
-              <a:tabLst/>
-              <a:defRPr/>
-            </a:pPr>
-            <a:r>
-              <a:rPr lang="en-US" dirty="0">
-                <a:latin typeface="+mn-lt"/>
-              </a:rPr>
-              <a:t>JSON = Java Script Object Notation.</a:t>
-            </a:r>
-          </a:p>
-          <a:p>
-            <a:pPr algn="l"/>
-            <a:endParaRPr lang="en-US" dirty="0">
-              <a:latin typeface="+mn-lt"/>
-            </a:endParaRPr>
+            <a:endParaRPr lang="en-US" dirty="0"/>
           </a:p>
         </p:txBody>
       </p:sp>
@@ -1212,7 +1055,7 @@
           <a:p>
             <a:fld id="{3148858F-F1DB-4027-9C85-CCA6849540DD}" type="slidenum">
               <a:rPr lang="en-US" smtClean="0"/>
-              <a:t>13</a:t>
+              <a:t>14</a:t>
             </a:fld>
             <a:endParaRPr lang="en-US"/>
           </a:p>
@@ -1221,7 +1064,7 @@
     </p:spTree>
     <p:extLst>
       <p:ext uri="{BB962C8B-B14F-4D97-AF65-F5344CB8AC3E}">
-        <p14:creationId xmlns:p14="http://schemas.microsoft.com/office/powerpoint/2010/main" val="47932266"/>
+        <p14:creationId xmlns:p14="http://schemas.microsoft.com/office/powerpoint/2010/main" val="3618987416"/>
       </p:ext>
     </p:extLst>
   </p:cSld>
@@ -1275,24 +1118,13 @@
           <a:bodyPr/>
           <a:lstStyle/>
           <a:p>
-            <a:pPr marL="0" marR="0" lvl="0" indent="0" algn="l" defTabSz="914400" rtl="0" eaLnBrk="1" fontAlgn="auto" latinLnBrk="0" hangingPunct="1">
-              <a:lnSpc>
-                <a:spcPct val="100000"/>
-              </a:lnSpc>
-              <a:spcBef>
-                <a:spcPts val="0"/>
-              </a:spcBef>
-              <a:spcAft>
-                <a:spcPts val="0"/>
-              </a:spcAft>
-              <a:buClrTx/>
-              <a:buSzTx/>
-              <a:buFontTx/>
-              <a:buNone/>
-              <a:tabLst/>
+            <a:pPr defTabSz="939363">
               <a:defRPr/>
             </a:pPr>
-            <a:endParaRPr lang="en-US" dirty="0"/>
+            <a:r>
+              <a:rPr lang="en-US" dirty="0"/>
+              <a:t>The learning experience for this workshop starts on page 150 of the textbook.  </a:t>
+            </a:r>
           </a:p>
         </p:txBody>
       </p:sp>
@@ -1313,7 +1145,7 @@
           <a:p>
             <a:fld id="{3148858F-F1DB-4027-9C85-CCA6849540DD}" type="slidenum">
               <a:rPr lang="en-US" smtClean="0"/>
-              <a:t>14</a:t>
+              <a:t>15</a:t>
             </a:fld>
             <a:endParaRPr lang="en-US"/>
           </a:p>
@@ -1322,7 +1154,7 @@
     </p:spTree>
     <p:extLst>
       <p:ext uri="{BB962C8B-B14F-4D97-AF65-F5344CB8AC3E}">
-        <p14:creationId xmlns:p14="http://schemas.microsoft.com/office/powerpoint/2010/main" val="3618987416"/>
+        <p14:creationId xmlns:p14="http://schemas.microsoft.com/office/powerpoint/2010/main" val="1974960137"/>
       </p:ext>
     </p:extLst>
   </p:cSld>
@@ -1376,13 +1208,10 @@
           <a:bodyPr/>
           <a:lstStyle/>
           <a:p>
-            <a:pPr defTabSz="939363">
-              <a:defRPr/>
+            <a:pPr marL="0" indent="0" algn="l">
+              <a:buNone/>
             </a:pPr>
-            <a:r>
-              <a:rPr lang="en-US" dirty="0"/>
-              <a:t>The learning experience for this workshop starts on page 150 of the textbook.  </a:t>
-            </a:r>
+            <a:endParaRPr lang="en-US" dirty="0"/>
           </a:p>
         </p:txBody>
       </p:sp>
@@ -1403,7 +1232,7 @@
           <a:p>
             <a:fld id="{3148858F-F1DB-4027-9C85-CCA6849540DD}" type="slidenum">
               <a:rPr lang="en-US" smtClean="0"/>
-              <a:t>15</a:t>
+              <a:t>16</a:t>
             </a:fld>
             <a:endParaRPr lang="en-US"/>
           </a:p>
@@ -1412,7 +1241,98 @@
     </p:spTree>
     <p:extLst>
       <p:ext uri="{BB962C8B-B14F-4D97-AF65-F5344CB8AC3E}">
-        <p14:creationId xmlns:p14="http://schemas.microsoft.com/office/powerpoint/2010/main" val="1974960137"/>
+        <p14:creationId xmlns:p14="http://schemas.microsoft.com/office/powerpoint/2010/main" val="108490749"/>
+      </p:ext>
+    </p:extLst>
+  </p:cSld>
+  <p:clrMapOvr>
+    <a:masterClrMapping/>
+  </p:clrMapOvr>
+</p:notes>
+</file>
+
+<file path=ppt/notesSlides/notesSlide16.xml><?xml version="1.0" encoding="utf-8"?>
+<p:notes xmlns:a="http://schemas.openxmlformats.org/drawingml/2006/main" xmlns:r="http://schemas.openxmlformats.org/officeDocument/2006/relationships" xmlns:p="http://schemas.openxmlformats.org/presentationml/2006/main">
+  <p:cSld>
+    <p:spTree>
+      <p:nvGrpSpPr>
+        <p:cNvPr id="1" name=""/>
+        <p:cNvGrpSpPr/>
+        <p:nvPr/>
+      </p:nvGrpSpPr>
+      <p:grpSpPr>
+        <a:xfrm>
+          <a:off x="0" y="0"/>
+          <a:ext cx="0" cy="0"/>
+          <a:chOff x="0" y="0"/>
+          <a:chExt cx="0" cy="0"/>
+        </a:xfrm>
+      </p:grpSpPr>
+      <p:sp>
+        <p:nvSpPr>
+          <p:cNvPr id="2" name="Slide Image Placeholder 1"/>
+          <p:cNvSpPr>
+            <a:spLocks noGrp="1" noRot="1" noChangeAspect="1"/>
+          </p:cNvSpPr>
+          <p:nvPr>
+            <p:ph type="sldImg"/>
+          </p:nvPr>
+        </p:nvSpPr>
+        <p:spPr/>
+      </p:sp>
+      <p:sp>
+        <p:nvSpPr>
+          <p:cNvPr id="3" name="Notes Placeholder 2"/>
+          <p:cNvSpPr>
+            <a:spLocks noGrp="1"/>
+          </p:cNvSpPr>
+          <p:nvPr>
+            <p:ph type="body" idx="1"/>
+          </p:nvPr>
+        </p:nvSpPr>
+        <p:spPr/>
+        <p:txBody>
+          <a:bodyPr/>
+          <a:lstStyle/>
+          <a:p>
+            <a:endParaRPr lang="en-US" dirty="0">
+              <a:latin typeface="Palatino Linotype" panose="02040502050505030304" pitchFamily="18" charset="0"/>
+            </a:endParaRPr>
+          </a:p>
+          <a:p>
+            <a:endParaRPr lang="en-US" dirty="0">
+              <a:latin typeface="Palatino Linotype" panose="02040502050505030304" pitchFamily="18" charset="0"/>
+            </a:endParaRPr>
+          </a:p>
+        </p:txBody>
+      </p:sp>
+      <p:sp>
+        <p:nvSpPr>
+          <p:cNvPr id="4" name="Slide Number Placeholder 3"/>
+          <p:cNvSpPr>
+            <a:spLocks noGrp="1"/>
+          </p:cNvSpPr>
+          <p:nvPr>
+            <p:ph type="sldNum" sz="quarter" idx="5"/>
+          </p:nvPr>
+        </p:nvSpPr>
+        <p:spPr/>
+        <p:txBody>
+          <a:bodyPr/>
+          <a:lstStyle/>
+          <a:p>
+            <a:fld id="{3148858F-F1DB-4027-9C85-CCA6849540DD}" type="slidenum">
+              <a:rPr lang="en-US" smtClean="0"/>
+              <a:t>17</a:t>
+            </a:fld>
+            <a:endParaRPr lang="en-US"/>
+          </a:p>
+        </p:txBody>
+      </p:sp>
+    </p:spTree>
+    <p:extLst>
+      <p:ext uri="{BB962C8B-B14F-4D97-AF65-F5344CB8AC3E}">
+        <p14:creationId xmlns:p14="http://schemas.microsoft.com/office/powerpoint/2010/main" val="2023840696"/>
       </p:ext>
     </p:extLst>
   </p:cSld>
@@ -2188,6 +2108,14 @@
               <a:t>https://docs.google.com/document/d/1-NSkeWmzSzi6myow-q9avX4Oz2k9zywZpoDts63CQvQ/edit?usp=sharing</a:t>
             </a:r>
           </a:p>
+          <a:p>
+            <a:pPr marL="0" indent="0" algn="l">
+              <a:buNone/>
+            </a:pPr>
+            <a:endParaRPr lang="en-US" sz="1200" b="0" i="0" u="none" strike="noStrike" baseline="0" dirty="0">
+              <a:latin typeface="+mj-lt"/>
+            </a:endParaRPr>
+          </a:p>
         </p:txBody>
       </p:sp>
       <p:sp>
@@ -2363,6 +2291,23 @@
           <a:bodyPr/>
           <a:lstStyle/>
           <a:p>
+            <a:pPr marL="0" marR="0" lvl="0" indent="0" algn="l" defTabSz="914400" rtl="0" eaLnBrk="1" fontAlgn="auto" latinLnBrk="0" hangingPunct="1">
+              <a:lnSpc>
+                <a:spcPct val="100000"/>
+              </a:lnSpc>
+              <a:spcBef>
+                <a:spcPts val="0"/>
+              </a:spcBef>
+              <a:spcAft>
+                <a:spcPts val="0"/>
+              </a:spcAft>
+              <a:buClrTx/>
+              <a:buSzTx/>
+              <a:buFontTx/>
+              <a:buNone/>
+              <a:tabLst/>
+              <a:defRPr/>
+            </a:pPr>
             <a:endParaRPr lang="en-US" dirty="0"/>
           </a:p>
         </p:txBody>
@@ -2384,7 +2329,7 @@
           <a:p>
             <a:fld id="{3148858F-F1DB-4027-9C85-CCA6849540DD}" type="slidenum">
               <a:rPr lang="en-US" smtClean="0"/>
-              <a:t>8</a:t>
+              <a:t>9</a:t>
             </a:fld>
             <a:endParaRPr lang="en-US"/>
           </a:p>
@@ -2393,7 +2338,7 @@
     </p:spTree>
     <p:extLst>
       <p:ext uri="{BB962C8B-B14F-4D97-AF65-F5344CB8AC3E}">
-        <p14:creationId xmlns:p14="http://schemas.microsoft.com/office/powerpoint/2010/main" val="2790218795"/>
+        <p14:creationId xmlns:p14="http://schemas.microsoft.com/office/powerpoint/2010/main" val="1985664105"/>
       </p:ext>
     </p:extLst>
   </p:cSld>
@@ -2447,6 +2392,113 @@
           <a:bodyPr/>
           <a:lstStyle/>
           <a:p>
+            <a:pPr algn="l"/>
+            <a:r>
+              <a:rPr lang="en-US" dirty="0"/>
+              <a:t>Let’s quickly review the basic ideas behind transfer learning:</a:t>
+            </a:r>
+          </a:p>
+          <a:p>
+            <a:pPr algn="l"/>
+            <a:endParaRPr lang="en-US" dirty="0"/>
+          </a:p>
+          <a:p>
+            <a:pPr marL="228600" indent="-228600" algn="l">
+              <a:buAutoNum type="alphaLcPeriod"/>
+            </a:pPr>
+            <a:r>
+              <a:rPr lang="en-US" dirty="0"/>
+              <a:t>It’s usually better to find and repurpose an existing model from a related domain rather than train a new neural network from scratch.</a:t>
+            </a:r>
+          </a:p>
+          <a:p>
+            <a:pPr marL="228600" indent="-228600" algn="l">
+              <a:buAutoNum type="alphaLcPeriod"/>
+            </a:pPr>
+            <a:r>
+              <a:rPr lang="en-US" dirty="0"/>
+              <a:t>Transfer learning not only decreases training time but also requires significantly less data.</a:t>
+            </a:r>
+          </a:p>
+          <a:p>
+            <a:pPr marL="228600" indent="-228600" algn="l">
+              <a:buAutoNum type="alphaLcPeriod"/>
+            </a:pPr>
+            <a:r>
+              <a:rPr lang="en-US" dirty="0"/>
+              <a:t>We typically retain the lower network layers (as shown here) and only replace just the top layers with new ones trained specifically for our task.</a:t>
+            </a:r>
+          </a:p>
+          <a:p>
+            <a:pPr marL="685800" marR="0" lvl="1" indent="-228600" algn="l" defTabSz="914400" rtl="0" eaLnBrk="1" fontAlgn="auto" latinLnBrk="0" hangingPunct="1">
+              <a:lnSpc>
+                <a:spcPct val="100000"/>
+              </a:lnSpc>
+              <a:spcBef>
+                <a:spcPts val="0"/>
+              </a:spcBef>
+              <a:spcAft>
+                <a:spcPts val="0"/>
+              </a:spcAft>
+              <a:buClrTx/>
+              <a:buSzTx/>
+              <a:buFontTx/>
+              <a:buAutoNum type="alphaLcPeriod"/>
+              <a:tabLst/>
+              <a:defRPr/>
+            </a:pPr>
+            <a:r>
+              <a:rPr lang="en-US" dirty="0"/>
+              <a:t>The original model’s output layer is usually replaced because it is most likely not useful for the new task.  For example, it may not even have the right number of outputs.  </a:t>
+            </a:r>
+          </a:p>
+          <a:p>
+            <a:pPr marL="685800" marR="0" lvl="1" indent="-228600" algn="l" defTabSz="914400" rtl="0" eaLnBrk="1" fontAlgn="auto" latinLnBrk="0" hangingPunct="1">
+              <a:lnSpc>
+                <a:spcPct val="100000"/>
+              </a:lnSpc>
+              <a:spcBef>
+                <a:spcPts val="0"/>
+              </a:spcBef>
+              <a:spcAft>
+                <a:spcPts val="0"/>
+              </a:spcAft>
+              <a:buClrTx/>
+              <a:buSzTx/>
+              <a:buFontTx/>
+              <a:buAutoNum type="alphaLcPeriod"/>
+              <a:tabLst/>
+              <a:defRPr/>
+            </a:pPr>
+            <a:r>
+              <a:rPr lang="en-US" dirty="0"/>
+              <a:t>Likewise, the original model’s upper hidden layers are less likely to be as useful as the lower ones, since the high-level features most suitable for the new task may differ significantly from the useful ones in the original task. </a:t>
+            </a:r>
+          </a:p>
+          <a:p>
+            <a:pPr marL="228600" marR="0" lvl="0" indent="-228600" algn="l" defTabSz="914400" rtl="0" eaLnBrk="1" fontAlgn="auto" latinLnBrk="0" hangingPunct="1">
+              <a:lnSpc>
+                <a:spcPct val="100000"/>
+              </a:lnSpc>
+              <a:spcBef>
+                <a:spcPts val="0"/>
+              </a:spcBef>
+              <a:spcAft>
+                <a:spcPts val="0"/>
+              </a:spcAft>
+              <a:buClrTx/>
+              <a:buSzTx/>
+              <a:buFontTx/>
+              <a:buAutoNum type="alphaLcPeriod"/>
+              <a:tabLst/>
+              <a:defRPr/>
+            </a:pPr>
+            <a:r>
+              <a:rPr lang="en-US" dirty="0"/>
+              <a:t>Transfer learning is an iterative process. Try freezing all the reused layers first (i.e., make their weights non-trainable so that Gradient Descent won’t modify them), then train your model and see how it performs. Then try unfreezing one or two of the top hidden layers to let backpropagation tweak them and see if performance improves. The more training data you have, the more layers you can unfreeze. It is also useful to reduce the learning rate when you unfreeze reused layers: this will avoid wrecking their fine-tuned weights.</a:t>
+            </a:r>
+          </a:p>
+          <a:p>
             <a:pPr marL="0" marR="0" lvl="0" indent="0" algn="l" defTabSz="914400" rtl="0" eaLnBrk="1" fontAlgn="auto" latinLnBrk="0" hangingPunct="1">
               <a:lnSpc>
                 <a:spcPct val="100000"/>
@@ -2466,6 +2518,66 @@
             </a:pPr>
             <a:endParaRPr lang="en-US" dirty="0"/>
           </a:p>
+          <a:p>
+            <a:pPr marL="0" indent="0" algn="l">
+              <a:buNone/>
+            </a:pPr>
+            <a:r>
+              <a:rPr lang="en-US" dirty="0"/>
+              <a:t>=====</a:t>
+            </a:r>
+          </a:p>
+          <a:p>
+            <a:pPr algn="l"/>
+            <a:r>
+              <a:rPr lang="en-US" dirty="0"/>
+              <a:t>It is generally not a good idea to train a very large DNN from scratch: instead, you should always try to find an existing neural network that accomplishes a similar task to the one you are trying to tackle, then reuse the lower layers of this network. If done well, transfer learning not only speeds up training considerably, but also requires significantly less training data.</a:t>
+            </a:r>
+          </a:p>
+          <a:p>
+            <a:pPr algn="l"/>
+            <a:endParaRPr lang="en-US" dirty="0"/>
+          </a:p>
+          <a:p>
+            <a:pPr algn="l"/>
+            <a:r>
+              <a:rPr lang="en-US" dirty="0"/>
+              <a:t>Suppose you have access to a DNN that was trained to classify pictures into 100 different categories, including animals, plants, vehicles, and everyday objects. You now want to train a DNN to classify specific types of vehicles. These tasks are very similar, even partly overlapping, so you should try to reuse parts of the first network as shown here.</a:t>
+            </a:r>
+          </a:p>
+          <a:p>
+            <a:pPr algn="l"/>
+            <a:endParaRPr lang="en-US" dirty="0"/>
+          </a:p>
+          <a:p>
+            <a:pPr algn="l"/>
+            <a:r>
+              <a:rPr lang="en-US" dirty="0"/>
+              <a:t>The output layer of the original model will usually be replaced because it is most likely not useful at all for the new task, and it may not even have the right number of outputs for the new task.  </a:t>
+            </a:r>
+          </a:p>
+          <a:p>
+            <a:pPr algn="l"/>
+            <a:endParaRPr lang="en-US" dirty="0"/>
+          </a:p>
+          <a:p>
+            <a:pPr algn="l"/>
+            <a:r>
+              <a:rPr lang="en-US" dirty="0"/>
+              <a:t>In like manner, the upper hidden layers of the original model are less likely to be as useful as the lower layers, since the high-level features that are most useful for the new task may differ significantly from the ones that were most useful for the original task. You want to find the right number of layers to reuse.</a:t>
+            </a:r>
+          </a:p>
+          <a:p>
+            <a:pPr algn="l"/>
+            <a:endParaRPr lang="en-US" dirty="0"/>
+          </a:p>
+          <a:p>
+            <a:pPr algn="l"/>
+            <a:r>
+              <a:rPr lang="en-US" dirty="0"/>
+              <a:t>Try freezing all the reused layers first (i.e., make their weights non-trainable so that Gradient Descent won’t modify them), then train your model and see how it performs. Then try unfreezing one or two of the top hidden layers to let backpropagation tweak them and see if performance improves. The more training data you have, the more layers you can unfreeze. It is also useful to reduce the learning rate when you unfreeze reused layers: this will avoid wrecking their fine-tuned weights.</a:t>
+            </a:r>
+          </a:p>
         </p:txBody>
       </p:sp>
       <p:sp>
@@ -2485,7 +2597,7 @@
           <a:p>
             <a:fld id="{3148858F-F1DB-4027-9C85-CCA6849540DD}" type="slidenum">
               <a:rPr lang="en-US" smtClean="0"/>
-              <a:t>9</a:t>
+              <a:t>10</a:t>
             </a:fld>
             <a:endParaRPr lang="en-US"/>
           </a:p>
@@ -2494,7 +2606,7 @@
     </p:spTree>
     <p:extLst>
       <p:ext uri="{BB962C8B-B14F-4D97-AF65-F5344CB8AC3E}">
-        <p14:creationId xmlns:p14="http://schemas.microsoft.com/office/powerpoint/2010/main" val="1985664105"/>
+        <p14:creationId xmlns:p14="http://schemas.microsoft.com/office/powerpoint/2010/main" val="3451864319"/>
       </p:ext>
     </p:extLst>
   </p:cSld>
@@ -2651,7 +2763,7 @@
           <a:p>
             <a:fld id="{C3F78080-8D0A-4BE8-A5B4-CB115102D524}" type="datetimeFigureOut">
               <a:rPr lang="en-US" smtClean="0"/>
-              <a:t>11/1/2022</a:t>
+              <a:t>11/14/2022</a:t>
             </a:fld>
             <a:endParaRPr lang="en-US"/>
           </a:p>
@@ -2849,7 +2961,7 @@
           <a:p>
             <a:fld id="{C3F78080-8D0A-4BE8-A5B4-CB115102D524}" type="datetimeFigureOut">
               <a:rPr lang="en-US" smtClean="0"/>
-              <a:t>11/1/2022</a:t>
+              <a:t>11/14/2022</a:t>
             </a:fld>
             <a:endParaRPr lang="en-US"/>
           </a:p>
@@ -3057,7 +3169,7 @@
           <a:p>
             <a:fld id="{C3F78080-8D0A-4BE8-A5B4-CB115102D524}" type="datetimeFigureOut">
               <a:rPr lang="en-US" smtClean="0"/>
-              <a:t>11/1/2022</a:t>
+              <a:t>11/14/2022</a:t>
             </a:fld>
             <a:endParaRPr lang="en-US"/>
           </a:p>
@@ -3255,7 +3367,7 @@
           <a:p>
             <a:fld id="{C3F78080-8D0A-4BE8-A5B4-CB115102D524}" type="datetimeFigureOut">
               <a:rPr lang="en-US" smtClean="0"/>
-              <a:t>11/1/2022</a:t>
+              <a:t>11/14/2022</a:t>
             </a:fld>
             <a:endParaRPr lang="en-US"/>
           </a:p>
@@ -3530,7 +3642,7 @@
           <a:p>
             <a:fld id="{C3F78080-8D0A-4BE8-A5B4-CB115102D524}" type="datetimeFigureOut">
               <a:rPr lang="en-US" smtClean="0"/>
-              <a:t>11/1/2022</a:t>
+              <a:t>11/14/2022</a:t>
             </a:fld>
             <a:endParaRPr lang="en-US"/>
           </a:p>
@@ -3795,7 +3907,7 @@
           <a:p>
             <a:fld id="{C3F78080-8D0A-4BE8-A5B4-CB115102D524}" type="datetimeFigureOut">
               <a:rPr lang="en-US" smtClean="0"/>
-              <a:t>11/1/2022</a:t>
+              <a:t>11/14/2022</a:t>
             </a:fld>
             <a:endParaRPr lang="en-US"/>
           </a:p>
@@ -4207,7 +4319,7 @@
           <a:p>
             <a:fld id="{C3F78080-8D0A-4BE8-A5B4-CB115102D524}" type="datetimeFigureOut">
               <a:rPr lang="en-US" smtClean="0"/>
-              <a:t>11/1/2022</a:t>
+              <a:t>11/14/2022</a:t>
             </a:fld>
             <a:endParaRPr lang="en-US"/>
           </a:p>
@@ -4348,7 +4460,7 @@
           <a:p>
             <a:fld id="{C3F78080-8D0A-4BE8-A5B4-CB115102D524}" type="datetimeFigureOut">
               <a:rPr lang="en-US" smtClean="0"/>
-              <a:t>11/1/2022</a:t>
+              <a:t>11/14/2022</a:t>
             </a:fld>
             <a:endParaRPr lang="en-US"/>
           </a:p>
@@ -4461,7 +4573,7 @@
           <a:p>
             <a:fld id="{C3F78080-8D0A-4BE8-A5B4-CB115102D524}" type="datetimeFigureOut">
               <a:rPr lang="en-US" smtClean="0"/>
-              <a:t>11/1/2022</a:t>
+              <a:t>11/14/2022</a:t>
             </a:fld>
             <a:endParaRPr lang="en-US"/>
           </a:p>
@@ -4772,7 +4884,7 @@
           <a:p>
             <a:fld id="{C3F78080-8D0A-4BE8-A5B4-CB115102D524}" type="datetimeFigureOut">
               <a:rPr lang="en-US" smtClean="0"/>
-              <a:t>11/1/2022</a:t>
+              <a:t>11/14/2022</a:t>
             </a:fld>
             <a:endParaRPr lang="en-US"/>
           </a:p>
@@ -5060,7 +5172,7 @@
           <a:p>
             <a:fld id="{C3F78080-8D0A-4BE8-A5B4-CB115102D524}" type="datetimeFigureOut">
               <a:rPr lang="en-US" smtClean="0"/>
-              <a:t>11/1/2022</a:t>
+              <a:t>11/14/2022</a:t>
             </a:fld>
             <a:endParaRPr lang="en-US"/>
           </a:p>
@@ -5301,7 +5413,7 @@
           <a:p>
             <a:fld id="{C3F78080-8D0A-4BE8-A5B4-CB115102D524}" type="datetimeFigureOut">
               <a:rPr lang="en-US" smtClean="0"/>
-              <a:t>11/1/2022</a:t>
+              <a:t>11/14/2022</a:t>
             </a:fld>
             <a:endParaRPr lang="en-US"/>
           </a:p>
@@ -5728,12 +5840,51 @@
           <a:chExt cx="0" cy="0"/>
         </a:xfrm>
       </p:grpSpPr>
+      <p:sp>
+        <p:nvSpPr>
+          <p:cNvPr id="3" name="Text Placeholder 2">
+            <a:extLst>
+              <a:ext uri="{FF2B5EF4-FFF2-40B4-BE49-F238E27FC236}">
+                <a16:creationId xmlns:a16="http://schemas.microsoft.com/office/drawing/2014/main" id="{098BC2D2-CCF7-4C63-8489-B46BF394FCA2}"/>
+              </a:ext>
+            </a:extLst>
+          </p:cNvPr>
+          <p:cNvSpPr>
+            <a:spLocks noGrp="1"/>
+          </p:cNvSpPr>
+          <p:nvPr>
+            <p:ph type="body" idx="1"/>
+          </p:nvPr>
+        </p:nvSpPr>
+        <p:spPr>
+          <a:xfrm>
+            <a:off x="513245" y="5079203"/>
+            <a:ext cx="10515600" cy="670560"/>
+          </a:xfrm>
+        </p:spPr>
+        <p:txBody>
+          <a:bodyPr/>
+          <a:lstStyle/>
+          <a:p>
+            <a:r>
+              <a:rPr lang="en-US" dirty="0">
+                <a:solidFill>
+                  <a:srgbClr val="65647B"/>
+                </a:solidFill>
+                <a:latin typeface="Avenir" panose="02000503020000020003" pitchFamily="2" charset="0"/>
+                <a:cs typeface="Futura Medium" panose="020B0602020204020303" pitchFamily="34" charset="-79"/>
+              </a:rPr>
+              <a:t>Transfer Learning: Getting Started</a:t>
+            </a:r>
+          </a:p>
+        </p:txBody>
+      </p:sp>
       <p:pic>
         <p:nvPicPr>
-          <p:cNvPr id="4" name="Graphic 3">
-            <a:extLst>
-              <a:ext uri="{FF2B5EF4-FFF2-40B4-BE49-F238E27FC236}">
-                <a16:creationId xmlns:a16="http://schemas.microsoft.com/office/drawing/2014/main" id="{DA1F6568-3BF0-0BA9-7696-037B88D50C1D}"/>
+          <p:cNvPr id="6" name="Picture 5" descr="Logo&#10;&#10;Description automatically generated">
+            <a:extLst>
+              <a:ext uri="{FF2B5EF4-FFF2-40B4-BE49-F238E27FC236}">
+                <a16:creationId xmlns:a16="http://schemas.microsoft.com/office/drawing/2014/main" id="{465E6F64-3854-EC94-CD86-D33389F0D10D}"/>
               </a:ext>
             </a:extLst>
           </p:cNvPr>
@@ -5748,9 +5899,6 @@
               <a:ext uri="{28A0092B-C50C-407E-A947-70E740481C1C}">
                 <a14:useLocalDpi xmlns:a14="http://schemas.microsoft.com/office/drawing/2010/main" val="0"/>
               </a:ext>
-              <a:ext uri="{96DAC541-7B7A-43D3-8B79-37D633B846F1}">
-                <asvg:svgBlip xmlns:asvg="http://schemas.microsoft.com/office/drawing/2016/SVG/main" r:embed="rId4"/>
-              </a:ext>
             </a:extLst>
           </a:blip>
           <a:stretch>
@@ -5759,59 +5907,20 @@
         </p:blipFill>
         <p:spPr>
           <a:xfrm>
-            <a:off x="11417145" y="6085230"/>
-            <a:ext cx="721884" cy="732739"/>
+            <a:off x="147918" y="3159872"/>
+            <a:ext cx="7772400" cy="2109073"/>
           </a:xfrm>
           <a:prstGeom prst="rect">
             <a:avLst/>
           </a:prstGeom>
         </p:spPr>
       </p:pic>
-      <p:sp>
-        <p:nvSpPr>
-          <p:cNvPr id="3" name="Text Placeholder 2">
-            <a:extLst>
-              <a:ext uri="{FF2B5EF4-FFF2-40B4-BE49-F238E27FC236}">
-                <a16:creationId xmlns:a16="http://schemas.microsoft.com/office/drawing/2014/main" id="{098BC2D2-CCF7-4C63-8489-B46BF394FCA2}"/>
-              </a:ext>
-            </a:extLst>
-          </p:cNvPr>
-          <p:cNvSpPr>
-            <a:spLocks noGrp="1"/>
-          </p:cNvSpPr>
-          <p:nvPr>
-            <p:ph type="body" idx="1"/>
-          </p:nvPr>
-        </p:nvSpPr>
-        <p:spPr>
-          <a:xfrm>
-            <a:off x="513245" y="5079203"/>
-            <a:ext cx="10515600" cy="670560"/>
-          </a:xfrm>
-        </p:spPr>
-        <p:txBody>
-          <a:bodyPr/>
-          <a:lstStyle/>
-          <a:p>
-            <a:r>
-              <a:rPr lang="en-US" dirty="0">
-                <a:solidFill>
-                  <a:srgbClr val="65647B"/>
-                </a:solidFill>
-                <a:latin typeface="Avenir" panose="02000503020000020003" pitchFamily="2" charset="0"/>
-                <a:cs typeface="Futura Medium" panose="020B0602020204020303" pitchFamily="34" charset="-79"/>
-              </a:rPr>
-              <a:t>Transfer Learning: Getting Started</a:t>
-            </a:r>
-          </a:p>
-        </p:txBody>
-      </p:sp>
       <p:pic>
         <p:nvPicPr>
-          <p:cNvPr id="6" name="Picture 5" descr="Logo&#10;&#10;Description automatically generated">
-            <a:extLst>
-              <a:ext uri="{FF2B5EF4-FFF2-40B4-BE49-F238E27FC236}">
-                <a16:creationId xmlns:a16="http://schemas.microsoft.com/office/drawing/2014/main" id="{465E6F64-3854-EC94-CD86-D33389F0D10D}"/>
+          <p:cNvPr id="4" name="Graphic 3">
+            <a:extLst>
+              <a:ext uri="{FF2B5EF4-FFF2-40B4-BE49-F238E27FC236}">
+                <a16:creationId xmlns:a16="http://schemas.microsoft.com/office/drawing/2014/main" id="{DA1F6568-3BF0-0BA9-7696-037B88D50C1D}"/>
               </a:ext>
             </a:extLst>
           </p:cNvPr>
@@ -5821,10 +5930,13 @@
           <p:nvPr/>
         </p:nvPicPr>
         <p:blipFill>
-          <a:blip r:embed="rId5">
+          <a:blip r:embed="rId4">
             <a:extLst>
               <a:ext uri="{28A0092B-C50C-407E-A947-70E740481C1C}">
                 <a14:useLocalDpi xmlns:a14="http://schemas.microsoft.com/office/drawing/2010/main" val="0"/>
+              </a:ext>
+              <a:ext uri="{96DAC541-7B7A-43D3-8B79-37D633B846F1}">
+                <asvg:svgBlip xmlns:asvg="http://schemas.microsoft.com/office/drawing/2016/SVG/main" r:embed="rId5"/>
               </a:ext>
             </a:extLst>
           </a:blip>
@@ -5834,8 +5946,8 @@
         </p:blipFill>
         <p:spPr>
           <a:xfrm>
-            <a:off x="147918" y="3159872"/>
-            <a:ext cx="7772400" cy="2109073"/>
+            <a:off x="11142354" y="5819213"/>
+            <a:ext cx="863109" cy="876088"/>
           </a:xfrm>
           <a:prstGeom prst="rect">
             <a:avLst/>
@@ -5886,10 +5998,154 @@
       </p:grpSpPr>
       <p:sp>
         <p:nvSpPr>
-          <p:cNvPr id="1042" name="Rectangle 1041">
-            <a:extLst>
-              <a:ext uri="{FF2B5EF4-FFF2-40B4-BE49-F238E27FC236}">
-                <a16:creationId xmlns:a16="http://schemas.microsoft.com/office/drawing/2014/main" id="{21600A07-902A-17FF-5994-FD46BF283921}"/>
+          <p:cNvPr id="10" name="TextBox 9">
+            <a:extLst>
+              <a:ext uri="{FF2B5EF4-FFF2-40B4-BE49-F238E27FC236}">
+                <a16:creationId xmlns:a16="http://schemas.microsoft.com/office/drawing/2014/main" id="{819F191C-2EB7-40F9-8F3A-CC2671D0103A}"/>
+              </a:ext>
+            </a:extLst>
+          </p:cNvPr>
+          <p:cNvSpPr txBox="1"/>
+          <p:nvPr/>
+        </p:nvSpPr>
+        <p:spPr>
+          <a:xfrm>
+            <a:off x="0" y="6550223"/>
+            <a:ext cx="12192000" cy="307777"/>
+          </a:xfrm>
+          <a:prstGeom prst="rect">
+            <a:avLst/>
+          </a:prstGeom>
+          <a:noFill/>
+        </p:spPr>
+        <p:txBody>
+          <a:bodyPr wrap="square" rtlCol="0">
+            <a:spAutoFit/>
+          </a:bodyPr>
+          <a:lstStyle/>
+          <a:p>
+            <a:r>
+              <a:rPr lang="en-US" sz="1400" dirty="0">
+                <a:solidFill>
+                  <a:schemeClr val="tx1">
+                    <a:lumMod val="65000"/>
+                    <a:lumOff val="35000"/>
+                  </a:schemeClr>
+                </a:solidFill>
+                <a:latin typeface="+mj-lt"/>
+                <a:ea typeface="Verdana" panose="020B0604030504040204" pitchFamily="34" charset="0"/>
+              </a:rPr>
+              <a:t>Source: Geron, A. (2019). </a:t>
+            </a:r>
+            <a:r>
+              <a:rPr lang="en-US" sz="1400" i="1" dirty="0">
+                <a:solidFill>
+                  <a:schemeClr val="tx1">
+                    <a:lumMod val="65000"/>
+                    <a:lumOff val="35000"/>
+                  </a:schemeClr>
+                </a:solidFill>
+                <a:latin typeface="+mj-lt"/>
+                <a:ea typeface="Verdana" panose="020B0604030504040204" pitchFamily="34" charset="0"/>
+              </a:rPr>
+              <a:t>Hands-on machine learning with Sci-Kit Learn, Keras, and Tensorflow. </a:t>
+            </a:r>
+            <a:r>
+              <a:rPr lang="en-US" sz="1400" b="0" i="0" dirty="0">
+                <a:solidFill>
+                  <a:schemeClr val="tx1">
+                    <a:lumMod val="65000"/>
+                    <a:lumOff val="35000"/>
+                  </a:schemeClr>
+                </a:solidFill>
+                <a:effectLst/>
+                <a:latin typeface="+mj-lt"/>
+                <a:ea typeface="Verdana" panose="020B0604030504040204" pitchFamily="34" charset="0"/>
+              </a:rPr>
+              <a:t>Sebastopol, CA: </a:t>
+            </a:r>
+            <a:r>
+              <a:rPr lang="en-US" sz="1400" dirty="0">
+                <a:solidFill>
+                  <a:schemeClr val="tx1">
+                    <a:lumMod val="65000"/>
+                    <a:lumOff val="35000"/>
+                  </a:schemeClr>
+                </a:solidFill>
+                <a:latin typeface="+mj-lt"/>
+                <a:ea typeface="Verdana" panose="020B0604030504040204" pitchFamily="34" charset="0"/>
+              </a:rPr>
+              <a:t>O’Reilly Media</a:t>
+            </a:r>
+            <a:r>
+              <a:rPr lang="en-US" sz="1400" b="0" i="0" dirty="0">
+                <a:solidFill>
+                  <a:schemeClr val="tx1">
+                    <a:lumMod val="65000"/>
+                    <a:lumOff val="35000"/>
+                  </a:schemeClr>
+                </a:solidFill>
+                <a:effectLst/>
+                <a:latin typeface="+mj-lt"/>
+                <a:ea typeface="Verdana" panose="020B0604030504040204" pitchFamily="34" charset="0"/>
+              </a:rPr>
+              <a:t>. (Chapter 11)</a:t>
+            </a:r>
+            <a:endParaRPr lang="en-US" sz="1400" dirty="0">
+              <a:solidFill>
+                <a:schemeClr val="tx1">
+                  <a:lumMod val="65000"/>
+                  <a:lumOff val="35000"/>
+                </a:schemeClr>
+              </a:solidFill>
+              <a:latin typeface="+mj-lt"/>
+              <a:ea typeface="Verdana" panose="020B0604030504040204" pitchFamily="34" charset="0"/>
+            </a:endParaRPr>
+          </a:p>
+        </p:txBody>
+      </p:sp>
+      <p:pic>
+        <p:nvPicPr>
+          <p:cNvPr id="2" name="Picture 1" descr="A picture containing dark, gauge&#10;&#10;Description automatically generated">
+            <a:extLst>
+              <a:ext uri="{FF2B5EF4-FFF2-40B4-BE49-F238E27FC236}">
+                <a16:creationId xmlns:a16="http://schemas.microsoft.com/office/drawing/2014/main" id="{FE08A59C-8295-77DE-5616-17AD98CCCB7B}"/>
+              </a:ext>
+            </a:extLst>
+          </p:cNvPr>
+          <p:cNvPicPr>
+            <a:picLocks noChangeAspect="1"/>
+          </p:cNvPicPr>
+          <p:nvPr/>
+        </p:nvPicPr>
+        <p:blipFill>
+          <a:blip r:embed="rId3">
+            <a:extLst>
+              <a:ext uri="{28A0092B-C50C-407E-A947-70E740481C1C}">
+                <a14:useLocalDpi xmlns:a14="http://schemas.microsoft.com/office/drawing/2010/main" val="0"/>
+              </a:ext>
+            </a:extLst>
+          </a:blip>
+          <a:stretch>
+            <a:fillRect/>
+          </a:stretch>
+        </p:blipFill>
+        <p:spPr>
+          <a:xfrm>
+            <a:off x="11378037" y="6045200"/>
+            <a:ext cx="800100" cy="812800"/>
+          </a:xfrm>
+          <a:prstGeom prst="rect">
+            <a:avLst/>
+          </a:prstGeom>
+        </p:spPr>
+      </p:pic>
+      <p:sp>
+        <p:nvSpPr>
+          <p:cNvPr id="3" name="Rectangle 2">
+            <a:extLst>
+              <a:ext uri="{FF2B5EF4-FFF2-40B4-BE49-F238E27FC236}">
+                <a16:creationId xmlns:a16="http://schemas.microsoft.com/office/drawing/2014/main" id="{DB3E4B2A-E114-1F5F-E096-34E845CB9553}"/>
               </a:ext>
             </a:extLst>
           </p:cNvPr>
@@ -5905,13 +6161,13 @@
             <a:avLst/>
           </a:prstGeom>
           <a:solidFill>
-            <a:srgbClr val="6D6CEC">
-              <a:alpha val="23856"/>
+            <a:srgbClr val="D9D6D6">
+              <a:alpha val="43922"/>
             </a:srgbClr>
           </a:solidFill>
           <a:ln w="34925">
             <a:solidFill>
-              <a:srgbClr val="6D6CEC"/>
+              <a:srgbClr val="484697"/>
             </a:solidFill>
             <a:prstDash val="sysDash"/>
           </a:ln>
@@ -5943,118 +6199,10 @@
       </p:sp>
       <p:sp>
         <p:nvSpPr>
-          <p:cNvPr id="10" name="TextBox 9">
-            <a:extLst>
-              <a:ext uri="{FF2B5EF4-FFF2-40B4-BE49-F238E27FC236}">
-                <a16:creationId xmlns:a16="http://schemas.microsoft.com/office/drawing/2014/main" id="{819F191C-2EB7-40F9-8F3A-CC2671D0103A}"/>
-              </a:ext>
-            </a:extLst>
-          </p:cNvPr>
-          <p:cNvSpPr txBox="1"/>
-          <p:nvPr/>
-        </p:nvSpPr>
-        <p:spPr>
-          <a:xfrm>
-            <a:off x="0" y="6550223"/>
-            <a:ext cx="12192000" cy="307777"/>
-          </a:xfrm>
-          <a:prstGeom prst="rect">
-            <a:avLst/>
-          </a:prstGeom>
-          <a:noFill/>
-        </p:spPr>
-        <p:txBody>
-          <a:bodyPr wrap="square" rtlCol="0">
-            <a:spAutoFit/>
-          </a:bodyPr>
-          <a:lstStyle/>
-          <a:p>
-            <a:r>
-              <a:rPr lang="en-US" sz="1400" dirty="0">
-                <a:solidFill>
-                  <a:schemeClr val="tx1">
-                    <a:lumMod val="65000"/>
-                    <a:lumOff val="35000"/>
-                  </a:schemeClr>
-                </a:solidFill>
-                <a:latin typeface="+mj-lt"/>
-                <a:ea typeface="Verdana" panose="020B0604030504040204" pitchFamily="34" charset="0"/>
-              </a:rPr>
-              <a:t>Source: Geron, A. (2019). </a:t>
-            </a:r>
-            <a:r>
-              <a:rPr lang="en-US" sz="1400" i="1" dirty="0">
-                <a:solidFill>
-                  <a:schemeClr val="tx1">
-                    <a:lumMod val="65000"/>
-                    <a:lumOff val="35000"/>
-                  </a:schemeClr>
-                </a:solidFill>
-                <a:latin typeface="+mj-lt"/>
-                <a:ea typeface="Verdana" panose="020B0604030504040204" pitchFamily="34" charset="0"/>
-              </a:rPr>
-              <a:t>Hands-on machine learning with Sci-Kit Learn, Keras, and Tensorflow. </a:t>
-            </a:r>
-            <a:r>
-              <a:rPr lang="en-US" sz="1400" b="0" i="0" dirty="0">
-                <a:solidFill>
-                  <a:schemeClr val="tx1">
-                    <a:lumMod val="65000"/>
-                    <a:lumOff val="35000"/>
-                  </a:schemeClr>
-                </a:solidFill>
-                <a:effectLst/>
-                <a:latin typeface="+mj-lt"/>
-                <a:ea typeface="Verdana" panose="020B0604030504040204" pitchFamily="34" charset="0"/>
-              </a:rPr>
-              <a:t>Sebastopol, CA: </a:t>
-            </a:r>
-            <a:r>
-              <a:rPr lang="en-US" sz="1400" dirty="0">
-                <a:solidFill>
-                  <a:schemeClr val="tx1">
-                    <a:lumMod val="65000"/>
-                    <a:lumOff val="35000"/>
-                  </a:schemeClr>
-                </a:solidFill>
-                <a:latin typeface="+mj-lt"/>
-                <a:ea typeface="Verdana" panose="020B0604030504040204" pitchFamily="34" charset="0"/>
-              </a:rPr>
-              <a:t>O’Reilly Media</a:t>
-            </a:r>
-            <a:r>
-              <a:rPr lang="en-US" sz="1400" b="0" i="0" dirty="0">
-                <a:solidFill>
-                  <a:schemeClr val="tx1">
-                    <a:lumMod val="65000"/>
-                    <a:lumOff val="35000"/>
-                  </a:schemeClr>
-                </a:solidFill>
-                <a:effectLst/>
-                <a:latin typeface="+mj-lt"/>
-                <a:ea typeface="Verdana" panose="020B0604030504040204" pitchFamily="34" charset="0"/>
-              </a:rPr>
-              <a:t>. (Chapter 11)</a:t>
-            </a:r>
-            <a:endParaRPr lang="en-US" sz="1400" dirty="0">
-              <a:solidFill>
-                <a:schemeClr val="tx1">
-                  <a:lumMod val="65000"/>
-                  <a:lumOff val="35000"/>
-                </a:schemeClr>
-              </a:solidFill>
-              <a:latin typeface="+mj-lt"/>
-              <a:ea typeface="Verdana" panose="020B0604030504040204" pitchFamily="34" charset="0"/>
-            </a:endParaRPr>
-          </a:p>
-        </p:txBody>
-      </p:sp>
-      <p:sp>
-        <p:nvSpPr>
-          <p:cNvPr id="1033" name="Down Arrow 1032">
-            <a:extLst>
-              <a:ext uri="{FF2B5EF4-FFF2-40B4-BE49-F238E27FC236}">
-                <a16:creationId xmlns:a16="http://schemas.microsoft.com/office/drawing/2014/main" id="{F07286FC-037B-EDCB-A02D-16A25895D02D}"/>
+          <p:cNvPr id="4" name="Down Arrow 3">
+            <a:extLst>
+              <a:ext uri="{FF2B5EF4-FFF2-40B4-BE49-F238E27FC236}">
+                <a16:creationId xmlns:a16="http://schemas.microsoft.com/office/drawing/2014/main" id="{4BDE62B5-59DE-7572-EA6D-5D6700B05BCE}"/>
               </a:ext>
             </a:extLst>
           </p:cNvPr>
@@ -6108,10 +6256,10 @@
       </p:sp>
       <p:sp>
         <p:nvSpPr>
-          <p:cNvPr id="43" name="Rounded Rectangle 42">
-            <a:extLst>
-              <a:ext uri="{FF2B5EF4-FFF2-40B4-BE49-F238E27FC236}">
-                <a16:creationId xmlns:a16="http://schemas.microsoft.com/office/drawing/2014/main" id="{10CF30F2-CD9A-AEB0-1BB3-6719676B21A4}"/>
+          <p:cNvPr id="5" name="Rounded Rectangle 4">
+            <a:extLst>
+              <a:ext uri="{FF2B5EF4-FFF2-40B4-BE49-F238E27FC236}">
+                <a16:creationId xmlns:a16="http://schemas.microsoft.com/office/drawing/2014/main" id="{54F697CE-7FD7-44EF-2584-9419191C2F20}"/>
               </a:ext>
             </a:extLst>
           </p:cNvPr>
@@ -6127,11 +6275,11 @@
             <a:avLst/>
           </a:prstGeom>
           <a:solidFill>
-            <a:srgbClr val="6D6CCA"/>
+            <a:srgbClr val="DCECF6"/>
           </a:solidFill>
-          <a:ln w="63500">
+          <a:ln w="19050">
             <a:solidFill>
-              <a:srgbClr val="6D6CCA"/>
+              <a:srgbClr val="30335D"/>
             </a:solidFill>
           </a:ln>
         </p:spPr>
@@ -6162,10 +6310,10 @@
       </p:sp>
       <p:sp>
         <p:nvSpPr>
-          <p:cNvPr id="1034" name="Down Arrow 1033">
-            <a:extLst>
-              <a:ext uri="{FF2B5EF4-FFF2-40B4-BE49-F238E27FC236}">
-                <a16:creationId xmlns:a16="http://schemas.microsoft.com/office/drawing/2014/main" id="{DA378178-8422-D477-8A3E-6E90C7DBCD36}"/>
+          <p:cNvPr id="6" name="Down Arrow 5">
+            <a:extLst>
+              <a:ext uri="{FF2B5EF4-FFF2-40B4-BE49-F238E27FC236}">
+                <a16:creationId xmlns:a16="http://schemas.microsoft.com/office/drawing/2014/main" id="{E969B53F-83D9-C644-8ECD-D390A1B44D34}"/>
               </a:ext>
             </a:extLst>
           </p:cNvPr>
@@ -6219,10 +6367,10 @@
       </p:sp>
       <p:sp>
         <p:nvSpPr>
-          <p:cNvPr id="53" name="Rounded Rectangle 52">
-            <a:extLst>
-              <a:ext uri="{FF2B5EF4-FFF2-40B4-BE49-F238E27FC236}">
-                <a16:creationId xmlns:a16="http://schemas.microsoft.com/office/drawing/2014/main" id="{96449F56-4FB5-20AD-5E3D-7BBA66AACA7E}"/>
+          <p:cNvPr id="7" name="Rounded Rectangle 6">
+            <a:extLst>
+              <a:ext uri="{FF2B5EF4-FFF2-40B4-BE49-F238E27FC236}">
+                <a16:creationId xmlns:a16="http://schemas.microsoft.com/office/drawing/2014/main" id="{444E9FE7-B7F2-7225-1C1E-8E3682035D0D}"/>
               </a:ext>
             </a:extLst>
           </p:cNvPr>
@@ -6238,11 +6386,11 @@
             <a:avLst/>
           </a:prstGeom>
           <a:solidFill>
-            <a:srgbClr val="65BB7B"/>
+            <a:srgbClr val="D6EECF"/>
           </a:solidFill>
-          <a:ln w="63500">
+          <a:ln w="19050">
             <a:solidFill>
-              <a:srgbClr val="65BB7B"/>
+              <a:srgbClr val="30335D"/>
             </a:solidFill>
           </a:ln>
         </p:spPr>
@@ -6273,10 +6421,10 @@
       </p:sp>
       <p:sp>
         <p:nvSpPr>
-          <p:cNvPr id="49" name="Rounded Rectangle 48">
-            <a:extLst>
-              <a:ext uri="{FF2B5EF4-FFF2-40B4-BE49-F238E27FC236}">
-                <a16:creationId xmlns:a16="http://schemas.microsoft.com/office/drawing/2014/main" id="{20C522B8-A5D6-1932-212B-C600040A7D7D}"/>
+          <p:cNvPr id="8" name="Rounded Rectangle 7">
+            <a:extLst>
+              <a:ext uri="{FF2B5EF4-FFF2-40B4-BE49-F238E27FC236}">
+                <a16:creationId xmlns:a16="http://schemas.microsoft.com/office/drawing/2014/main" id="{A510D0BE-AFF0-C551-04BC-53B2AA2A75EF}"/>
               </a:ext>
             </a:extLst>
           </p:cNvPr>
@@ -6292,11 +6440,11 @@
             <a:avLst/>
           </a:prstGeom>
           <a:solidFill>
-            <a:srgbClr val="6D6CCA"/>
+            <a:srgbClr val="DCECF6"/>
           </a:solidFill>
-          <a:ln w="63500">
+          <a:ln w="19050">
             <a:solidFill>
-              <a:srgbClr val="6D6CCA"/>
+              <a:srgbClr val="30335D"/>
             </a:solidFill>
           </a:ln>
         </p:spPr>
@@ -6327,10 +6475,10 @@
       </p:sp>
       <p:sp>
         <p:nvSpPr>
-          <p:cNvPr id="50" name="Rounded Rectangle 49">
-            <a:extLst>
-              <a:ext uri="{FF2B5EF4-FFF2-40B4-BE49-F238E27FC236}">
-                <a16:creationId xmlns:a16="http://schemas.microsoft.com/office/drawing/2014/main" id="{2AFD3300-2ACA-FBF6-0007-6FE28C576E05}"/>
+          <p:cNvPr id="9" name="Rounded Rectangle 8">
+            <a:extLst>
+              <a:ext uri="{FF2B5EF4-FFF2-40B4-BE49-F238E27FC236}">
+                <a16:creationId xmlns:a16="http://schemas.microsoft.com/office/drawing/2014/main" id="{8CA2D4D3-783B-BA7F-CF92-F1F9EA06A79F}"/>
               </a:ext>
             </a:extLst>
           </p:cNvPr>
@@ -6346,11 +6494,11 @@
             <a:avLst/>
           </a:prstGeom>
           <a:solidFill>
-            <a:srgbClr val="6D6CCA"/>
+            <a:srgbClr val="DCECF6"/>
           </a:solidFill>
-          <a:ln w="63500">
+          <a:ln w="19050">
             <a:solidFill>
-              <a:srgbClr val="6D6CCA"/>
+              <a:srgbClr val="30335D"/>
             </a:solidFill>
           </a:ln>
         </p:spPr>
@@ -6381,10 +6529,10 @@
       </p:sp>
       <p:sp>
         <p:nvSpPr>
-          <p:cNvPr id="36" name="TextBox 35">
-            <a:extLst>
-              <a:ext uri="{FF2B5EF4-FFF2-40B4-BE49-F238E27FC236}">
-                <a16:creationId xmlns:a16="http://schemas.microsoft.com/office/drawing/2014/main" id="{D830159F-1212-AFC4-FCA7-3BFB4AE7AD6A}"/>
+          <p:cNvPr id="11" name="TextBox 10">
+            <a:extLst>
+              <a:ext uri="{FF2B5EF4-FFF2-40B4-BE49-F238E27FC236}">
+                <a16:creationId xmlns:a16="http://schemas.microsoft.com/office/drawing/2014/main" id="{4F0317B6-E2EA-8D57-84CC-B1F99E97E2FF}"/>
               </a:ext>
             </a:extLst>
           </p:cNvPr>
@@ -6394,7 +6542,7 @@
         <p:spPr>
           <a:xfrm>
             <a:off x="5968861" y="3618800"/>
-            <a:ext cx="1504708" cy="400110"/>
+            <a:ext cx="1504708" cy="369332"/>
           </a:xfrm>
           <a:prstGeom prst="rect">
             <a:avLst/>
@@ -6409,10 +6557,7 @@
           <a:p>
             <a:pPr algn="ctr"/>
             <a:r>
-              <a:rPr lang="en-US" sz="2000" dirty="0">
-                <a:solidFill>
-                  <a:schemeClr val="bg1"/>
-                </a:solidFill>
+              <a:rPr lang="en-US" dirty="0">
                 <a:latin typeface="Avenir Medium" panose="02000503020000020003" pitchFamily="2" charset="0"/>
               </a:rPr>
               <a:t>Hidden 2</a:t>
@@ -6422,10 +6567,10 @@
       </p:sp>
       <p:sp>
         <p:nvSpPr>
-          <p:cNvPr id="41" name="Rounded Rectangle 40">
-            <a:extLst>
-              <a:ext uri="{FF2B5EF4-FFF2-40B4-BE49-F238E27FC236}">
-                <a16:creationId xmlns:a16="http://schemas.microsoft.com/office/drawing/2014/main" id="{8C08421F-A16F-C7F0-31B2-332FCFC2588F}"/>
+          <p:cNvPr id="12" name="Rounded Rectangle 11">
+            <a:extLst>
+              <a:ext uri="{FF2B5EF4-FFF2-40B4-BE49-F238E27FC236}">
+                <a16:creationId xmlns:a16="http://schemas.microsoft.com/office/drawing/2014/main" id="{125C1AD6-6A4C-EC91-1651-F1EE774F1325}"/>
               </a:ext>
             </a:extLst>
           </p:cNvPr>
@@ -6434,22 +6579,18 @@
         </p:nvSpPr>
         <p:spPr>
           <a:xfrm>
-            <a:off x="5707992" y="1334595"/>
+            <a:off x="5684242" y="1334595"/>
             <a:ext cx="2050122" cy="481263"/>
           </a:xfrm>
           <a:prstGeom prst="roundRect">
             <a:avLst/>
           </a:prstGeom>
           <a:solidFill>
-            <a:schemeClr val="bg1">
-              <a:lumMod val="85000"/>
-            </a:schemeClr>
+            <a:srgbClr val="E3E3E3"/>
           </a:solidFill>
-          <a:ln w="63500">
+          <a:ln w="19050">
             <a:solidFill>
-              <a:schemeClr val="bg1">
-                <a:lumMod val="85000"/>
-              </a:schemeClr>
+              <a:srgbClr val="30335D"/>
             </a:solidFill>
           </a:ln>
         </p:spPr>
@@ -6480,10 +6621,10 @@
       </p:sp>
       <p:sp>
         <p:nvSpPr>
-          <p:cNvPr id="42" name="Rounded Rectangle 41">
-            <a:extLst>
-              <a:ext uri="{FF2B5EF4-FFF2-40B4-BE49-F238E27FC236}">
-                <a16:creationId xmlns:a16="http://schemas.microsoft.com/office/drawing/2014/main" id="{A4505000-B52D-C460-1979-985052D210A1}"/>
+          <p:cNvPr id="13" name="Rounded Rectangle 12">
+            <a:extLst>
+              <a:ext uri="{FF2B5EF4-FFF2-40B4-BE49-F238E27FC236}">
+                <a16:creationId xmlns:a16="http://schemas.microsoft.com/office/drawing/2014/main" id="{3B6E1B62-6F48-9846-7EFE-DC864D4D6322}"/>
               </a:ext>
             </a:extLst>
           </p:cNvPr>
@@ -6499,15 +6640,11 @@
             <a:avLst/>
           </a:prstGeom>
           <a:solidFill>
-            <a:schemeClr val="bg1">
-              <a:lumMod val="85000"/>
-            </a:schemeClr>
+            <a:srgbClr val="E3E3E3"/>
           </a:solidFill>
-          <a:ln w="63500">
+          <a:ln w="19050">
             <a:solidFill>
-              <a:schemeClr val="bg1">
-                <a:lumMod val="85000"/>
-              </a:schemeClr>
+              <a:srgbClr val="30335D"/>
             </a:solidFill>
           </a:ln>
         </p:spPr>
@@ -6538,10 +6675,10 @@
       </p:sp>
       <p:sp>
         <p:nvSpPr>
-          <p:cNvPr id="45" name="TextBox 44">
-            <a:extLst>
-              <a:ext uri="{FF2B5EF4-FFF2-40B4-BE49-F238E27FC236}">
-                <a16:creationId xmlns:a16="http://schemas.microsoft.com/office/drawing/2014/main" id="{EE815B90-4775-61E3-3DF1-C74A87EB097D}"/>
+          <p:cNvPr id="14" name="TextBox 13">
+            <a:extLst>
+              <a:ext uri="{FF2B5EF4-FFF2-40B4-BE49-F238E27FC236}">
+                <a16:creationId xmlns:a16="http://schemas.microsoft.com/office/drawing/2014/main" id="{1D8675DC-A898-AF1B-C73D-DF0964432945}"/>
               </a:ext>
             </a:extLst>
           </p:cNvPr>
@@ -6551,7 +6688,7 @@
         <p:spPr>
           <a:xfrm>
             <a:off x="5946202" y="4359668"/>
-            <a:ext cx="1504708" cy="400110"/>
+            <a:ext cx="1504708" cy="369332"/>
           </a:xfrm>
           <a:prstGeom prst="rect">
             <a:avLst/>
@@ -6566,10 +6703,7 @@
           <a:p>
             <a:pPr algn="ctr"/>
             <a:r>
-              <a:rPr lang="en-US" sz="2000" dirty="0">
-                <a:solidFill>
-                  <a:schemeClr val="bg1"/>
-                </a:solidFill>
+              <a:rPr lang="en-US" dirty="0">
                 <a:latin typeface="Avenir Medium" panose="02000503020000020003" pitchFamily="2" charset="0"/>
               </a:rPr>
               <a:t>Hidden 1</a:t>
@@ -6579,10 +6713,10 @@
       </p:sp>
       <p:sp>
         <p:nvSpPr>
-          <p:cNvPr id="46" name="TextBox 45">
-            <a:extLst>
-              <a:ext uri="{FF2B5EF4-FFF2-40B4-BE49-F238E27FC236}">
-                <a16:creationId xmlns:a16="http://schemas.microsoft.com/office/drawing/2014/main" id="{9723891F-F947-A6AB-C486-02429A039B9C}"/>
+          <p:cNvPr id="15" name="TextBox 14">
+            <a:extLst>
+              <a:ext uri="{FF2B5EF4-FFF2-40B4-BE49-F238E27FC236}">
+                <a16:creationId xmlns:a16="http://schemas.microsoft.com/office/drawing/2014/main" id="{787F3B6B-FE84-0307-6DC7-E2F13CA0C2DC}"/>
               </a:ext>
             </a:extLst>
           </p:cNvPr>
@@ -6592,7 +6726,7 @@
         <p:spPr>
           <a:xfrm>
             <a:off x="5946202" y="5107611"/>
-            <a:ext cx="1504708" cy="400110"/>
+            <a:ext cx="1504708" cy="369332"/>
           </a:xfrm>
           <a:prstGeom prst="rect">
             <a:avLst/>
@@ -6607,10 +6741,7 @@
           <a:p>
             <a:pPr algn="ctr"/>
             <a:r>
-              <a:rPr lang="en-US" sz="2000" dirty="0">
-                <a:solidFill>
-                  <a:schemeClr val="bg1"/>
-                </a:solidFill>
+              <a:rPr lang="en-US" dirty="0">
                 <a:latin typeface="Avenir Medium" panose="02000503020000020003" pitchFamily="2" charset="0"/>
               </a:rPr>
               <a:t>Input layer</a:t>
@@ -6620,10 +6751,10 @@
       </p:sp>
       <p:sp>
         <p:nvSpPr>
-          <p:cNvPr id="47" name="TextBox 46">
-            <a:extLst>
-              <a:ext uri="{FF2B5EF4-FFF2-40B4-BE49-F238E27FC236}">
-                <a16:creationId xmlns:a16="http://schemas.microsoft.com/office/drawing/2014/main" id="{159C115A-7C9B-A45B-728E-79CA91621A0F}"/>
+          <p:cNvPr id="16" name="TextBox 15">
+            <a:extLst>
+              <a:ext uri="{FF2B5EF4-FFF2-40B4-BE49-F238E27FC236}">
+                <a16:creationId xmlns:a16="http://schemas.microsoft.com/office/drawing/2014/main" id="{8141277A-025B-F159-9A87-B978C5862E81}"/>
               </a:ext>
             </a:extLst>
           </p:cNvPr>
@@ -6633,7 +6764,7 @@
         <p:spPr>
           <a:xfrm>
             <a:off x="5912090" y="2145984"/>
-            <a:ext cx="1504708" cy="400110"/>
+            <a:ext cx="1504708" cy="369332"/>
           </a:xfrm>
           <a:prstGeom prst="rect">
             <a:avLst/>
@@ -6648,7 +6779,7 @@
           <a:p>
             <a:pPr algn="ctr"/>
             <a:r>
-              <a:rPr lang="en-US" sz="2000" dirty="0">
+              <a:rPr lang="en-US" dirty="0">
                 <a:latin typeface="Avenir Medium" panose="02000503020000020003" pitchFamily="2" charset="0"/>
               </a:rPr>
               <a:t>Hidden 4</a:t>
@@ -6658,10 +6789,10 @@
       </p:sp>
       <p:sp>
         <p:nvSpPr>
-          <p:cNvPr id="48" name="TextBox 47">
-            <a:extLst>
-              <a:ext uri="{FF2B5EF4-FFF2-40B4-BE49-F238E27FC236}">
-                <a16:creationId xmlns:a16="http://schemas.microsoft.com/office/drawing/2014/main" id="{8280AB0D-E9AD-3170-8DD5-3BD1FE3C0858}"/>
+          <p:cNvPr id="17" name="TextBox 16">
+            <a:extLst>
+              <a:ext uri="{FF2B5EF4-FFF2-40B4-BE49-F238E27FC236}">
+                <a16:creationId xmlns:a16="http://schemas.microsoft.com/office/drawing/2014/main" id="{51C5F518-B42E-6A3D-23B0-F8A60DBD3868}"/>
               </a:ext>
             </a:extLst>
           </p:cNvPr>
@@ -6671,7 +6802,7 @@
         <p:spPr>
           <a:xfrm>
             <a:off x="5946202" y="1404635"/>
-            <a:ext cx="1504708" cy="400110"/>
+            <a:ext cx="1504708" cy="369332"/>
           </a:xfrm>
           <a:prstGeom prst="rect">
             <a:avLst/>
@@ -6686,7 +6817,7 @@
           <a:p>
             <a:pPr algn="ctr"/>
             <a:r>
-              <a:rPr lang="en-US" sz="2000" dirty="0">
+              <a:rPr lang="en-US" dirty="0">
                 <a:latin typeface="Avenir Medium" panose="02000503020000020003" pitchFamily="2" charset="0"/>
               </a:rPr>
               <a:t>Output</a:t>
@@ -6696,10 +6827,10 @@
       </p:sp>
       <p:sp>
         <p:nvSpPr>
-          <p:cNvPr id="51" name="TextBox 50">
-            <a:extLst>
-              <a:ext uri="{FF2B5EF4-FFF2-40B4-BE49-F238E27FC236}">
-                <a16:creationId xmlns:a16="http://schemas.microsoft.com/office/drawing/2014/main" id="{F551A93B-6B89-B177-1FF7-22C0E98572D6}"/>
+          <p:cNvPr id="18" name="TextBox 17">
+            <a:extLst>
+              <a:ext uri="{FF2B5EF4-FFF2-40B4-BE49-F238E27FC236}">
+                <a16:creationId xmlns:a16="http://schemas.microsoft.com/office/drawing/2014/main" id="{58BBE3EC-A5B1-EC62-B0E0-DE378F4501CA}"/>
               </a:ext>
             </a:extLst>
           </p:cNvPr>
@@ -6709,7 +6840,7 @@
         <p:spPr>
           <a:xfrm>
             <a:off x="5980699" y="2891624"/>
-            <a:ext cx="1504708" cy="400110"/>
+            <a:ext cx="1504708" cy="369332"/>
           </a:xfrm>
           <a:prstGeom prst="rect">
             <a:avLst/>
@@ -6724,10 +6855,7 @@
           <a:p>
             <a:pPr algn="ctr"/>
             <a:r>
-              <a:rPr lang="en-US" sz="2000" dirty="0">
-                <a:solidFill>
-                  <a:schemeClr val="bg1"/>
-                </a:solidFill>
+              <a:rPr lang="en-US" dirty="0">
                 <a:latin typeface="Avenir Medium" panose="02000503020000020003" pitchFamily="2" charset="0"/>
               </a:rPr>
               <a:t>Hidden 3</a:t>
@@ -6737,10 +6865,10 @@
       </p:sp>
       <p:sp>
         <p:nvSpPr>
-          <p:cNvPr id="54" name="Rounded Rectangle 53">
-            <a:extLst>
-              <a:ext uri="{FF2B5EF4-FFF2-40B4-BE49-F238E27FC236}">
-                <a16:creationId xmlns:a16="http://schemas.microsoft.com/office/drawing/2014/main" id="{C7ABEFB2-C9CE-3D5E-5DC0-B3DADB6FFE9F}"/>
+          <p:cNvPr id="19" name="Rounded Rectangle 18">
+            <a:extLst>
+              <a:ext uri="{FF2B5EF4-FFF2-40B4-BE49-F238E27FC236}">
+                <a16:creationId xmlns:a16="http://schemas.microsoft.com/office/drawing/2014/main" id="{1C9CEC70-3BB6-2E55-A30B-6AAFE9CF4A49}"/>
               </a:ext>
             </a:extLst>
           </p:cNvPr>
@@ -6756,11 +6884,11 @@
             <a:avLst/>
           </a:prstGeom>
           <a:solidFill>
-            <a:srgbClr val="6D6CCA"/>
+            <a:srgbClr val="DCECF6"/>
           </a:solidFill>
-          <a:ln w="63500">
+          <a:ln w="19050">
             <a:solidFill>
-              <a:srgbClr val="6D6CCA"/>
+              <a:srgbClr val="30335D"/>
             </a:solidFill>
           </a:ln>
         </p:spPr>
@@ -6791,10 +6919,10 @@
       </p:sp>
       <p:sp>
         <p:nvSpPr>
-          <p:cNvPr id="55" name="TextBox 54">
-            <a:extLst>
-              <a:ext uri="{FF2B5EF4-FFF2-40B4-BE49-F238E27FC236}">
-                <a16:creationId xmlns:a16="http://schemas.microsoft.com/office/drawing/2014/main" id="{91FCC072-CE27-BD5D-7FCC-322A067EC27E}"/>
+          <p:cNvPr id="20" name="TextBox 19">
+            <a:extLst>
+              <a:ext uri="{FF2B5EF4-FFF2-40B4-BE49-F238E27FC236}">
+                <a16:creationId xmlns:a16="http://schemas.microsoft.com/office/drawing/2014/main" id="{F2D08161-2122-7CDC-CB77-0444F285BD1D}"/>
               </a:ext>
             </a:extLst>
           </p:cNvPr>
@@ -6804,7 +6932,7 @@
         <p:spPr>
           <a:xfrm>
             <a:off x="2448019" y="2891624"/>
-            <a:ext cx="1504708" cy="400110"/>
+            <a:ext cx="1504708" cy="369332"/>
           </a:xfrm>
           <a:prstGeom prst="rect">
             <a:avLst/>
@@ -6819,10 +6947,7 @@
           <a:p>
             <a:pPr algn="ctr"/>
             <a:r>
-              <a:rPr lang="en-US" sz="2000" dirty="0">
-                <a:solidFill>
-                  <a:schemeClr val="bg1"/>
-                </a:solidFill>
+              <a:rPr lang="en-US" dirty="0">
                 <a:latin typeface="Avenir Medium" panose="02000503020000020003" pitchFamily="2" charset="0"/>
               </a:rPr>
               <a:t>Hidden 3</a:t>
@@ -6832,10 +6957,10 @@
       </p:sp>
       <p:sp>
         <p:nvSpPr>
-          <p:cNvPr id="56" name="Rounded Rectangle 55">
-            <a:extLst>
-              <a:ext uri="{FF2B5EF4-FFF2-40B4-BE49-F238E27FC236}">
-                <a16:creationId xmlns:a16="http://schemas.microsoft.com/office/drawing/2014/main" id="{01511492-9E14-76C2-D2BA-7CCD56441B29}"/>
+          <p:cNvPr id="21" name="Rounded Rectangle 20">
+            <a:extLst>
+              <a:ext uri="{FF2B5EF4-FFF2-40B4-BE49-F238E27FC236}">
+                <a16:creationId xmlns:a16="http://schemas.microsoft.com/office/drawing/2014/main" id="{1738765C-5D60-B436-B4E2-A9C26FE5F990}"/>
               </a:ext>
             </a:extLst>
           </p:cNvPr>
@@ -6851,11 +6976,11 @@
             <a:avLst/>
           </a:prstGeom>
           <a:solidFill>
-            <a:srgbClr val="6D6CCA"/>
+            <a:srgbClr val="DCECF6"/>
           </a:solidFill>
-          <a:ln w="63500">
+          <a:ln w="19050">
             <a:solidFill>
-              <a:srgbClr val="6D6CCA"/>
+              <a:srgbClr val="30335D"/>
             </a:solidFill>
           </a:ln>
         </p:spPr>
@@ -6886,10 +7011,10 @@
       </p:sp>
       <p:sp>
         <p:nvSpPr>
-          <p:cNvPr id="57" name="TextBox 56">
-            <a:extLst>
-              <a:ext uri="{FF2B5EF4-FFF2-40B4-BE49-F238E27FC236}">
-                <a16:creationId xmlns:a16="http://schemas.microsoft.com/office/drawing/2014/main" id="{D4C91E43-E000-AE05-A610-505559BDE3CB}"/>
+          <p:cNvPr id="22" name="TextBox 21">
+            <a:extLst>
+              <a:ext uri="{FF2B5EF4-FFF2-40B4-BE49-F238E27FC236}">
+                <a16:creationId xmlns:a16="http://schemas.microsoft.com/office/drawing/2014/main" id="{C6989746-30D1-0EA2-9630-8189528BE764}"/>
               </a:ext>
             </a:extLst>
           </p:cNvPr>
@@ -6899,7 +7024,7 @@
         <p:spPr>
           <a:xfrm>
             <a:off x="2448019" y="3632170"/>
-            <a:ext cx="1504708" cy="400110"/>
+            <a:ext cx="1504708" cy="369332"/>
           </a:xfrm>
           <a:prstGeom prst="rect">
             <a:avLst/>
@@ -6914,10 +7039,7 @@
           <a:p>
             <a:pPr algn="ctr"/>
             <a:r>
-              <a:rPr lang="en-US" sz="2000" dirty="0">
-                <a:solidFill>
-                  <a:schemeClr val="bg1"/>
-                </a:solidFill>
+              <a:rPr lang="en-US" dirty="0">
                 <a:latin typeface="Avenir Medium" panose="02000503020000020003" pitchFamily="2" charset="0"/>
               </a:rPr>
               <a:t>Hidden 2</a:t>
@@ -6927,10 +7049,10 @@
       </p:sp>
       <p:sp>
         <p:nvSpPr>
-          <p:cNvPr id="58" name="Rounded Rectangle 57">
-            <a:extLst>
-              <a:ext uri="{FF2B5EF4-FFF2-40B4-BE49-F238E27FC236}">
-                <a16:creationId xmlns:a16="http://schemas.microsoft.com/office/drawing/2014/main" id="{9BE79DB4-2830-6AA6-9FD2-68870273EA7A}"/>
+          <p:cNvPr id="23" name="Rounded Rectangle 22">
+            <a:extLst>
+              <a:ext uri="{FF2B5EF4-FFF2-40B4-BE49-F238E27FC236}">
+                <a16:creationId xmlns:a16="http://schemas.microsoft.com/office/drawing/2014/main" id="{94A4EAED-A2D0-593D-8DD7-9D7932D80A29}"/>
               </a:ext>
             </a:extLst>
           </p:cNvPr>
@@ -6946,11 +7068,11 @@
             <a:avLst/>
           </a:prstGeom>
           <a:solidFill>
-            <a:srgbClr val="6D6CCA"/>
+            <a:srgbClr val="DCECF6"/>
           </a:solidFill>
-          <a:ln w="63500">
+          <a:ln w="19050">
             <a:solidFill>
-              <a:srgbClr val="6D6CCA"/>
+              <a:srgbClr val="30335D"/>
             </a:solidFill>
           </a:ln>
         </p:spPr>
@@ -6981,10 +7103,10 @@
       </p:sp>
       <p:sp>
         <p:nvSpPr>
-          <p:cNvPr id="59" name="TextBox 58">
-            <a:extLst>
-              <a:ext uri="{FF2B5EF4-FFF2-40B4-BE49-F238E27FC236}">
-                <a16:creationId xmlns:a16="http://schemas.microsoft.com/office/drawing/2014/main" id="{C5BE9D53-7A51-DBF0-EC2F-A4AAF95FEDE3}"/>
+          <p:cNvPr id="24" name="TextBox 23">
+            <a:extLst>
+              <a:ext uri="{FF2B5EF4-FFF2-40B4-BE49-F238E27FC236}">
+                <a16:creationId xmlns:a16="http://schemas.microsoft.com/office/drawing/2014/main" id="{82C97B61-54B4-BA96-4184-7659B04A9CC0}"/>
               </a:ext>
             </a:extLst>
           </p:cNvPr>
@@ -6994,7 +7116,7 @@
         <p:spPr>
           <a:xfrm>
             <a:off x="2448019" y="4381286"/>
-            <a:ext cx="1504708" cy="400110"/>
+            <a:ext cx="1504708" cy="369332"/>
           </a:xfrm>
           <a:prstGeom prst="rect">
             <a:avLst/>
@@ -7009,10 +7131,7 @@
           <a:p>
             <a:pPr algn="ctr"/>
             <a:r>
-              <a:rPr lang="en-US" sz="2000" dirty="0">
-                <a:solidFill>
-                  <a:schemeClr val="bg1"/>
-                </a:solidFill>
+              <a:rPr lang="en-US" dirty="0">
                 <a:latin typeface="Avenir Medium" panose="02000503020000020003" pitchFamily="2" charset="0"/>
               </a:rPr>
               <a:t>Hidden 1</a:t>
@@ -7022,10 +7141,10 @@
       </p:sp>
       <p:sp>
         <p:nvSpPr>
-          <p:cNvPr id="60" name="Rounded Rectangle 59">
-            <a:extLst>
-              <a:ext uri="{FF2B5EF4-FFF2-40B4-BE49-F238E27FC236}">
-                <a16:creationId xmlns:a16="http://schemas.microsoft.com/office/drawing/2014/main" id="{A9C6C920-B949-D4D6-11E5-18FCE8791579}"/>
+          <p:cNvPr id="25" name="Rounded Rectangle 24">
+            <a:extLst>
+              <a:ext uri="{FF2B5EF4-FFF2-40B4-BE49-F238E27FC236}">
+                <a16:creationId xmlns:a16="http://schemas.microsoft.com/office/drawing/2014/main" id="{B23D0C1B-7C5A-A6D1-2D2B-0535521432F2}"/>
               </a:ext>
             </a:extLst>
           </p:cNvPr>
@@ -7041,11 +7160,11 @@
             <a:avLst/>
           </a:prstGeom>
           <a:solidFill>
-            <a:srgbClr val="65BB7B"/>
+            <a:srgbClr val="D6EECF"/>
           </a:solidFill>
-          <a:ln w="63500">
+          <a:ln w="19050">
             <a:solidFill>
-              <a:srgbClr val="65BB7B"/>
+              <a:srgbClr val="30335D"/>
             </a:solidFill>
           </a:ln>
         </p:spPr>
@@ -7076,10 +7195,10 @@
       </p:sp>
       <p:sp>
         <p:nvSpPr>
-          <p:cNvPr id="61" name="TextBox 60">
-            <a:extLst>
-              <a:ext uri="{FF2B5EF4-FFF2-40B4-BE49-F238E27FC236}">
-                <a16:creationId xmlns:a16="http://schemas.microsoft.com/office/drawing/2014/main" id="{882E0057-05E0-AD52-B483-0C355E63B80D}"/>
+          <p:cNvPr id="26" name="TextBox 25">
+            <a:extLst>
+              <a:ext uri="{FF2B5EF4-FFF2-40B4-BE49-F238E27FC236}">
+                <a16:creationId xmlns:a16="http://schemas.microsoft.com/office/drawing/2014/main" id="{A28D733B-4CC5-147C-9805-A59BF68B63D4}"/>
               </a:ext>
             </a:extLst>
           </p:cNvPr>
@@ -7089,7 +7208,7 @@
         <p:spPr>
           <a:xfrm>
             <a:off x="2428973" y="5108197"/>
-            <a:ext cx="1504708" cy="400110"/>
+            <a:ext cx="1504708" cy="369332"/>
           </a:xfrm>
           <a:prstGeom prst="rect">
             <a:avLst/>
@@ -7104,10 +7223,7 @@
           <a:p>
             <a:pPr algn="ctr"/>
             <a:r>
-              <a:rPr lang="en-US" sz="2000" dirty="0">
-                <a:solidFill>
-                  <a:schemeClr val="bg1"/>
-                </a:solidFill>
+              <a:rPr lang="en-US" dirty="0">
                 <a:latin typeface="Avenir Medium" panose="02000503020000020003" pitchFamily="2" charset="0"/>
               </a:rPr>
               <a:t>Input layer</a:t>
@@ -7117,10 +7233,10 @@
       </p:sp>
       <p:sp>
         <p:nvSpPr>
-          <p:cNvPr id="62" name="Rounded Rectangle 61">
-            <a:extLst>
-              <a:ext uri="{FF2B5EF4-FFF2-40B4-BE49-F238E27FC236}">
-                <a16:creationId xmlns:a16="http://schemas.microsoft.com/office/drawing/2014/main" id="{5F80191B-E9D3-65C3-6AD0-B2D26C55508C}"/>
+          <p:cNvPr id="27" name="Rounded Rectangle 26">
+            <a:extLst>
+              <a:ext uri="{FF2B5EF4-FFF2-40B4-BE49-F238E27FC236}">
+                <a16:creationId xmlns:a16="http://schemas.microsoft.com/office/drawing/2014/main" id="{BAB558FF-ECA9-A1F8-6775-DA1985DDFA31}"/>
               </a:ext>
             </a:extLst>
           </p:cNvPr>
@@ -7136,11 +7252,11 @@
             <a:avLst/>
           </a:prstGeom>
           <a:solidFill>
-            <a:srgbClr val="6D6CCA"/>
+            <a:srgbClr val="DCECF6"/>
           </a:solidFill>
-          <a:ln w="63500">
+          <a:ln w="19050">
             <a:solidFill>
-              <a:srgbClr val="6D6CCA"/>
+              <a:srgbClr val="30335D"/>
             </a:solidFill>
           </a:ln>
         </p:spPr>
@@ -7171,10 +7287,10 @@
       </p:sp>
       <p:sp>
         <p:nvSpPr>
-          <p:cNvPr id="63" name="TextBox 62">
-            <a:extLst>
-              <a:ext uri="{FF2B5EF4-FFF2-40B4-BE49-F238E27FC236}">
-                <a16:creationId xmlns:a16="http://schemas.microsoft.com/office/drawing/2014/main" id="{1D7DE719-0BE0-ADD9-BC9C-C68952C8AFEE}"/>
+          <p:cNvPr id="28" name="TextBox 27">
+            <a:extLst>
+              <a:ext uri="{FF2B5EF4-FFF2-40B4-BE49-F238E27FC236}">
+                <a16:creationId xmlns:a16="http://schemas.microsoft.com/office/drawing/2014/main" id="{0C5C1B47-4204-3AEA-FCB1-699E48D3A6DA}"/>
               </a:ext>
             </a:extLst>
           </p:cNvPr>
@@ -7184,7 +7300,7 @@
         <p:spPr>
           <a:xfrm>
             <a:off x="2425740" y="2152742"/>
-            <a:ext cx="1504708" cy="400110"/>
+            <a:ext cx="1504708" cy="369332"/>
           </a:xfrm>
           <a:prstGeom prst="rect">
             <a:avLst/>
@@ -7199,10 +7315,7 @@
           <a:p>
             <a:pPr algn="ctr"/>
             <a:r>
-              <a:rPr lang="en-US" sz="2000" dirty="0">
-                <a:solidFill>
-                  <a:schemeClr val="bg1"/>
-                </a:solidFill>
+              <a:rPr lang="en-US" dirty="0">
                 <a:latin typeface="Avenir Medium" panose="02000503020000020003" pitchFamily="2" charset="0"/>
               </a:rPr>
               <a:t>Hidden 4</a:t>
@@ -7212,10 +7325,10 @@
       </p:sp>
       <p:sp>
         <p:nvSpPr>
-          <p:cNvPr id="1024" name="Rounded Rectangle 1023">
-            <a:extLst>
-              <a:ext uri="{FF2B5EF4-FFF2-40B4-BE49-F238E27FC236}">
-                <a16:creationId xmlns:a16="http://schemas.microsoft.com/office/drawing/2014/main" id="{8EC548BC-387E-51C8-2AB2-873047F3F9D5}"/>
+          <p:cNvPr id="29" name="Rounded Rectangle 28">
+            <a:extLst>
+              <a:ext uri="{FF2B5EF4-FFF2-40B4-BE49-F238E27FC236}">
+                <a16:creationId xmlns:a16="http://schemas.microsoft.com/office/drawing/2014/main" id="{62F30100-0456-EEE6-CB74-08BB1F2026A4}"/>
               </a:ext>
             </a:extLst>
           </p:cNvPr>
@@ -7231,11 +7344,11 @@
             <a:avLst/>
           </a:prstGeom>
           <a:solidFill>
-            <a:srgbClr val="6D6CCA"/>
+            <a:srgbClr val="DCECF6"/>
           </a:solidFill>
-          <a:ln w="63500">
+          <a:ln w="19050">
             <a:solidFill>
-              <a:srgbClr val="6D6CCA"/>
+              <a:srgbClr val="30335D"/>
             </a:solidFill>
           </a:ln>
         </p:spPr>
@@ -7266,10 +7379,10 @@
       </p:sp>
       <p:sp>
         <p:nvSpPr>
-          <p:cNvPr id="1025" name="TextBox 1024">
-            <a:extLst>
-              <a:ext uri="{FF2B5EF4-FFF2-40B4-BE49-F238E27FC236}">
-                <a16:creationId xmlns:a16="http://schemas.microsoft.com/office/drawing/2014/main" id="{8DE346AE-14F2-D2F5-E075-17B92AE2615B}"/>
+          <p:cNvPr id="30" name="TextBox 29">
+            <a:extLst>
+              <a:ext uri="{FF2B5EF4-FFF2-40B4-BE49-F238E27FC236}">
+                <a16:creationId xmlns:a16="http://schemas.microsoft.com/office/drawing/2014/main" id="{F7FDCF9B-06BD-7286-1941-8ABE88670A84}"/>
               </a:ext>
             </a:extLst>
           </p:cNvPr>
@@ -7279,7 +7392,7 @@
         <p:spPr>
           <a:xfrm>
             <a:off x="2448019" y="1416210"/>
-            <a:ext cx="1504708" cy="400110"/>
+            <a:ext cx="1504708" cy="369332"/>
           </a:xfrm>
           <a:prstGeom prst="rect">
             <a:avLst/>
@@ -7294,10 +7407,7 @@
           <a:p>
             <a:pPr algn="ctr"/>
             <a:r>
-              <a:rPr lang="en-US" sz="2000" dirty="0">
-                <a:solidFill>
-                  <a:schemeClr val="bg1"/>
-                </a:solidFill>
+              <a:rPr lang="en-US" dirty="0">
                 <a:latin typeface="Avenir Medium" panose="02000503020000020003" pitchFamily="2" charset="0"/>
               </a:rPr>
               <a:t>Hidden 5</a:t>
@@ -7307,10 +7417,10 @@
       </p:sp>
       <p:sp>
         <p:nvSpPr>
-          <p:cNvPr id="1027" name="Rounded Rectangle 1026">
-            <a:extLst>
-              <a:ext uri="{FF2B5EF4-FFF2-40B4-BE49-F238E27FC236}">
-                <a16:creationId xmlns:a16="http://schemas.microsoft.com/office/drawing/2014/main" id="{9ACA2AB6-D9E8-C82C-26A1-4B534FE0DBD0}"/>
+          <p:cNvPr id="31" name="Rounded Rectangle 30">
+            <a:extLst>
+              <a:ext uri="{FF2B5EF4-FFF2-40B4-BE49-F238E27FC236}">
+                <a16:creationId xmlns:a16="http://schemas.microsoft.com/office/drawing/2014/main" id="{A85E65EF-8148-058D-8DF2-90A7A76B8EF4}"/>
               </a:ext>
             </a:extLst>
           </p:cNvPr>
@@ -7326,11 +7436,11 @@
             <a:avLst/>
           </a:prstGeom>
           <a:solidFill>
-            <a:srgbClr val="6D6CCA"/>
+            <a:srgbClr val="DCECF6"/>
           </a:solidFill>
-          <a:ln w="63500">
+          <a:ln w="19050">
             <a:solidFill>
-              <a:srgbClr val="6D6CCA"/>
+              <a:srgbClr val="30335D"/>
             </a:solidFill>
           </a:ln>
         </p:spPr>
@@ -7361,10 +7471,10 @@
       </p:sp>
       <p:sp>
         <p:nvSpPr>
-          <p:cNvPr id="1028" name="TextBox 1027">
-            <a:extLst>
-              <a:ext uri="{FF2B5EF4-FFF2-40B4-BE49-F238E27FC236}">
-                <a16:creationId xmlns:a16="http://schemas.microsoft.com/office/drawing/2014/main" id="{6410DB09-1F9C-9626-49CF-91A6CBDDF920}"/>
+          <p:cNvPr id="32" name="TextBox 31">
+            <a:extLst>
+              <a:ext uri="{FF2B5EF4-FFF2-40B4-BE49-F238E27FC236}">
+                <a16:creationId xmlns:a16="http://schemas.microsoft.com/office/drawing/2014/main" id="{7C9F949E-3EEB-4BBE-1732-49EE366D7045}"/>
               </a:ext>
             </a:extLst>
           </p:cNvPr>
@@ -7373,8 +7483,8 @@
         </p:nvSpPr>
         <p:spPr>
           <a:xfrm>
-            <a:off x="2448019" y="622626"/>
-            <a:ext cx="1504708" cy="400110"/>
+            <a:off x="2448019" y="677711"/>
+            <a:ext cx="1504708" cy="369332"/>
           </a:xfrm>
           <a:prstGeom prst="rect">
             <a:avLst/>
@@ -7389,10 +7499,7 @@
           <a:p>
             <a:pPr algn="ctr"/>
             <a:r>
-              <a:rPr lang="en-US" sz="2000" dirty="0">
-                <a:solidFill>
-                  <a:schemeClr val="bg1"/>
-                </a:solidFill>
+              <a:rPr lang="en-US" dirty="0">
                 <a:latin typeface="Avenir Medium" panose="02000503020000020003" pitchFamily="2" charset="0"/>
               </a:rPr>
               <a:t>Output</a:t>
@@ -7402,10 +7509,10 @@
       </p:sp>
       <p:sp>
         <p:nvSpPr>
-          <p:cNvPr id="1035" name="Down Arrow 1034">
-            <a:extLst>
-              <a:ext uri="{FF2B5EF4-FFF2-40B4-BE49-F238E27FC236}">
-                <a16:creationId xmlns:a16="http://schemas.microsoft.com/office/drawing/2014/main" id="{F94D030B-A208-F941-D474-2D8D658304A4}"/>
+          <p:cNvPr id="33" name="Down Arrow 32">
+            <a:extLst>
+              <a:ext uri="{FF2B5EF4-FFF2-40B4-BE49-F238E27FC236}">
+                <a16:creationId xmlns:a16="http://schemas.microsoft.com/office/drawing/2014/main" id="{AFA790ED-4504-F23C-0917-2DEE6FC0E11C}"/>
               </a:ext>
             </a:extLst>
           </p:cNvPr>
@@ -7459,10 +7566,10 @@
       </p:sp>
       <p:sp>
         <p:nvSpPr>
-          <p:cNvPr id="1036" name="Down Arrow 1035">
-            <a:extLst>
-              <a:ext uri="{FF2B5EF4-FFF2-40B4-BE49-F238E27FC236}">
-                <a16:creationId xmlns:a16="http://schemas.microsoft.com/office/drawing/2014/main" id="{5371C3B7-1E5B-FA64-FDEE-FCAB6A690DB1}"/>
+          <p:cNvPr id="34" name="Down Arrow 33">
+            <a:extLst>
+              <a:ext uri="{FF2B5EF4-FFF2-40B4-BE49-F238E27FC236}">
+                <a16:creationId xmlns:a16="http://schemas.microsoft.com/office/drawing/2014/main" id="{02EB13B8-C85D-132E-AB24-6C0E6126835F}"/>
               </a:ext>
             </a:extLst>
           </p:cNvPr>
@@ -7516,10 +7623,10 @@
       </p:sp>
       <p:sp>
         <p:nvSpPr>
-          <p:cNvPr id="1037" name="Down Arrow 1036">
-            <a:extLst>
-              <a:ext uri="{FF2B5EF4-FFF2-40B4-BE49-F238E27FC236}">
-                <a16:creationId xmlns:a16="http://schemas.microsoft.com/office/drawing/2014/main" id="{AE030784-6E12-120E-B0AE-B6C07E8BA152}"/>
+          <p:cNvPr id="35" name="Down Arrow 34">
+            <a:extLst>
+              <a:ext uri="{FF2B5EF4-FFF2-40B4-BE49-F238E27FC236}">
+                <a16:creationId xmlns:a16="http://schemas.microsoft.com/office/drawing/2014/main" id="{A0962104-A009-112D-4A3D-C5DF41CB2F1F}"/>
               </a:ext>
             </a:extLst>
           </p:cNvPr>
@@ -7573,10 +7680,10 @@
       </p:sp>
       <p:sp>
         <p:nvSpPr>
-          <p:cNvPr id="1038" name="Down Arrow 1037">
-            <a:extLst>
-              <a:ext uri="{FF2B5EF4-FFF2-40B4-BE49-F238E27FC236}">
-                <a16:creationId xmlns:a16="http://schemas.microsoft.com/office/drawing/2014/main" id="{517D3CF7-27E5-5F9D-85EC-D9D3D93DF43E}"/>
+          <p:cNvPr id="37" name="Down Arrow 36">
+            <a:extLst>
+              <a:ext uri="{FF2B5EF4-FFF2-40B4-BE49-F238E27FC236}">
+                <a16:creationId xmlns:a16="http://schemas.microsoft.com/office/drawing/2014/main" id="{67ECF7DB-05B7-93A2-4452-A17FCFE2464B}"/>
               </a:ext>
             </a:extLst>
           </p:cNvPr>
@@ -7630,10 +7737,10 @@
       </p:sp>
       <p:sp>
         <p:nvSpPr>
-          <p:cNvPr id="1039" name="TextBox 1038">
-            <a:extLst>
-              <a:ext uri="{FF2B5EF4-FFF2-40B4-BE49-F238E27FC236}">
-                <a16:creationId xmlns:a16="http://schemas.microsoft.com/office/drawing/2014/main" id="{13A44AF4-37C4-2475-5A92-5F50D31C214D}"/>
+          <p:cNvPr id="38" name="TextBox 37">
+            <a:extLst>
+              <a:ext uri="{FF2B5EF4-FFF2-40B4-BE49-F238E27FC236}">
+                <a16:creationId xmlns:a16="http://schemas.microsoft.com/office/drawing/2014/main" id="{5A29F823-1813-D9C5-687B-38FD32BDD0C1}"/>
               </a:ext>
             </a:extLst>
           </p:cNvPr>
@@ -7668,10 +7775,10 @@
       </p:sp>
       <p:sp>
         <p:nvSpPr>
-          <p:cNvPr id="1040" name="TextBox 1039">
-            <a:extLst>
-              <a:ext uri="{FF2B5EF4-FFF2-40B4-BE49-F238E27FC236}">
-                <a16:creationId xmlns:a16="http://schemas.microsoft.com/office/drawing/2014/main" id="{3C083D6C-2FBD-016B-E758-329821E9E163}"/>
+          <p:cNvPr id="39" name="TextBox 38">
+            <a:extLst>
+              <a:ext uri="{FF2B5EF4-FFF2-40B4-BE49-F238E27FC236}">
+                <a16:creationId xmlns:a16="http://schemas.microsoft.com/office/drawing/2014/main" id="{6F8A0D87-F2B8-1DBF-0FAA-FC73D5C047F7}"/>
               </a:ext>
             </a:extLst>
           </p:cNvPr>
@@ -7681,7 +7788,7 @@
         <p:spPr>
           <a:xfrm>
             <a:off x="2278287" y="5668242"/>
-            <a:ext cx="1814030" cy="707886"/>
+            <a:ext cx="1814030" cy="677108"/>
           </a:xfrm>
           <a:prstGeom prst="rect">
             <a:avLst/>
@@ -7696,7 +7803,7 @@
           <a:p>
             <a:pPr algn="ctr"/>
             <a:r>
-              <a:rPr lang="en-US" sz="2000" b="1" dirty="0">
+              <a:rPr lang="en-US" sz="1900" b="1" dirty="0">
                 <a:latin typeface="Avenir Black" panose="02000503020000020003" pitchFamily="2" charset="0"/>
               </a:rPr>
               <a:t>Existing DNN for task A</a:t>
@@ -7706,10 +7813,10 @@
       </p:sp>
       <p:sp>
         <p:nvSpPr>
-          <p:cNvPr id="1041" name="TextBox 1040">
-            <a:extLst>
-              <a:ext uri="{FF2B5EF4-FFF2-40B4-BE49-F238E27FC236}">
-                <a16:creationId xmlns:a16="http://schemas.microsoft.com/office/drawing/2014/main" id="{CE43B263-A23E-BE5B-DD8B-639F7FF6D5A7}"/>
+          <p:cNvPr id="40" name="TextBox 39">
+            <a:extLst>
+              <a:ext uri="{FF2B5EF4-FFF2-40B4-BE49-F238E27FC236}">
+                <a16:creationId xmlns:a16="http://schemas.microsoft.com/office/drawing/2014/main" id="{DEA21296-8049-5A6E-81D5-821E4140FCC2}"/>
               </a:ext>
             </a:extLst>
           </p:cNvPr>
@@ -7718,8 +7825,8 @@
         </p:nvSpPr>
         <p:spPr>
           <a:xfrm>
-            <a:off x="5800321" y="5640954"/>
-            <a:ext cx="1814030" cy="707886"/>
+            <a:off x="5800321" y="5660004"/>
+            <a:ext cx="1814030" cy="677108"/>
           </a:xfrm>
           <a:prstGeom prst="rect">
             <a:avLst/>
@@ -7734,7 +7841,7 @@
           <a:p>
             <a:pPr algn="ctr"/>
             <a:r>
-              <a:rPr lang="en-US" sz="2000" b="1" dirty="0">
+              <a:rPr lang="en-US" sz="1900" b="1" dirty="0">
                 <a:latin typeface="Avenir Black" panose="02000503020000020003" pitchFamily="2" charset="0"/>
               </a:rPr>
               <a:t>New DNN for similar task B</a:t>
@@ -7744,10 +7851,10 @@
       </p:sp>
       <p:pic>
         <p:nvPicPr>
-          <p:cNvPr id="1044" name="Graphic 1043" descr="Unlock with solid fill">
-            <a:extLst>
-              <a:ext uri="{FF2B5EF4-FFF2-40B4-BE49-F238E27FC236}">
-                <a16:creationId xmlns:a16="http://schemas.microsoft.com/office/drawing/2014/main" id="{E3D155E7-A79A-9409-5DA1-779D4078F4D4}"/>
+          <p:cNvPr id="44" name="Graphic 43" descr="Unlock with solid fill">
+            <a:extLst>
+              <a:ext uri="{FF2B5EF4-FFF2-40B4-BE49-F238E27FC236}">
+                <a16:creationId xmlns:a16="http://schemas.microsoft.com/office/drawing/2014/main" id="{E27C8B0A-F89E-88E1-FB3A-91E9BD02B612}"/>
               </a:ext>
             </a:extLst>
           </p:cNvPr>
@@ -7757,13 +7864,13 @@
           <p:nvPr/>
         </p:nvPicPr>
         <p:blipFill>
-          <a:blip r:embed="rId3">
+          <a:blip r:embed="rId4">
             <a:extLst>
               <a:ext uri="{28A0092B-C50C-407E-A947-70E740481C1C}">
                 <a14:useLocalDpi xmlns:a14="http://schemas.microsoft.com/office/drawing/2010/main" val="0"/>
               </a:ext>
               <a:ext uri="{96DAC541-7B7A-43D3-8B79-37D633B846F1}">
-                <asvg:svgBlip xmlns:asvg="http://schemas.microsoft.com/office/drawing/2016/SVG/main" r:embed="rId4"/>
+                <asvg:svgBlip xmlns:asvg="http://schemas.microsoft.com/office/drawing/2016/SVG/main" r:embed="rId5"/>
               </a:ext>
             </a:extLst>
           </a:blip>
@@ -7783,10 +7890,10 @@
       </p:pic>
       <p:pic>
         <p:nvPicPr>
-          <p:cNvPr id="1046" name="Graphic 1045" descr="Lock with solid fill">
-            <a:extLst>
-              <a:ext uri="{FF2B5EF4-FFF2-40B4-BE49-F238E27FC236}">
-                <a16:creationId xmlns:a16="http://schemas.microsoft.com/office/drawing/2014/main" id="{BFE03915-FB75-2AD1-3CB6-12BAB5FF7B3F}"/>
+          <p:cNvPr id="52" name="Graphic 51" descr="Lock with solid fill">
+            <a:extLst>
+              <a:ext uri="{FF2B5EF4-FFF2-40B4-BE49-F238E27FC236}">
+                <a16:creationId xmlns:a16="http://schemas.microsoft.com/office/drawing/2014/main" id="{DA2EFC28-11A2-BD23-DAD4-8B720F61E877}"/>
               </a:ext>
             </a:extLst>
           </p:cNvPr>
@@ -7796,13 +7903,13 @@
           <p:nvPr/>
         </p:nvPicPr>
         <p:blipFill>
-          <a:blip r:embed="rId5">
+          <a:blip r:embed="rId6">
             <a:extLst>
               <a:ext uri="{28A0092B-C50C-407E-A947-70E740481C1C}">
                 <a14:useLocalDpi xmlns:a14="http://schemas.microsoft.com/office/drawing/2010/main" val="0"/>
               </a:ext>
               <a:ext uri="{96DAC541-7B7A-43D3-8B79-37D633B846F1}">
-                <asvg:svgBlip xmlns:asvg="http://schemas.microsoft.com/office/drawing/2016/SVG/main" r:embed="rId6"/>
+                <asvg:svgBlip xmlns:asvg="http://schemas.microsoft.com/office/drawing/2016/SVG/main" r:embed="rId7"/>
               </a:ext>
             </a:extLst>
           </a:blip>
@@ -7822,10 +7929,10 @@
       </p:pic>
       <p:sp>
         <p:nvSpPr>
-          <p:cNvPr id="1047" name="TextBox 1046">
-            <a:extLst>
-              <a:ext uri="{FF2B5EF4-FFF2-40B4-BE49-F238E27FC236}">
-                <a16:creationId xmlns:a16="http://schemas.microsoft.com/office/drawing/2014/main" id="{4EBDE61B-CE76-25A6-52B7-E187CCF4C0E0}"/>
+          <p:cNvPr id="1026" name="TextBox 1025">
+            <a:extLst>
+              <a:ext uri="{FF2B5EF4-FFF2-40B4-BE49-F238E27FC236}">
+                <a16:creationId xmlns:a16="http://schemas.microsoft.com/office/drawing/2014/main" id="{E73AF436-50BF-EF88-C99C-915F8E8B8847}"/>
               </a:ext>
             </a:extLst>
           </p:cNvPr>
@@ -7860,10 +7967,10 @@
       </p:sp>
       <p:sp>
         <p:nvSpPr>
-          <p:cNvPr id="1048" name="TextBox 1047">
-            <a:extLst>
-              <a:ext uri="{FF2B5EF4-FFF2-40B4-BE49-F238E27FC236}">
-                <a16:creationId xmlns:a16="http://schemas.microsoft.com/office/drawing/2014/main" id="{BE8754EE-60E5-E77D-3DA5-8E535BC2C1A4}"/>
+          <p:cNvPr id="1029" name="TextBox 1028">
+            <a:extLst>
+              <a:ext uri="{FF2B5EF4-FFF2-40B4-BE49-F238E27FC236}">
+                <a16:creationId xmlns:a16="http://schemas.microsoft.com/office/drawing/2014/main" id="{29B0B5C2-C67B-13AC-B5EF-F5ABB7BE8C25}"/>
               </a:ext>
             </a:extLst>
           </p:cNvPr>
@@ -7896,42 +8003,6 @@
           </a:p>
         </p:txBody>
       </p:sp>
-      <p:pic>
-        <p:nvPicPr>
-          <p:cNvPr id="2" name="Picture 1" descr="A picture containing dark, gauge&#10;&#10;Description automatically generated">
-            <a:extLst>
-              <a:ext uri="{FF2B5EF4-FFF2-40B4-BE49-F238E27FC236}">
-                <a16:creationId xmlns:a16="http://schemas.microsoft.com/office/drawing/2014/main" id="{FE08A59C-8295-77DE-5616-17AD98CCCB7B}"/>
-              </a:ext>
-            </a:extLst>
-          </p:cNvPr>
-          <p:cNvPicPr>
-            <a:picLocks noChangeAspect="1"/>
-          </p:cNvPicPr>
-          <p:nvPr/>
-        </p:nvPicPr>
-        <p:blipFill>
-          <a:blip r:embed="rId7">
-            <a:extLst>
-              <a:ext uri="{28A0092B-C50C-407E-A947-70E740481C1C}">
-                <a14:useLocalDpi xmlns:a14="http://schemas.microsoft.com/office/drawing/2010/main" val="0"/>
-              </a:ext>
-            </a:extLst>
-          </a:blip>
-          <a:stretch>
-            <a:fillRect/>
-          </a:stretch>
-        </p:blipFill>
-        <p:spPr>
-          <a:xfrm>
-            <a:off x="11378037" y="6045200"/>
-            <a:ext cx="800100" cy="812800"/>
-          </a:xfrm>
-          <a:prstGeom prst="rect">
-            <a:avLst/>
-          </a:prstGeom>
-        </p:spPr>
-      </p:pic>
     </p:spTree>
     <p:extLst>
       <p:ext uri="{BB962C8B-B14F-4D97-AF65-F5344CB8AC3E}">
@@ -8858,6 +8929,7 @@
           </a:bodyPr>
           <a:lstStyle/>
           <a:p>
+            <a:pPr algn="ctr"/>
             <a:r>
               <a:rPr lang="en-US" sz="2800" b="0" i="0" u="none" strike="noStrike" baseline="0" dirty="0">
                 <a:solidFill>
@@ -9857,10 +9929,12 @@
               <a:avLst/>
             </a:prstGeom>
             <a:solidFill>
-              <a:srgbClr val="6D6CCA"/>
+              <a:srgbClr val="5A5AA8"/>
             </a:solidFill>
-            <a:ln w="44450">
-              <a:noFill/>
+            <a:ln w="3175">
+              <a:solidFill>
+                <a:schemeClr val="tx1"/>
+              </a:solidFill>
             </a:ln>
             <a:effectLst/>
           </p:spPr>
@@ -10118,8 +10192,10 @@
             <a:solidFill>
               <a:srgbClr val="65BB7B"/>
             </a:solidFill>
-            <a:ln w="44450">
-              <a:noFill/>
+            <a:ln w="3175">
+              <a:solidFill>
+                <a:schemeClr val="tx1"/>
+              </a:solidFill>
             </a:ln>
             <a:effectLst/>
           </p:spPr>
@@ -10144,7 +10220,7 @@
             <a:lstStyle/>
             <a:p>
               <a:pPr algn="ctr"/>
-              <a:endParaRPr lang="en-US"/>
+              <a:endParaRPr lang="en-US" dirty="0"/>
             </a:p>
           </p:txBody>
         </p:sp>
@@ -10252,15 +10328,177 @@
 </p:sld>
 </file>
 
+<file path=ppt/slides/slide16.xml><?xml version="1.0" encoding="utf-8"?>
+<p:sld xmlns:a="http://schemas.openxmlformats.org/drawingml/2006/main" xmlns:r="http://schemas.openxmlformats.org/officeDocument/2006/relationships" xmlns:p="http://schemas.openxmlformats.org/presentationml/2006/main">
+  <p:cSld>
+    <p:spTree>
+      <p:nvGrpSpPr>
+        <p:cNvPr id="1" name=""/>
+        <p:cNvGrpSpPr/>
+        <p:nvPr/>
+      </p:nvGrpSpPr>
+      <p:grpSpPr>
+        <a:xfrm>
+          <a:off x="0" y="0"/>
+          <a:ext cx="0" cy="0"/>
+          <a:chOff x="0" y="0"/>
+          <a:chExt cx="0" cy="0"/>
+        </a:xfrm>
+      </p:grpSpPr>
+    </p:spTree>
+    <p:extLst>
+      <p:ext uri="{BB962C8B-B14F-4D97-AF65-F5344CB8AC3E}">
+        <p14:creationId xmlns:p14="http://schemas.microsoft.com/office/powerpoint/2010/main" val="2165812169"/>
+      </p:ext>
+    </p:extLst>
+  </p:cSld>
+  <p:clrMapOvr>
+    <a:masterClrMapping/>
+  </p:clrMapOvr>
+  <mc:AlternateContent xmlns:mc="http://schemas.openxmlformats.org/markup-compatibility/2006" xmlns:p14="http://schemas.microsoft.com/office/powerpoint/2010/main">
+    <mc:Choice Requires="p14">
+      <p:transition spd="med" p14:dur="700">
+        <p:fade/>
+      </p:transition>
+    </mc:Choice>
+    <mc:Fallback xmlns="">
+      <p:transition spd="med">
+        <p:fade/>
+      </p:transition>
+    </mc:Fallback>
+  </mc:AlternateContent>
+</p:sld>
+</file>
+
+<file path=ppt/slides/slide17.xml><?xml version="1.0" encoding="utf-8"?>
+<p:sld xmlns:a="http://schemas.openxmlformats.org/drawingml/2006/main" xmlns:r="http://schemas.openxmlformats.org/officeDocument/2006/relationships" xmlns:p="http://schemas.openxmlformats.org/presentationml/2006/main">
+  <p:cSld>
+    <p:spTree>
+      <p:nvGrpSpPr>
+        <p:cNvPr id="1" name=""/>
+        <p:cNvGrpSpPr/>
+        <p:nvPr/>
+      </p:nvGrpSpPr>
+      <p:grpSpPr>
+        <a:xfrm>
+          <a:off x="0" y="0"/>
+          <a:ext cx="0" cy="0"/>
+          <a:chOff x="0" y="0"/>
+          <a:chExt cx="0" cy="0"/>
+        </a:xfrm>
+      </p:grpSpPr>
+      <p:sp>
+        <p:nvSpPr>
+          <p:cNvPr id="11" name="TextBox 10">
+            <a:extLst>
+              <a:ext uri="{FF2B5EF4-FFF2-40B4-BE49-F238E27FC236}">
+                <a16:creationId xmlns:a16="http://schemas.microsoft.com/office/drawing/2014/main" id="{032EA95D-BE72-4FC1-87D5-1F0489EE2C7E}"/>
+              </a:ext>
+            </a:extLst>
+          </p:cNvPr>
+          <p:cNvSpPr txBox="1"/>
+          <p:nvPr/>
+        </p:nvSpPr>
+        <p:spPr>
+          <a:xfrm>
+            <a:off x="11430" y="6550223"/>
+            <a:ext cx="12192000" cy="307777"/>
+          </a:xfrm>
+          <a:prstGeom prst="rect">
+            <a:avLst/>
+          </a:prstGeom>
+          <a:noFill/>
+        </p:spPr>
+        <p:txBody>
+          <a:bodyPr wrap="square" rtlCol="0">
+            <a:spAutoFit/>
+          </a:bodyPr>
+          <a:lstStyle/>
+          <a:p>
+            <a:r>
+              <a:rPr lang="en-US" sz="1400" dirty="0">
+                <a:solidFill>
+                  <a:schemeClr val="tx1">
+                    <a:lumMod val="65000"/>
+                    <a:lumOff val="35000"/>
+                  </a:schemeClr>
+                </a:solidFill>
+                <a:latin typeface="+mj-lt"/>
+                <a:ea typeface="Verdana" panose="020B0604030504040204" pitchFamily="34" charset="0"/>
+              </a:rPr>
+              <a:t>Image Credit: https://cktechcheck.com/</a:t>
+            </a:r>
+          </a:p>
+        </p:txBody>
+      </p:sp>
+      <p:pic>
+        <p:nvPicPr>
+          <p:cNvPr id="3" name="Picture 2" descr="A green and white logo&#10;&#10;Description automatically generated with low confidence">
+            <a:extLst>
+              <a:ext uri="{FF2B5EF4-FFF2-40B4-BE49-F238E27FC236}">
+                <a16:creationId xmlns:a16="http://schemas.microsoft.com/office/drawing/2014/main" id="{845735AC-AF18-4257-A9FE-DE0BE6D668A3}"/>
+              </a:ext>
+            </a:extLst>
+          </p:cNvPr>
+          <p:cNvPicPr>
+            <a:picLocks noChangeAspect="1"/>
+          </p:cNvPicPr>
+          <p:nvPr/>
+        </p:nvPicPr>
+        <p:blipFill>
+          <a:blip r:embed="rId3">
+            <a:extLst>
+              <a:ext uri="{28A0092B-C50C-407E-A947-70E740481C1C}">
+                <a14:useLocalDpi xmlns:a14="http://schemas.microsoft.com/office/drawing/2010/main" val="0"/>
+              </a:ext>
+            </a:extLst>
+          </a:blip>
+          <a:stretch>
+            <a:fillRect/>
+          </a:stretch>
+        </p:blipFill>
+        <p:spPr>
+          <a:xfrm>
+            <a:off x="2347157" y="2219696"/>
+            <a:ext cx="7497685" cy="2418608"/>
+          </a:xfrm>
+          <a:prstGeom prst="rect">
+            <a:avLst/>
+          </a:prstGeom>
+        </p:spPr>
+      </p:pic>
+    </p:spTree>
+    <p:extLst>
+      <p:ext uri="{BB962C8B-B14F-4D97-AF65-F5344CB8AC3E}">
+        <p14:creationId xmlns:p14="http://schemas.microsoft.com/office/powerpoint/2010/main" val="264863391"/>
+      </p:ext>
+    </p:extLst>
+  </p:cSld>
+  <p:clrMapOvr>
+    <a:masterClrMapping/>
+  </p:clrMapOvr>
+  <mc:AlternateContent xmlns:mc="http://schemas.openxmlformats.org/markup-compatibility/2006" xmlns:p14="http://schemas.microsoft.com/office/powerpoint/2010/main">
+    <mc:Choice Requires="p14">
+      <p:transition spd="med" p14:dur="700">
+        <p:fade/>
+      </p:transition>
+    </mc:Choice>
+    <mc:Fallback xmlns="">
+      <p:transition spd="med">
+        <p:fade/>
+      </p:transition>
+    </mc:Fallback>
+  </mc:AlternateContent>
+</p:sld>
+</file>
+
 <file path=ppt/slides/slide2.xml><?xml version="1.0" encoding="utf-8"?>
 <p:sld xmlns:a="http://schemas.openxmlformats.org/drawingml/2006/main" xmlns:r="http://schemas.openxmlformats.org/officeDocument/2006/relationships" xmlns:p="http://schemas.openxmlformats.org/presentationml/2006/main">
   <p:cSld>
     <p:bg>
       <p:bgPr>
         <a:solidFill>
-          <a:srgbClr val="6D61C7">
-            <a:alpha val="89412"/>
-          </a:srgbClr>
+          <a:srgbClr val="5A5AA8"/>
         </a:solidFill>
         <a:effectLst/>
       </p:bgPr>
@@ -10575,6 +10813,9 @@
             <a:chOff x="2677617" y="1259840"/>
             <a:chExt cx="1133297" cy="894079"/>
           </a:xfrm>
+          <a:solidFill>
+            <a:srgbClr val="30335D"/>
+          </a:solidFill>
         </p:grpSpPr>
         <p:sp>
           <p:nvSpPr>
@@ -10596,9 +10837,7 @@
             <a:prstGeom prst="ellipse">
               <a:avLst/>
             </a:prstGeom>
-            <a:solidFill>
-              <a:srgbClr val="3D3880"/>
-            </a:solidFill>
+            <a:grpFill/>
             <a:ln>
               <a:noFill/>
             </a:ln>
@@ -10644,8 +10883,8 @@
           </p:nvSpPr>
           <p:spPr>
             <a:xfrm>
-              <a:off x="2677617" y="1556041"/>
-              <a:ext cx="1133297" cy="307777"/>
+              <a:off x="2677617" y="1588699"/>
+              <a:ext cx="1133297" cy="276999"/>
             </a:xfrm>
             <a:prstGeom prst="rect">
               <a:avLst/>
@@ -10663,7 +10902,7 @@
             <a:p>
               <a:pPr algn="ctr"/>
               <a:r>
-                <a:rPr lang="en-US" sz="1400" dirty="0">
+                <a:rPr lang="en-US" sz="1200" dirty="0">
                   <a:solidFill>
                     <a:schemeClr val="bg1"/>
                   </a:solidFill>
@@ -10694,6 +10933,9 @@
             <a:chOff x="2677617" y="1259840"/>
             <a:chExt cx="1133297" cy="894079"/>
           </a:xfrm>
+          <a:solidFill>
+            <a:srgbClr val="30335D"/>
+          </a:solidFill>
         </p:grpSpPr>
         <p:sp>
           <p:nvSpPr>
@@ -10715,9 +10957,7 @@
             <a:prstGeom prst="ellipse">
               <a:avLst/>
             </a:prstGeom>
-            <a:solidFill>
-              <a:srgbClr val="3D3880"/>
-            </a:solidFill>
+            <a:grpFill/>
             <a:ln>
               <a:noFill/>
             </a:ln>
@@ -10763,8 +11003,8 @@
           </p:nvSpPr>
           <p:spPr>
             <a:xfrm>
-              <a:off x="2677617" y="1556041"/>
-              <a:ext cx="1133297" cy="307777"/>
+              <a:off x="2677617" y="1588699"/>
+              <a:ext cx="1133297" cy="276999"/>
             </a:xfrm>
             <a:prstGeom prst="rect">
               <a:avLst/>
@@ -10782,7 +11022,7 @@
             <a:p>
               <a:pPr algn="ctr"/>
               <a:r>
-                <a:rPr lang="en-US" sz="1400" dirty="0">
+                <a:rPr lang="en-US" sz="1200" dirty="0">
                   <a:solidFill>
                     <a:schemeClr val="bg1"/>
                   </a:solidFill>
@@ -10815,7 +11055,7 @@
             <a:avLst/>
           </a:prstGeom>
           <a:solidFill>
-            <a:srgbClr val="6D6CCA">
+            <a:srgbClr val="5A5AA8">
               <a:alpha val="92157"/>
             </a:srgbClr>
           </a:solidFill>
@@ -11274,8 +11514,8 @@
         </p:nvSpPr>
         <p:spPr>
           <a:xfrm>
-            <a:off x="3072741" y="433363"/>
-            <a:ext cx="1959965" cy="738664"/>
+            <a:off x="3059075" y="715141"/>
+            <a:ext cx="1959965" cy="461665"/>
           </a:xfrm>
           <a:prstGeom prst="rect">
             <a:avLst/>
@@ -11290,7 +11530,7 @@
           <a:p>
             <a:pPr algn="ctr"/>
             <a:r>
-              <a:rPr lang="en-US" sz="1400" i="1" dirty="0">
+              <a:rPr lang="en-US" sz="1200" i="1" dirty="0">
                 <a:latin typeface="Avenir Light Oblique" panose="020B0402020203090204" pitchFamily="34" charset="77"/>
               </a:rPr>
               <a:t>Training and evaluation on the same task/domain</a:t>
@@ -11747,6 +11987,9 @@
             <a:chOff x="2677617" y="1259840"/>
             <a:chExt cx="1133297" cy="894079"/>
           </a:xfrm>
+          <a:solidFill>
+            <a:srgbClr val="30335D"/>
+          </a:solidFill>
         </p:grpSpPr>
         <p:sp>
           <p:nvSpPr>
@@ -11768,9 +12011,7 @@
             <a:prstGeom prst="ellipse">
               <a:avLst/>
             </a:prstGeom>
-            <a:solidFill>
-              <a:srgbClr val="3D3880"/>
-            </a:solidFill>
+            <a:grpFill/>
             <a:ln>
               <a:noFill/>
             </a:ln>
@@ -11816,8 +12057,8 @@
           </p:nvSpPr>
           <p:spPr>
             <a:xfrm>
-              <a:off x="2677617" y="1556041"/>
-              <a:ext cx="1133297" cy="307777"/>
+              <a:off x="2677617" y="1588699"/>
+              <a:ext cx="1133297" cy="276999"/>
             </a:xfrm>
             <a:prstGeom prst="rect">
               <a:avLst/>
@@ -11835,7 +12076,7 @@
             <a:p>
               <a:pPr algn="ctr"/>
               <a:r>
-                <a:rPr lang="en-US" sz="1400" dirty="0">
+                <a:rPr lang="en-US" sz="1200" dirty="0">
                   <a:solidFill>
                     <a:schemeClr val="bg1"/>
                   </a:solidFill>
@@ -11866,6 +12107,9 @@
             <a:chOff x="2677617" y="1259840"/>
             <a:chExt cx="1133297" cy="894079"/>
           </a:xfrm>
+          <a:solidFill>
+            <a:srgbClr val="30335D"/>
+          </a:solidFill>
         </p:grpSpPr>
         <p:sp>
           <p:nvSpPr>
@@ -11887,9 +12131,7 @@
             <a:prstGeom prst="ellipse">
               <a:avLst/>
             </a:prstGeom>
-            <a:solidFill>
-              <a:srgbClr val="3D3880"/>
-            </a:solidFill>
+            <a:grpFill/>
             <a:ln>
               <a:noFill/>
             </a:ln>
@@ -11935,8 +12177,8 @@
           </p:nvSpPr>
           <p:spPr>
             <a:xfrm>
-              <a:off x="2677617" y="1556041"/>
-              <a:ext cx="1133297" cy="307777"/>
+              <a:off x="2677617" y="1588699"/>
+              <a:ext cx="1133297" cy="276999"/>
             </a:xfrm>
             <a:prstGeom prst="rect">
               <a:avLst/>
@@ -11954,7 +12196,7 @@
             <a:p>
               <a:pPr algn="ctr"/>
               <a:r>
-                <a:rPr lang="en-US" sz="1400" dirty="0">
+                <a:rPr lang="en-US" sz="1200" dirty="0">
                   <a:solidFill>
                     <a:schemeClr val="bg1"/>
                   </a:solidFill>
@@ -11987,7 +12229,7 @@
             <a:avLst/>
           </a:prstGeom>
           <a:solidFill>
-            <a:srgbClr val="6D6CCA">
+            <a:srgbClr val="5A5AA8">
               <a:alpha val="92157"/>
             </a:srgbClr>
           </a:solidFill>
@@ -12282,8 +12524,8 @@
         </p:nvSpPr>
         <p:spPr>
           <a:xfrm>
-            <a:off x="8422081" y="4983130"/>
-            <a:ext cx="1133297" cy="276999"/>
+            <a:off x="8422082" y="4983130"/>
+            <a:ext cx="1089432" cy="276999"/>
           </a:xfrm>
           <a:prstGeom prst="rect">
             <a:avLst/>
@@ -12318,7 +12560,7 @@
         </p:nvSpPr>
         <p:spPr>
           <a:xfrm rot="10800000">
-            <a:off x="8540823" y="3852415"/>
+            <a:off x="8569411" y="3852415"/>
             <a:ext cx="766602" cy="401431"/>
           </a:xfrm>
           <a:prstGeom prst="trapezoid">
@@ -12603,7 +12845,7 @@
         </p:nvSpPr>
         <p:spPr>
           <a:xfrm>
-            <a:off x="8529534" y="2765288"/>
+            <a:off x="8541690" y="2765288"/>
             <a:ext cx="822045" cy="516520"/>
           </a:xfrm>
           <a:prstGeom prst="roundRect">
@@ -12694,7 +12936,7 @@
           <a:lstStyle/>
           <a:p>
             <a:pPr algn="ctr"/>
-            <a:endParaRPr lang="en-US" dirty="0"/>
+            <a:endParaRPr lang="en-US"/>
           </a:p>
         </p:txBody>
       </p:sp>
@@ -12712,8 +12954,8 @@
         </p:nvSpPr>
         <p:spPr>
           <a:xfrm>
-            <a:off x="3244264" y="5854879"/>
-            <a:ext cx="1616921" cy="307777"/>
+            <a:off x="3193732" y="5854879"/>
+            <a:ext cx="1825307" cy="307777"/>
           </a:xfrm>
           <a:prstGeom prst="rect">
             <a:avLst/>
@@ -12750,7 +12992,7 @@
         </p:nvSpPr>
         <p:spPr>
           <a:xfrm>
-            <a:off x="6372632" y="2941100"/>
+            <a:off x="6354344" y="2941100"/>
             <a:ext cx="822045" cy="307777"/>
           </a:xfrm>
           <a:prstGeom prst="rect">
@@ -12822,8 +13064,8 @@
         </p:nvSpPr>
         <p:spPr>
           <a:xfrm>
-            <a:off x="8507038" y="3907087"/>
-            <a:ext cx="822045" cy="307777"/>
+            <a:off x="8569411" y="3907087"/>
+            <a:ext cx="766603" cy="307777"/>
           </a:xfrm>
           <a:prstGeom prst="rect">
             <a:avLst/>
@@ -12858,7 +13100,7 @@
         </p:nvSpPr>
         <p:spPr>
           <a:xfrm>
-            <a:off x="8539695" y="2886470"/>
+            <a:off x="8541690" y="2886470"/>
             <a:ext cx="822045" cy="307777"/>
           </a:xfrm>
           <a:prstGeom prst="rect">
@@ -13023,8 +13265,8 @@
         </p:nvSpPr>
         <p:spPr>
           <a:xfrm>
-            <a:off x="7043123" y="5843817"/>
-            <a:ext cx="1616921" cy="307777"/>
+            <a:off x="6992591" y="5843817"/>
+            <a:ext cx="1825307" cy="307777"/>
           </a:xfrm>
           <a:prstGeom prst="rect">
             <a:avLst/>
@@ -13061,8 +13303,8 @@
         </p:nvSpPr>
         <p:spPr>
           <a:xfrm>
-            <a:off x="6820126" y="499069"/>
-            <a:ext cx="2167979" cy="738664"/>
+            <a:off x="6820126" y="543659"/>
+            <a:ext cx="2167979" cy="646331"/>
           </a:xfrm>
           <a:prstGeom prst="rect">
             <a:avLst/>
@@ -13077,7 +13319,7 @@
           <a:p>
             <a:pPr algn="ctr"/>
             <a:r>
-              <a:rPr lang="en-US" sz="1400" i="1" dirty="0">
+              <a:rPr lang="en-US" sz="1200" i="1" dirty="0">
                 <a:latin typeface="Avenir Light Oblique" panose="020B0402020203090204" pitchFamily="34" charset="77"/>
               </a:rPr>
               <a:t>Extract knowledge from source task, and apply to different target task</a:t>
@@ -13099,8 +13341,8 @@
         </p:nvSpPr>
         <p:spPr>
           <a:xfrm>
-            <a:off x="6790387" y="2542497"/>
-            <a:ext cx="2167979" cy="523220"/>
+            <a:off x="6790387" y="2575155"/>
+            <a:ext cx="2167979" cy="430887"/>
           </a:xfrm>
           <a:prstGeom prst="rect">
             <a:avLst/>
@@ -13115,7 +13357,7 @@
           <a:p>
             <a:pPr algn="ctr"/>
             <a:r>
-              <a:rPr lang="en-US" sz="1400" i="1" dirty="0">
+              <a:rPr lang="en-US" sz="1100" i="1" dirty="0">
                 <a:latin typeface="Avenir Light Oblique" panose="020B0402020203090204" pitchFamily="34" charset="77"/>
               </a:rPr>
               <a:t>Initialize </a:t>
@@ -13124,11 +13366,14 @@
           <a:p>
             <a:pPr algn="ctr"/>
             <a:r>
-              <a:rPr lang="en-US" sz="1400" i="1" dirty="0">
+              <a:rPr lang="en-US" sz="1100" i="1" dirty="0">
                 <a:latin typeface="Avenir Light Oblique" panose="020B0402020203090204" pitchFamily="34" charset="77"/>
               </a:rPr>
               <a:t>with Body A</a:t>
             </a:r>
+            <a:endParaRPr lang="en-US" sz="1200" i="1" dirty="0">
+              <a:latin typeface="Avenir Light Oblique" panose="020B0402020203090204" pitchFamily="34" charset="77"/>
+            </a:endParaRPr>
           </a:p>
         </p:txBody>
       </p:sp>
@@ -14535,7 +14780,7 @@
         </p:nvSpPr>
         <p:spPr>
           <a:xfrm>
-            <a:off x="1634833" y="2537907"/>
+            <a:off x="1634833" y="2144368"/>
             <a:ext cx="10557165" cy="523220"/>
           </a:xfrm>
           <a:prstGeom prst="rect">
@@ -14581,7 +14826,7 @@
         </p:nvSpPr>
         <p:spPr>
           <a:xfrm>
-            <a:off x="1634834" y="3429000"/>
+            <a:off x="1634834" y="3035461"/>
             <a:ext cx="10557165" cy="523220"/>
           </a:xfrm>
           <a:prstGeom prst="rect">
@@ -14645,12 +14890,6 @@
             <a:pPr algn="ctr"/>
             <a:r>
               <a:rPr lang="en-US" sz="3600" b="1" dirty="0">
-                <a:solidFill>
-                  <a:schemeClr val="tx1">
-                    <a:lumMod val="75000"/>
-                    <a:lumOff val="25000"/>
-                  </a:schemeClr>
-                </a:solidFill>
                 <a:latin typeface="Avenir Black" panose="02000503020000020003" pitchFamily="2" charset="0"/>
                 <a:cs typeface="Arial" panose="020B0604020202020204" pitchFamily="34" charset="0"/>
               </a:rPr>
@@ -14673,7 +14912,7 @@
         </p:nvSpPr>
         <p:spPr>
           <a:xfrm>
-            <a:off x="1634835" y="4320093"/>
+            <a:off x="1634835" y="3926554"/>
             <a:ext cx="10557161" cy="523220"/>
           </a:xfrm>
           <a:prstGeom prst="rect">
@@ -14735,6 +14974,11 @@
           <a:p>
             <a:r>
               <a:rPr lang="en-US" sz="1400" dirty="0">
+                <a:solidFill>
+                  <a:schemeClr val="bg2">
+                    <a:lumMod val="75000"/>
+                  </a:schemeClr>
+                </a:solidFill>
                 <a:latin typeface="+mj-lt"/>
                 <a:ea typeface="Verdana" panose="020B0604030504040204" pitchFamily="34" charset="0"/>
               </a:rPr>
@@ -14742,6 +14986,11 @@
             </a:r>
             <a:r>
               <a:rPr lang="en-US" sz="1400" i="1" dirty="0">
+                <a:solidFill>
+                  <a:schemeClr val="bg2">
+                    <a:lumMod val="75000"/>
+                  </a:schemeClr>
+                </a:solidFill>
                 <a:latin typeface="+mj-lt"/>
                 <a:ea typeface="Verdana" panose="020B0604030504040204" pitchFamily="34" charset="0"/>
               </a:rPr>
@@ -14749,6 +14998,11 @@
             </a:r>
             <a:r>
               <a:rPr lang="en-US" sz="1400" b="0" i="0" dirty="0">
+                <a:solidFill>
+                  <a:schemeClr val="bg2">
+                    <a:lumMod val="75000"/>
+                  </a:schemeClr>
+                </a:solidFill>
                 <a:effectLst/>
                 <a:latin typeface="+mj-lt"/>
                 <a:ea typeface="Verdana" panose="020B0604030504040204" pitchFamily="34" charset="0"/>
@@ -14757,6 +15011,11 @@
             </a:r>
             <a:r>
               <a:rPr lang="en-US" sz="1400" dirty="0">
+                <a:solidFill>
+                  <a:schemeClr val="bg2">
+                    <a:lumMod val="75000"/>
+                  </a:schemeClr>
+                </a:solidFill>
                 <a:latin typeface="+mj-lt"/>
                 <a:ea typeface="Verdana" panose="020B0604030504040204" pitchFamily="34" charset="0"/>
               </a:rPr>
@@ -14764,6 +15023,11 @@
             </a:r>
             <a:r>
               <a:rPr lang="en-US" sz="1400" b="0" i="0" dirty="0">
+                <a:solidFill>
+                  <a:schemeClr val="bg2">
+                    <a:lumMod val="75000"/>
+                  </a:schemeClr>
+                </a:solidFill>
                 <a:effectLst/>
                 <a:latin typeface="+mj-lt"/>
                 <a:ea typeface="Verdana" panose="020B0604030504040204" pitchFamily="34" charset="0"/>
@@ -14771,6 +15035,11 @@
               <a:t>)</a:t>
             </a:r>
             <a:endParaRPr lang="en-US" sz="1400" dirty="0">
+              <a:solidFill>
+                <a:schemeClr val="bg2">
+                  <a:lumMod val="75000"/>
+                </a:schemeClr>
+              </a:solidFill>
               <a:latin typeface="+mj-lt"/>
               <a:ea typeface="Verdana" panose="020B0604030504040204" pitchFamily="34" charset="0"/>
             </a:endParaRPr>
@@ -14906,7 +15175,7 @@
                 </a:solidFill>
                 <a:latin typeface="+mj-lt"/>
               </a:rPr>
-              <a:t>http://clipart-library.com/clipart/338971.htm</a:t>
+              <a:t>Jason D. Rowley from https://thenounproject.com/browse/icons/term/papers/</a:t>
             </a:r>
             <a:endParaRPr lang="en-US" sz="1400" dirty="0">
               <a:solidFill>
@@ -14952,7 +15221,7 @@
         </p:blipFill>
         <p:spPr>
           <a:xfrm>
-            <a:off x="5201770" y="2252383"/>
+            <a:off x="5201770" y="2177794"/>
             <a:ext cx="1788460" cy="1788460"/>
           </a:xfrm>
           <a:prstGeom prst="rect">
@@ -15044,6 +15313,59 @@
           <a:xfrm>
             <a:off x="11378037" y="6045200"/>
             <a:ext cx="800100" cy="812800"/>
+          </a:xfrm>
+          <a:prstGeom prst="rect">
+            <a:avLst/>
+          </a:prstGeom>
+        </p:spPr>
+      </p:pic>
+      <p:pic>
+        <p:nvPicPr>
+          <p:cNvPr id="11" name="Picture 10" descr="Shape&#10;&#10;Description automatically generated">
+            <a:extLst>
+              <a:ext uri="{FF2B5EF4-FFF2-40B4-BE49-F238E27FC236}">
+                <a16:creationId xmlns:a16="http://schemas.microsoft.com/office/drawing/2014/main" id="{3B62C786-63EF-E3DD-7CB8-9A3D0049D964}"/>
+              </a:ext>
+            </a:extLst>
+          </p:cNvPr>
+          <p:cNvPicPr>
+            <a:picLocks noChangeAspect="1"/>
+          </p:cNvPicPr>
+          <p:nvPr/>
+        </p:nvPicPr>
+        <p:blipFill>
+          <a:blip r:embed="rId6">
+            <a:clrChange>
+              <a:clrFrom>
+                <a:srgbClr val="FFFFFF"/>
+              </a:clrFrom>
+              <a:clrTo>
+                <a:srgbClr val="FFFFFF">
+                  <a:alpha val="0"/>
+                </a:srgbClr>
+              </a:clrTo>
+            </a:clrChange>
+            <a:duotone>
+              <a:schemeClr val="accent3">
+                <a:shade val="45000"/>
+                <a:satMod val="135000"/>
+              </a:schemeClr>
+              <a:prstClr val="white"/>
+            </a:duotone>
+            <a:extLst>
+              <a:ext uri="{28A0092B-C50C-407E-A947-70E740481C1C}">
+                <a14:useLocalDpi xmlns:a14="http://schemas.microsoft.com/office/drawing/2010/main" val="0"/>
+              </a:ext>
+            </a:extLst>
+          </a:blip>
+          <a:stretch>
+            <a:fillRect/>
+          </a:stretch>
+        </p:blipFill>
+        <p:spPr>
+          <a:xfrm>
+            <a:off x="12488699" y="2177794"/>
+            <a:ext cx="1729258" cy="1897564"/>
           </a:xfrm>
           <a:prstGeom prst="rect">
             <a:avLst/>
@@ -15200,30 +15522,404 @@
           </a:p>
         </p:txBody>
       </p:sp>
-      <p:sp>
-        <p:nvSpPr>
-          <p:cNvPr id="3" name="Rectangle 2">
-            <a:extLst>
-              <a:ext uri="{FF2B5EF4-FFF2-40B4-BE49-F238E27FC236}">
-                <a16:creationId xmlns:a16="http://schemas.microsoft.com/office/drawing/2014/main" id="{9DC8445F-123D-200B-B93D-05B3B65A6926}"/>
-              </a:ext>
-            </a:extLst>
-          </p:cNvPr>
-          <p:cNvSpPr/>
+      <p:pic>
+        <p:nvPicPr>
+          <p:cNvPr id="2" name="Picture 1" descr="A picture containing dark, gauge&#10;&#10;Description automatically generated">
+            <a:extLst>
+              <a:ext uri="{FF2B5EF4-FFF2-40B4-BE49-F238E27FC236}">
+                <a16:creationId xmlns:a16="http://schemas.microsoft.com/office/drawing/2014/main" id="{2EAB26E5-0B59-CD25-2042-B4D7EE6C624B}"/>
+              </a:ext>
+            </a:extLst>
+          </p:cNvPr>
+          <p:cNvPicPr>
+            <a:picLocks noChangeAspect="1"/>
+          </p:cNvPicPr>
           <p:nvPr/>
-        </p:nvSpPr>
-        <p:spPr>
-          <a:xfrm>
-            <a:off x="1278098" y="1098883"/>
-            <a:ext cx="3064042" cy="481263"/>
+        </p:nvPicPr>
+        <p:blipFill>
+          <a:blip r:embed="rId3">
+            <a:extLst>
+              <a:ext uri="{28A0092B-C50C-407E-A947-70E740481C1C}">
+                <a14:useLocalDpi xmlns:a14="http://schemas.microsoft.com/office/drawing/2010/main" val="0"/>
+              </a:ext>
+            </a:extLst>
+          </a:blip>
+          <a:stretch>
+            <a:fillRect/>
+          </a:stretch>
+        </p:blipFill>
+        <p:spPr>
+          <a:xfrm>
+            <a:off x="11378037" y="6045200"/>
+            <a:ext cx="800100" cy="812800"/>
           </a:xfrm>
           <a:prstGeom prst="rect">
             <a:avLst/>
           </a:prstGeom>
-          <a:noFill/>
-          <a:ln w="63500">
+        </p:spPr>
+      </p:pic>
+      <p:grpSp>
+        <p:nvGrpSpPr>
+          <p:cNvPr id="11" name="Group 10">
+            <a:extLst>
+              <a:ext uri="{FF2B5EF4-FFF2-40B4-BE49-F238E27FC236}">
+                <a16:creationId xmlns:a16="http://schemas.microsoft.com/office/drawing/2014/main" id="{FF58F206-5DED-74F4-D201-BC4B0B5CB751}"/>
+              </a:ext>
+            </a:extLst>
+          </p:cNvPr>
+          <p:cNvGrpSpPr/>
+          <p:nvPr/>
+        </p:nvGrpSpPr>
+        <p:grpSpPr>
+          <a:xfrm>
+            <a:off x="1278098" y="2692137"/>
+            <a:ext cx="10181487" cy="2394242"/>
+            <a:chOff x="1278098" y="2692137"/>
+            <a:chExt cx="10181487" cy="2394242"/>
+          </a:xfrm>
+          <a:solidFill>
+            <a:srgbClr val="DCEBF5"/>
+          </a:solidFill>
+        </p:grpSpPr>
+        <p:sp>
+          <p:nvSpPr>
+            <p:cNvPr id="15" name="Rounded Rectangle 14">
+              <a:extLst>
+                <a:ext uri="{FF2B5EF4-FFF2-40B4-BE49-F238E27FC236}">
+                  <a16:creationId xmlns:a16="http://schemas.microsoft.com/office/drawing/2014/main" id="{5B6FCDA7-91E4-CB64-9660-6ABC623C6468}"/>
+                </a:ext>
+              </a:extLst>
+            </p:cNvPr>
+            <p:cNvSpPr/>
+            <p:nvPr/>
+          </p:nvSpPr>
+          <p:spPr>
+            <a:xfrm>
+              <a:off x="1278098" y="2692137"/>
+              <a:ext cx="3064042" cy="481263"/>
+            </a:xfrm>
+            <a:prstGeom prst="roundRect">
+              <a:avLst/>
+            </a:prstGeom>
+            <a:grpFill/>
+            <a:ln w="19050">
+              <a:solidFill>
+                <a:srgbClr val="30335D"/>
+              </a:solidFill>
+            </a:ln>
+          </p:spPr>
+          <p:style>
+            <a:lnRef idx="2">
+              <a:schemeClr val="accent1">
+                <a:shade val="50000"/>
+              </a:schemeClr>
+            </a:lnRef>
+            <a:fillRef idx="1">
+              <a:schemeClr val="accent1"/>
+            </a:fillRef>
+            <a:effectRef idx="0">
+              <a:schemeClr val="accent1"/>
+            </a:effectRef>
+            <a:fontRef idx="minor">
+              <a:schemeClr val="lt1"/>
+            </a:fontRef>
+          </p:style>
+          <p:txBody>
+            <a:bodyPr rtlCol="0" anchor="ctr"/>
+            <a:lstStyle/>
+            <a:p>
+              <a:pPr algn="ctr"/>
+              <a:endParaRPr lang="en-US"/>
+            </a:p>
+          </p:txBody>
+        </p:sp>
+        <p:sp>
+          <p:nvSpPr>
+            <p:cNvPr id="17" name="Rounded Rectangle 16">
+              <a:extLst>
+                <a:ext uri="{FF2B5EF4-FFF2-40B4-BE49-F238E27FC236}">
+                  <a16:creationId xmlns:a16="http://schemas.microsoft.com/office/drawing/2014/main" id="{477AAFF0-6293-4234-983E-E1C721E553A0}"/>
+                </a:ext>
+              </a:extLst>
+            </p:cNvPr>
+            <p:cNvSpPr/>
+            <p:nvPr/>
+          </p:nvSpPr>
+          <p:spPr>
+            <a:xfrm>
+              <a:off x="1278098" y="3835139"/>
+              <a:ext cx="3064042" cy="481263"/>
+            </a:xfrm>
+            <a:prstGeom prst="roundRect">
+              <a:avLst/>
+            </a:prstGeom>
+            <a:grpFill/>
+            <a:ln w="19050">
+              <a:solidFill>
+                <a:srgbClr val="30335D"/>
+              </a:solidFill>
+            </a:ln>
+          </p:spPr>
+          <p:style>
+            <a:lnRef idx="2">
+              <a:schemeClr val="accent1">
+                <a:shade val="50000"/>
+              </a:schemeClr>
+            </a:lnRef>
+            <a:fillRef idx="1">
+              <a:schemeClr val="accent1"/>
+            </a:fillRef>
+            <a:effectRef idx="0">
+              <a:schemeClr val="accent1"/>
+            </a:effectRef>
+            <a:fontRef idx="minor">
+              <a:schemeClr val="lt1"/>
+            </a:fontRef>
+          </p:style>
+          <p:txBody>
+            <a:bodyPr rtlCol="0" anchor="ctr"/>
+            <a:lstStyle/>
+            <a:p>
+              <a:pPr algn="ctr"/>
+              <a:endParaRPr lang="en-US"/>
+            </a:p>
+          </p:txBody>
+        </p:sp>
+        <p:sp>
+          <p:nvSpPr>
+            <p:cNvPr id="18" name="Rounded Rectangle 17">
+              <a:extLst>
+                <a:ext uri="{FF2B5EF4-FFF2-40B4-BE49-F238E27FC236}">
+                  <a16:creationId xmlns:a16="http://schemas.microsoft.com/office/drawing/2014/main" id="{42436AE6-F254-F762-A92E-1D3AE6394280}"/>
+                </a:ext>
+              </a:extLst>
+            </p:cNvPr>
+            <p:cNvSpPr/>
+            <p:nvPr/>
+          </p:nvSpPr>
+          <p:spPr>
+            <a:xfrm>
+              <a:off x="1278098" y="4605116"/>
+              <a:ext cx="3064042" cy="481263"/>
+            </a:xfrm>
+            <a:prstGeom prst="roundRect">
+              <a:avLst/>
+            </a:prstGeom>
+            <a:grpFill/>
+            <a:ln w="19050">
+              <a:solidFill>
+                <a:srgbClr val="30335D"/>
+              </a:solidFill>
+            </a:ln>
+          </p:spPr>
+          <p:style>
+            <a:lnRef idx="2">
+              <a:schemeClr val="accent1">
+                <a:shade val="50000"/>
+              </a:schemeClr>
+            </a:lnRef>
+            <a:fillRef idx="1">
+              <a:schemeClr val="accent1"/>
+            </a:fillRef>
+            <a:effectRef idx="0">
+              <a:schemeClr val="accent1"/>
+            </a:effectRef>
+            <a:fontRef idx="minor">
+              <a:schemeClr val="lt1"/>
+            </a:fontRef>
+          </p:style>
+          <p:txBody>
+            <a:bodyPr rtlCol="0" anchor="ctr"/>
+            <a:lstStyle/>
+            <a:p>
+              <a:pPr algn="ctr"/>
+              <a:endParaRPr lang="en-US"/>
+            </a:p>
+          </p:txBody>
+        </p:sp>
+        <p:sp>
+          <p:nvSpPr>
+            <p:cNvPr id="27" name="Rounded Rectangle 26">
+              <a:extLst>
+                <a:ext uri="{FF2B5EF4-FFF2-40B4-BE49-F238E27FC236}">
+                  <a16:creationId xmlns:a16="http://schemas.microsoft.com/office/drawing/2014/main" id="{7B23FFE1-1936-7D9F-5AE8-5676F121EDA0}"/>
+                </a:ext>
+              </a:extLst>
+            </p:cNvPr>
+            <p:cNvSpPr/>
+            <p:nvPr/>
+          </p:nvSpPr>
+          <p:spPr>
+            <a:xfrm>
+              <a:off x="8395543" y="2692137"/>
+              <a:ext cx="3064042" cy="481263"/>
+            </a:xfrm>
+            <a:prstGeom prst="roundRect">
+              <a:avLst/>
+            </a:prstGeom>
+            <a:grpFill/>
+            <a:ln w="19050">
+              <a:solidFill>
+                <a:srgbClr val="30335D"/>
+              </a:solidFill>
+            </a:ln>
+          </p:spPr>
+          <p:style>
+            <a:lnRef idx="2">
+              <a:schemeClr val="accent1">
+                <a:shade val="50000"/>
+              </a:schemeClr>
+            </a:lnRef>
+            <a:fillRef idx="1">
+              <a:schemeClr val="accent1"/>
+            </a:fillRef>
+            <a:effectRef idx="0">
+              <a:schemeClr val="accent1"/>
+            </a:effectRef>
+            <a:fontRef idx="minor">
+              <a:schemeClr val="lt1"/>
+            </a:fontRef>
+          </p:style>
+          <p:txBody>
+            <a:bodyPr rtlCol="0" anchor="ctr"/>
+            <a:lstStyle/>
+            <a:p>
+              <a:pPr algn="ctr"/>
+              <a:endParaRPr lang="en-US"/>
+            </a:p>
+          </p:txBody>
+        </p:sp>
+        <p:sp>
+          <p:nvSpPr>
+            <p:cNvPr id="29" name="Rounded Rectangle 28">
+              <a:extLst>
+                <a:ext uri="{FF2B5EF4-FFF2-40B4-BE49-F238E27FC236}">
+                  <a16:creationId xmlns:a16="http://schemas.microsoft.com/office/drawing/2014/main" id="{64EAD319-E2FD-6B50-F431-32CD9FE5A9D4}"/>
+                </a:ext>
+              </a:extLst>
+            </p:cNvPr>
+            <p:cNvSpPr/>
+            <p:nvPr/>
+          </p:nvSpPr>
+          <p:spPr>
+            <a:xfrm>
+              <a:off x="8395543" y="3835139"/>
+              <a:ext cx="3064042" cy="481263"/>
+            </a:xfrm>
+            <a:prstGeom prst="roundRect">
+              <a:avLst/>
+            </a:prstGeom>
+            <a:grpFill/>
+            <a:ln w="19050">
+              <a:solidFill>
+                <a:srgbClr val="30335D"/>
+              </a:solidFill>
+            </a:ln>
+          </p:spPr>
+          <p:style>
+            <a:lnRef idx="2">
+              <a:schemeClr val="accent1">
+                <a:shade val="50000"/>
+              </a:schemeClr>
+            </a:lnRef>
+            <a:fillRef idx="1">
+              <a:schemeClr val="accent1"/>
+            </a:fillRef>
+            <a:effectRef idx="0">
+              <a:schemeClr val="accent1"/>
+            </a:effectRef>
+            <a:fontRef idx="minor">
+              <a:schemeClr val="lt1"/>
+            </a:fontRef>
+          </p:style>
+          <p:txBody>
+            <a:bodyPr rtlCol="0" anchor="ctr"/>
+            <a:lstStyle/>
+            <a:p>
+              <a:pPr algn="ctr"/>
+              <a:endParaRPr lang="en-US"/>
+            </a:p>
+          </p:txBody>
+        </p:sp>
+        <p:sp>
+          <p:nvSpPr>
+            <p:cNvPr id="30" name="Rounded Rectangle 29">
+              <a:extLst>
+                <a:ext uri="{FF2B5EF4-FFF2-40B4-BE49-F238E27FC236}">
+                  <a16:creationId xmlns:a16="http://schemas.microsoft.com/office/drawing/2014/main" id="{EA7F1D23-B009-F80D-B46B-D0039C81E61B}"/>
+                </a:ext>
+              </a:extLst>
+            </p:cNvPr>
+            <p:cNvSpPr/>
+            <p:nvPr/>
+          </p:nvSpPr>
+          <p:spPr>
+            <a:xfrm>
+              <a:off x="8395543" y="4605116"/>
+              <a:ext cx="3064042" cy="481263"/>
+            </a:xfrm>
+            <a:prstGeom prst="roundRect">
+              <a:avLst/>
+            </a:prstGeom>
+            <a:grpFill/>
+            <a:ln w="19050">
+              <a:solidFill>
+                <a:srgbClr val="30335D"/>
+              </a:solidFill>
+            </a:ln>
+          </p:spPr>
+          <p:style>
+            <a:lnRef idx="2">
+              <a:schemeClr val="accent1">
+                <a:shade val="50000"/>
+              </a:schemeClr>
+            </a:lnRef>
+            <a:fillRef idx="1">
+              <a:schemeClr val="accent1"/>
+            </a:fillRef>
+            <a:effectRef idx="0">
+              <a:schemeClr val="accent1"/>
+            </a:effectRef>
+            <a:fontRef idx="minor">
+              <a:schemeClr val="lt1"/>
+            </a:fontRef>
+          </p:style>
+          <p:txBody>
+            <a:bodyPr rtlCol="0" anchor="ctr"/>
+            <a:lstStyle/>
+            <a:p>
+              <a:pPr algn="ctr"/>
+              <a:endParaRPr lang="en-US"/>
+            </a:p>
+          </p:txBody>
+        </p:sp>
+      </p:grpSp>
+      <p:sp>
+        <p:nvSpPr>
+          <p:cNvPr id="31" name="Rectangle 30">
+            <a:extLst>
+              <a:ext uri="{FF2B5EF4-FFF2-40B4-BE49-F238E27FC236}">
+                <a16:creationId xmlns:a16="http://schemas.microsoft.com/office/drawing/2014/main" id="{2392759E-9CC1-6695-AE39-35396D715B95}"/>
+              </a:ext>
+            </a:extLst>
+          </p:cNvPr>
+          <p:cNvSpPr/>
+          <p:nvPr/>
+        </p:nvSpPr>
+        <p:spPr>
+          <a:xfrm>
+            <a:off x="1278098" y="1135459"/>
+            <a:ext cx="3064042" cy="481263"/>
+          </a:xfrm>
+          <a:prstGeom prst="rect">
+            <a:avLst/>
+          </a:prstGeom>
+          <a:solidFill>
+            <a:srgbClr val="D3D3F1"/>
+          </a:solidFill>
+          <a:ln w="19050">
             <a:solidFill>
-              <a:srgbClr val="3D3880"/>
+              <a:srgbClr val="30335D"/>
             </a:solidFill>
           </a:ln>
         </p:spPr>
@@ -15248,16 +15944,16 @@
           <a:lstStyle/>
           <a:p>
             <a:pPr algn="ctr"/>
-            <a:endParaRPr lang="en-US" dirty="0"/>
-          </a:p>
-        </p:txBody>
-      </p:sp>
-      <p:sp>
-        <p:nvSpPr>
-          <p:cNvPr id="4" name="Rectangle 3">
-            <a:extLst>
-              <a:ext uri="{FF2B5EF4-FFF2-40B4-BE49-F238E27FC236}">
-                <a16:creationId xmlns:a16="http://schemas.microsoft.com/office/drawing/2014/main" id="{1C6B7D46-931F-D1FE-163E-92E278CBF1E1}"/>
+            <a:endParaRPr lang="en-US"/>
+          </a:p>
+        </p:txBody>
+      </p:sp>
+      <p:sp>
+        <p:nvSpPr>
+          <p:cNvPr id="34" name="Rectangle 33">
+            <a:extLst>
+              <a:ext uri="{FF2B5EF4-FFF2-40B4-BE49-F238E27FC236}">
+                <a16:creationId xmlns:a16="http://schemas.microsoft.com/office/drawing/2014/main" id="{9A5456AB-810A-C0A9-4202-34598D737CA1}"/>
               </a:ext>
             </a:extLst>
           </p:cNvPr>
@@ -15266,16 +15962,18 @@
         </p:nvSpPr>
         <p:spPr>
           <a:xfrm>
-            <a:off x="8396034" y="1098884"/>
+            <a:off x="8396034" y="1135460"/>
             <a:ext cx="3064042" cy="481263"/>
           </a:xfrm>
           <a:prstGeom prst="rect">
             <a:avLst/>
           </a:prstGeom>
-          <a:noFill/>
-          <a:ln w="63500">
+          <a:solidFill>
+            <a:srgbClr val="D3D3F1"/>
+          </a:solidFill>
+          <a:ln w="19050">
             <a:solidFill>
-              <a:srgbClr val="3D3880"/>
+              <a:srgbClr val="30335D"/>
             </a:solidFill>
           </a:ln>
         </p:spPr>
@@ -15300,16 +15998,16 @@
           <a:lstStyle/>
           <a:p>
             <a:pPr algn="ctr"/>
-            <a:endParaRPr lang="en-US" dirty="0"/>
-          </a:p>
-        </p:txBody>
-      </p:sp>
-      <p:sp>
-        <p:nvSpPr>
-          <p:cNvPr id="5" name="Rounded Rectangle 4">
-            <a:extLst>
-              <a:ext uri="{FF2B5EF4-FFF2-40B4-BE49-F238E27FC236}">
-                <a16:creationId xmlns:a16="http://schemas.microsoft.com/office/drawing/2014/main" id="{38E5DD15-A2AA-F70C-2CAB-03F4C82CA468}"/>
+            <a:endParaRPr lang="en-US"/>
+          </a:p>
+        </p:txBody>
+      </p:sp>
+      <p:sp>
+        <p:nvSpPr>
+          <p:cNvPr id="35" name="Rounded Rectangle 34">
+            <a:extLst>
+              <a:ext uri="{FF2B5EF4-FFF2-40B4-BE49-F238E27FC236}">
+                <a16:creationId xmlns:a16="http://schemas.microsoft.com/office/drawing/2014/main" id="{108E0C5F-EE36-B8C1-FB61-B858BF0434B2}"/>
               </a:ext>
             </a:extLst>
           </p:cNvPr>
@@ -15324,10 +16022,12 @@
           <a:prstGeom prst="roundRect">
             <a:avLst/>
           </a:prstGeom>
-          <a:noFill/>
-          <a:ln w="63500">
+          <a:solidFill>
+            <a:srgbClr val="D6EECF"/>
+          </a:solidFill>
+          <a:ln w="19050">
             <a:solidFill>
-              <a:srgbClr val="65BB7B"/>
+              <a:srgbClr val="30335D"/>
             </a:solidFill>
           </a:ln>
         </p:spPr>
@@ -15358,10 +16058,10 @@
       </p:sp>
       <p:sp>
         <p:nvSpPr>
-          <p:cNvPr id="7" name="Rounded Rectangle 6">
-            <a:extLst>
-              <a:ext uri="{FF2B5EF4-FFF2-40B4-BE49-F238E27FC236}">
-                <a16:creationId xmlns:a16="http://schemas.microsoft.com/office/drawing/2014/main" id="{E9565183-F858-2FE7-8684-3685273E21C2}"/>
+          <p:cNvPr id="36" name="Rounded Rectangle 35">
+            <a:extLst>
+              <a:ext uri="{FF2B5EF4-FFF2-40B4-BE49-F238E27FC236}">
+                <a16:creationId xmlns:a16="http://schemas.microsoft.com/office/drawing/2014/main" id="{63ACC612-CF96-3C92-D74B-04AD944D921A}"/>
               </a:ext>
             </a:extLst>
           </p:cNvPr>
@@ -15376,10 +16076,12 @@
           <a:prstGeom prst="roundRect">
             <a:avLst/>
           </a:prstGeom>
-          <a:noFill/>
-          <a:ln w="63500">
+          <a:solidFill>
+            <a:srgbClr val="F5E7BF"/>
+          </a:solidFill>
+          <a:ln w="19050">
             <a:solidFill>
-              <a:srgbClr val="EDC24C"/>
+              <a:srgbClr val="30335D"/>
             </a:solidFill>
           </a:ln>
         </p:spPr>
@@ -15410,10 +16112,10 @@
       </p:sp>
       <p:sp>
         <p:nvSpPr>
-          <p:cNvPr id="8" name="Rounded Rectangle 7">
-            <a:extLst>
-              <a:ext uri="{FF2B5EF4-FFF2-40B4-BE49-F238E27FC236}">
-                <a16:creationId xmlns:a16="http://schemas.microsoft.com/office/drawing/2014/main" id="{4A8EDFEC-2403-1B3F-21C5-DE42EADB1F41}"/>
+          <p:cNvPr id="37" name="Right Arrow 36">
+            <a:extLst>
+              <a:ext uri="{FF2B5EF4-FFF2-40B4-BE49-F238E27FC236}">
+                <a16:creationId xmlns:a16="http://schemas.microsoft.com/office/drawing/2014/main" id="{9C8E28BB-2438-A593-88DE-391C6A0E331C}"/>
               </a:ext>
             </a:extLst>
           </p:cNvPr>
@@ -15422,16 +16124,21 @@
         </p:nvSpPr>
         <p:spPr>
           <a:xfrm>
-            <a:off x="1278098" y="2692137"/>
-            <a:ext cx="3064042" cy="481263"/>
-          </a:xfrm>
-          <a:prstGeom prst="roundRect">
-            <a:avLst/>
+            <a:off x="5614850" y="3011271"/>
+            <a:ext cx="1863524" cy="1064499"/>
+          </a:xfrm>
+          <a:prstGeom prst="rightArrow">
+            <a:avLst>
+              <a:gd name="adj1" fmla="val 60873"/>
+              <a:gd name="adj2" fmla="val 58699"/>
+            </a:avLst>
           </a:prstGeom>
-          <a:noFill/>
-          <a:ln w="63500">
+          <a:solidFill>
+            <a:srgbClr val="DCEBF5"/>
+          </a:solidFill>
+          <a:ln w="19050">
             <a:solidFill>
-              <a:srgbClr val="6D6CCA"/>
+              <a:schemeClr val="tx1"/>
             </a:solidFill>
           </a:ln>
         </p:spPr>
@@ -15456,16 +16163,20 @@
           <a:lstStyle/>
           <a:p>
             <a:pPr algn="ctr"/>
-            <a:endParaRPr lang="en-US"/>
-          </a:p>
-        </p:txBody>
-      </p:sp>
-      <p:sp>
-        <p:nvSpPr>
-          <p:cNvPr id="9" name="Rounded Rectangle 8">
-            <a:extLst>
-              <a:ext uri="{FF2B5EF4-FFF2-40B4-BE49-F238E27FC236}">
-                <a16:creationId xmlns:a16="http://schemas.microsoft.com/office/drawing/2014/main" id="{E4802DA9-C8C3-C819-3D94-3EF0815459D2}"/>
+            <a:endParaRPr lang="en-US" dirty="0">
+              <a:solidFill>
+                <a:srgbClr val="363E80"/>
+              </a:solidFill>
+            </a:endParaRPr>
+          </a:p>
+        </p:txBody>
+      </p:sp>
+      <p:sp>
+        <p:nvSpPr>
+          <p:cNvPr id="38" name="Rectangle 37">
+            <a:extLst>
+              <a:ext uri="{FF2B5EF4-FFF2-40B4-BE49-F238E27FC236}">
+                <a16:creationId xmlns:a16="http://schemas.microsoft.com/office/drawing/2014/main" id="{8D2EEAEE-0F40-16C3-A51A-3A41E8C8CA48}"/>
               </a:ext>
             </a:extLst>
           </p:cNvPr>
@@ -15474,16 +16185,18 @@
         </p:nvSpPr>
         <p:spPr>
           <a:xfrm>
-            <a:off x="1278098" y="3835139"/>
+            <a:off x="1278098" y="5321017"/>
             <a:ext cx="3064042" cy="481263"/>
           </a:xfrm>
-          <a:prstGeom prst="roundRect">
+          <a:prstGeom prst="rect">
             <a:avLst/>
           </a:prstGeom>
-          <a:noFill/>
-          <a:ln w="63500">
+          <a:solidFill>
+            <a:srgbClr val="D3D3F1"/>
+          </a:solidFill>
+          <a:ln w="19050">
             <a:solidFill>
-              <a:srgbClr val="6D6CCA"/>
+              <a:srgbClr val="30335D"/>
             </a:solidFill>
           </a:ln>
         </p:spPr>
@@ -15514,10 +16227,10 @@
       </p:sp>
       <p:sp>
         <p:nvSpPr>
-          <p:cNvPr id="33" name="Right Arrow 32">
-            <a:extLst>
-              <a:ext uri="{FF2B5EF4-FFF2-40B4-BE49-F238E27FC236}">
-                <a16:creationId xmlns:a16="http://schemas.microsoft.com/office/drawing/2014/main" id="{7F6EC912-AA60-3346-A526-6AC87348BED0}"/>
+          <p:cNvPr id="39" name="Down Arrow 38">
+            <a:extLst>
+              <a:ext uri="{FF2B5EF4-FFF2-40B4-BE49-F238E27FC236}">
+                <a16:creationId xmlns:a16="http://schemas.microsoft.com/office/drawing/2014/main" id="{30DF112B-7093-061C-63DE-F579B6DADBB4}"/>
               </a:ext>
             </a:extLst>
           </p:cNvPr>
@@ -15525,23 +16238,23 @@
           <p:nvPr/>
         </p:nvSpPr>
         <p:spPr>
-          <a:xfrm>
-            <a:off x="5614850" y="3011271"/>
-            <a:ext cx="1863524" cy="1064499"/>
-          </a:xfrm>
-          <a:prstGeom prst="rightArrow">
+          <a:xfrm rot="10800000">
+            <a:off x="2790229" y="1645318"/>
+            <a:ext cx="88773" cy="259039"/>
+          </a:xfrm>
+          <a:prstGeom prst="downArrow">
             <a:avLst>
-              <a:gd name="adj1" fmla="val 60873"/>
-              <a:gd name="adj2" fmla="val 58699"/>
+              <a:gd name="adj1" fmla="val 11941"/>
+              <a:gd name="adj2" fmla="val 81286"/>
             </a:avLst>
           </a:prstGeom>
           <a:solidFill>
-            <a:srgbClr val="3D3880">
-              <a:alpha val="80000"/>
-            </a:srgbClr>
+            <a:schemeClr val="tx1"/>
           </a:solidFill>
           <a:ln>
-            <a:noFill/>
+            <a:solidFill>
+              <a:schemeClr val="tx1"/>
+            </a:solidFill>
           </a:ln>
         </p:spPr>
         <p:style>
@@ -15565,20 +16278,16 @@
           <a:lstStyle/>
           <a:p>
             <a:pPr algn="ctr"/>
-            <a:endParaRPr lang="en-US">
-              <a:solidFill>
-                <a:srgbClr val="363E80"/>
-              </a:solidFill>
-            </a:endParaRPr>
-          </a:p>
-        </p:txBody>
-      </p:sp>
-      <p:sp>
-        <p:nvSpPr>
-          <p:cNvPr id="10" name="Rounded Rectangle 9">
-            <a:extLst>
-              <a:ext uri="{FF2B5EF4-FFF2-40B4-BE49-F238E27FC236}">
-                <a16:creationId xmlns:a16="http://schemas.microsoft.com/office/drawing/2014/main" id="{CE8E12C9-00DF-94F3-8997-1815CB7944EE}"/>
+            <a:endParaRPr lang="en-US" dirty="0"/>
+          </a:p>
+        </p:txBody>
+      </p:sp>
+      <p:sp>
+        <p:nvSpPr>
+          <p:cNvPr id="40" name="Down Arrow 39">
+            <a:extLst>
+              <a:ext uri="{FF2B5EF4-FFF2-40B4-BE49-F238E27FC236}">
+                <a16:creationId xmlns:a16="http://schemas.microsoft.com/office/drawing/2014/main" id="{340CB409-EBD5-5824-911B-4EEB660A9CED}"/>
               </a:ext>
             </a:extLst>
           </p:cNvPr>
@@ -15586,17 +16295,22 @@
           <p:nvPr/>
         </p:nvSpPr>
         <p:spPr>
-          <a:xfrm>
-            <a:off x="1278098" y="4605116"/>
-            <a:ext cx="3064042" cy="481263"/>
-          </a:xfrm>
-          <a:prstGeom prst="roundRect">
-            <a:avLst/>
+          <a:xfrm rot="10800000">
+            <a:off x="2790226" y="2416534"/>
+            <a:ext cx="88773" cy="252747"/>
+          </a:xfrm>
+          <a:prstGeom prst="downArrow">
+            <a:avLst>
+              <a:gd name="adj1" fmla="val 11941"/>
+              <a:gd name="adj2" fmla="val 81286"/>
+            </a:avLst>
           </a:prstGeom>
-          <a:noFill/>
-          <a:ln w="63500">
+          <a:solidFill>
+            <a:schemeClr val="tx1"/>
+          </a:solidFill>
+          <a:ln>
             <a:solidFill>
-              <a:srgbClr val="6D6CCA"/>
+              <a:schemeClr val="tx1"/>
             </a:solidFill>
           </a:ln>
         </p:spPr>
@@ -15621,16 +16335,61 @@
           <a:lstStyle/>
           <a:p>
             <a:pPr algn="ctr"/>
-            <a:endParaRPr lang="en-US"/>
-          </a:p>
-        </p:txBody>
-      </p:sp>
-      <p:sp>
-        <p:nvSpPr>
-          <p:cNvPr id="12" name="Rectangle 11">
-            <a:extLst>
-              <a:ext uri="{FF2B5EF4-FFF2-40B4-BE49-F238E27FC236}">
-                <a16:creationId xmlns:a16="http://schemas.microsoft.com/office/drawing/2014/main" id="{3A04A099-5DF7-4673-1E53-B3F674FA7615}"/>
+            <a:endParaRPr lang="en-US" dirty="0"/>
+          </a:p>
+        </p:txBody>
+      </p:sp>
+      <p:cxnSp>
+        <p:nvCxnSpPr>
+          <p:cNvPr id="41" name="Straight Arrow Connector 40">
+            <a:extLst>
+              <a:ext uri="{FF2B5EF4-FFF2-40B4-BE49-F238E27FC236}">
+                <a16:creationId xmlns:a16="http://schemas.microsoft.com/office/drawing/2014/main" id="{A880FCEE-F462-6A2F-A63E-FF81AA4432F2}"/>
+              </a:ext>
+            </a:extLst>
+          </p:cNvPr>
+          <p:cNvCxnSpPr>
+            <a:cxnSpLocks/>
+          </p:cNvCxnSpPr>
+          <p:nvPr/>
+        </p:nvCxnSpPr>
+        <p:spPr>
+          <a:xfrm flipV="1">
+            <a:off x="2838596" y="3205150"/>
+            <a:ext cx="0" cy="579450"/>
+          </a:xfrm>
+          <a:prstGeom prst="straightConnector1">
+            <a:avLst/>
+          </a:prstGeom>
+          <a:ln w="25400">
+            <a:solidFill>
+              <a:schemeClr val="tx1"/>
+            </a:solidFill>
+            <a:prstDash val="sysDot"/>
+            <a:tailEnd type="triangle"/>
+          </a:ln>
+        </p:spPr>
+        <p:style>
+          <a:lnRef idx="1">
+            <a:schemeClr val="accent1"/>
+          </a:lnRef>
+          <a:fillRef idx="0">
+            <a:schemeClr val="accent1"/>
+          </a:fillRef>
+          <a:effectRef idx="0">
+            <a:schemeClr val="accent1"/>
+          </a:effectRef>
+          <a:fontRef idx="minor">
+            <a:schemeClr val="tx1"/>
+          </a:fontRef>
+        </p:style>
+      </p:cxnSp>
+      <p:sp>
+        <p:nvSpPr>
+          <p:cNvPr id="42" name="Down Arrow 41">
+            <a:extLst>
+              <a:ext uri="{FF2B5EF4-FFF2-40B4-BE49-F238E27FC236}">
+                <a16:creationId xmlns:a16="http://schemas.microsoft.com/office/drawing/2014/main" id="{58D212A5-2F5C-938A-9C32-AA43DCBFD850}"/>
               </a:ext>
             </a:extLst>
           </p:cNvPr>
@@ -15638,17 +16397,22 @@
           <p:nvPr/>
         </p:nvSpPr>
         <p:spPr>
-          <a:xfrm>
-            <a:off x="1278098" y="5321017"/>
-            <a:ext cx="3064042" cy="481263"/>
-          </a:xfrm>
-          <a:prstGeom prst="rect">
-            <a:avLst/>
+          <a:xfrm rot="10800000">
+            <a:off x="2790227" y="4337580"/>
+            <a:ext cx="88772" cy="251964"/>
+          </a:xfrm>
+          <a:prstGeom prst="downArrow">
+            <a:avLst>
+              <a:gd name="adj1" fmla="val 11941"/>
+              <a:gd name="adj2" fmla="val 81286"/>
+            </a:avLst>
           </a:prstGeom>
-          <a:noFill/>
-          <a:ln w="63500">
+          <a:solidFill>
+            <a:schemeClr val="tx1"/>
+          </a:solidFill>
+          <a:ln>
             <a:solidFill>
-              <a:srgbClr val="3D3880"/>
+              <a:schemeClr val="tx1"/>
             </a:solidFill>
           </a:ln>
         </p:spPr>
@@ -15673,16 +16437,16 @@
           <a:lstStyle/>
           <a:p>
             <a:pPr algn="ctr"/>
-            <a:endParaRPr lang="en-US"/>
-          </a:p>
-        </p:txBody>
-      </p:sp>
-      <p:sp>
-        <p:nvSpPr>
-          <p:cNvPr id="13" name="Down Arrow 12">
-            <a:extLst>
-              <a:ext uri="{FF2B5EF4-FFF2-40B4-BE49-F238E27FC236}">
-                <a16:creationId xmlns:a16="http://schemas.microsoft.com/office/drawing/2014/main" id="{93921B08-BCE6-936C-172D-3A23FBFDBFA8}"/>
+            <a:endParaRPr lang="en-US" dirty="0"/>
+          </a:p>
+        </p:txBody>
+      </p:sp>
+      <p:sp>
+        <p:nvSpPr>
+          <p:cNvPr id="43" name="Down Arrow 42">
+            <a:extLst>
+              <a:ext uri="{FF2B5EF4-FFF2-40B4-BE49-F238E27FC236}">
+                <a16:creationId xmlns:a16="http://schemas.microsoft.com/office/drawing/2014/main" id="{A0E31A49-EE79-64F5-39D5-E66E0E3C729A}"/>
               </a:ext>
             </a:extLst>
           </p:cNvPr>
@@ -15691,8 +16455,8 @@
         </p:nvSpPr>
         <p:spPr>
           <a:xfrm rot="10800000">
-            <a:off x="2790229" y="1617886"/>
-            <a:ext cx="88773" cy="259039"/>
+            <a:off x="2790227" y="5107557"/>
+            <a:ext cx="88774" cy="211735"/>
           </a:xfrm>
           <a:prstGeom prst="downArrow">
             <a:avLst>
@@ -15736,10 +16500,317 @@
       </p:sp>
       <p:sp>
         <p:nvSpPr>
-          <p:cNvPr id="14" name="Down Arrow 13">
-            <a:extLst>
-              <a:ext uri="{FF2B5EF4-FFF2-40B4-BE49-F238E27FC236}">
-                <a16:creationId xmlns:a16="http://schemas.microsoft.com/office/drawing/2014/main" id="{42F838F7-3AD7-65C2-2D24-D8482D888061}"/>
+          <p:cNvPr id="44" name="TextBox 43">
+            <a:extLst>
+              <a:ext uri="{FF2B5EF4-FFF2-40B4-BE49-F238E27FC236}">
+                <a16:creationId xmlns:a16="http://schemas.microsoft.com/office/drawing/2014/main" id="{E62F97EE-9E0C-19FB-BF9E-7F734339E433}"/>
+              </a:ext>
+            </a:extLst>
+          </p:cNvPr>
+          <p:cNvSpPr txBox="1"/>
+          <p:nvPr/>
+        </p:nvSpPr>
+        <p:spPr>
+          <a:xfrm>
+            <a:off x="2271778" y="1199700"/>
+            <a:ext cx="1076682" cy="400110"/>
+          </a:xfrm>
+          <a:prstGeom prst="rect">
+            <a:avLst/>
+          </a:prstGeom>
+          <a:noFill/>
+        </p:spPr>
+        <p:txBody>
+          <a:bodyPr wrap="square" rtlCol="0">
+            <a:spAutoFit/>
+          </a:bodyPr>
+          <a:lstStyle/>
+          <a:p>
+            <a:pPr algn="ctr"/>
+            <a:r>
+              <a:rPr lang="en-US" sz="2000" dirty="0">
+                <a:latin typeface="Avenir Medium" panose="02000503020000020003" pitchFamily="2" charset="0"/>
+              </a:rPr>
+              <a:t>Output</a:t>
+            </a:r>
+          </a:p>
+        </p:txBody>
+      </p:sp>
+      <p:sp>
+        <p:nvSpPr>
+          <p:cNvPr id="45" name="TextBox 44">
+            <a:extLst>
+              <a:ext uri="{FF2B5EF4-FFF2-40B4-BE49-F238E27FC236}">
+                <a16:creationId xmlns:a16="http://schemas.microsoft.com/office/drawing/2014/main" id="{F2533D45-6735-3030-7235-95A79D451603}"/>
+              </a:ext>
+            </a:extLst>
+          </p:cNvPr>
+          <p:cNvSpPr txBox="1"/>
+          <p:nvPr/>
+        </p:nvSpPr>
+        <p:spPr>
+          <a:xfrm>
+            <a:off x="1278098" y="1959757"/>
+            <a:ext cx="3064041" cy="400110"/>
+          </a:xfrm>
+          <a:prstGeom prst="rect">
+            <a:avLst/>
+          </a:prstGeom>
+          <a:noFill/>
+        </p:spPr>
+        <p:txBody>
+          <a:bodyPr wrap="square" rtlCol="0">
+            <a:spAutoFit/>
+          </a:bodyPr>
+          <a:lstStyle/>
+          <a:p>
+            <a:pPr algn="ctr"/>
+            <a:r>
+              <a:rPr lang="en-US" sz="2000" dirty="0">
+                <a:latin typeface="Avenir Medium" panose="02000503020000020003" pitchFamily="2" charset="0"/>
+              </a:rPr>
+              <a:t>FC: Softmax</a:t>
+            </a:r>
+          </a:p>
+        </p:txBody>
+      </p:sp>
+      <p:sp>
+        <p:nvSpPr>
+          <p:cNvPr id="46" name="TextBox 45">
+            <a:extLst>
+              <a:ext uri="{FF2B5EF4-FFF2-40B4-BE49-F238E27FC236}">
+                <a16:creationId xmlns:a16="http://schemas.microsoft.com/office/drawing/2014/main" id="{CB7A32E1-1241-2820-DD91-9A0E59FFB7F2}"/>
+              </a:ext>
+            </a:extLst>
+          </p:cNvPr>
+          <p:cNvSpPr txBox="1"/>
+          <p:nvPr/>
+        </p:nvSpPr>
+        <p:spPr>
+          <a:xfrm>
+            <a:off x="2106044" y="2771593"/>
+            <a:ext cx="1504708" cy="400110"/>
+          </a:xfrm>
+          <a:prstGeom prst="rect">
+            <a:avLst/>
+          </a:prstGeom>
+          <a:noFill/>
+        </p:spPr>
+        <p:txBody>
+          <a:bodyPr wrap="square" rtlCol="0">
+            <a:spAutoFit/>
+          </a:bodyPr>
+          <a:lstStyle/>
+          <a:p>
+            <a:pPr algn="ctr"/>
+            <a:r>
+              <a:rPr lang="en-US" sz="2000" dirty="0">
+                <a:latin typeface="Avenir Medium" panose="02000503020000020003" pitchFamily="2" charset="0"/>
+              </a:rPr>
+              <a:t>Layer N</a:t>
+            </a:r>
+          </a:p>
+        </p:txBody>
+      </p:sp>
+      <p:sp>
+        <p:nvSpPr>
+          <p:cNvPr id="47" name="TextBox 46">
+            <a:extLst>
+              <a:ext uri="{FF2B5EF4-FFF2-40B4-BE49-F238E27FC236}">
+                <a16:creationId xmlns:a16="http://schemas.microsoft.com/office/drawing/2014/main" id="{B5A567D4-ED53-F03A-6CF2-797DD078A725}"/>
+              </a:ext>
+            </a:extLst>
+          </p:cNvPr>
+          <p:cNvSpPr txBox="1"/>
+          <p:nvPr/>
+        </p:nvSpPr>
+        <p:spPr>
+          <a:xfrm>
+            <a:off x="2037872" y="3873259"/>
+            <a:ext cx="1504708" cy="400110"/>
+          </a:xfrm>
+          <a:prstGeom prst="rect">
+            <a:avLst/>
+          </a:prstGeom>
+          <a:noFill/>
+        </p:spPr>
+        <p:txBody>
+          <a:bodyPr wrap="square" rtlCol="0">
+            <a:spAutoFit/>
+          </a:bodyPr>
+          <a:lstStyle/>
+          <a:p>
+            <a:pPr algn="ctr"/>
+            <a:r>
+              <a:rPr lang="en-US" sz="2000" dirty="0">
+                <a:latin typeface="Avenir Medium" panose="02000503020000020003" pitchFamily="2" charset="0"/>
+              </a:rPr>
+              <a:t>Layer 2</a:t>
+            </a:r>
+          </a:p>
+        </p:txBody>
+      </p:sp>
+      <p:sp>
+        <p:nvSpPr>
+          <p:cNvPr id="48" name="TextBox 47">
+            <a:extLst>
+              <a:ext uri="{FF2B5EF4-FFF2-40B4-BE49-F238E27FC236}">
+                <a16:creationId xmlns:a16="http://schemas.microsoft.com/office/drawing/2014/main" id="{B23488E8-5ECF-3469-0363-0C17AA51D29A}"/>
+              </a:ext>
+            </a:extLst>
+          </p:cNvPr>
+          <p:cNvSpPr txBox="1"/>
+          <p:nvPr/>
+        </p:nvSpPr>
+        <p:spPr>
+          <a:xfrm>
+            <a:off x="2057765" y="4658115"/>
+            <a:ext cx="1504708" cy="400110"/>
+          </a:xfrm>
+          <a:prstGeom prst="rect">
+            <a:avLst/>
+          </a:prstGeom>
+          <a:noFill/>
+        </p:spPr>
+        <p:txBody>
+          <a:bodyPr wrap="square" rtlCol="0">
+            <a:spAutoFit/>
+          </a:bodyPr>
+          <a:lstStyle/>
+          <a:p>
+            <a:pPr algn="ctr"/>
+            <a:r>
+              <a:rPr lang="en-US" sz="2000" dirty="0">
+                <a:latin typeface="Avenir Medium" panose="02000503020000020003" pitchFamily="2" charset="0"/>
+              </a:rPr>
+              <a:t>Layer 1</a:t>
+            </a:r>
+          </a:p>
+        </p:txBody>
+      </p:sp>
+      <p:sp>
+        <p:nvSpPr>
+          <p:cNvPr id="64" name="TextBox 63">
+            <a:extLst>
+              <a:ext uri="{FF2B5EF4-FFF2-40B4-BE49-F238E27FC236}">
+                <a16:creationId xmlns:a16="http://schemas.microsoft.com/office/drawing/2014/main" id="{2E393895-E53D-F327-4437-6C33872A1929}"/>
+              </a:ext>
+            </a:extLst>
+          </p:cNvPr>
+          <p:cNvSpPr txBox="1"/>
+          <p:nvPr/>
+        </p:nvSpPr>
+        <p:spPr>
+          <a:xfrm>
+            <a:off x="2037872" y="5372169"/>
+            <a:ext cx="1504708" cy="400110"/>
+          </a:xfrm>
+          <a:prstGeom prst="rect">
+            <a:avLst/>
+          </a:prstGeom>
+          <a:noFill/>
+        </p:spPr>
+        <p:txBody>
+          <a:bodyPr wrap="square" rtlCol="0">
+            <a:spAutoFit/>
+          </a:bodyPr>
+          <a:lstStyle/>
+          <a:p>
+            <a:pPr algn="ctr"/>
+            <a:r>
+              <a:rPr lang="en-US" sz="2000" dirty="0">
+                <a:latin typeface="Avenir Medium" panose="02000503020000020003" pitchFamily="2" charset="0"/>
+              </a:rPr>
+              <a:t>Input Data</a:t>
+            </a:r>
+          </a:p>
+        </p:txBody>
+      </p:sp>
+      <p:sp>
+        <p:nvSpPr>
+          <p:cNvPr id="66" name="TextBox 65">
+            <a:extLst>
+              <a:ext uri="{FF2B5EF4-FFF2-40B4-BE49-F238E27FC236}">
+                <a16:creationId xmlns:a16="http://schemas.microsoft.com/office/drawing/2014/main" id="{3325B1B8-F742-A007-27FC-2C0BA31EF245}"/>
+              </a:ext>
+            </a:extLst>
+          </p:cNvPr>
+          <p:cNvSpPr txBox="1"/>
+          <p:nvPr/>
+        </p:nvSpPr>
+        <p:spPr>
+          <a:xfrm>
+            <a:off x="5556977" y="3358989"/>
+            <a:ext cx="1504708" cy="400110"/>
+          </a:xfrm>
+          <a:prstGeom prst="rect">
+            <a:avLst/>
+          </a:prstGeom>
+          <a:noFill/>
+        </p:spPr>
+        <p:txBody>
+          <a:bodyPr wrap="square" rtlCol="0">
+            <a:spAutoFit/>
+          </a:bodyPr>
+          <a:lstStyle/>
+          <a:p>
+            <a:pPr algn="ctr"/>
+            <a:r>
+              <a:rPr lang="en-US" sz="2000" i="1" dirty="0">
+                <a:latin typeface="Avenir Medium Oblique" panose="02000503020000020003" pitchFamily="2" charset="0"/>
+              </a:rPr>
+              <a:t>Transfer</a:t>
+            </a:r>
+          </a:p>
+        </p:txBody>
+      </p:sp>
+      <p:sp>
+        <p:nvSpPr>
+          <p:cNvPr id="67" name="TextBox 66">
+            <a:extLst>
+              <a:ext uri="{FF2B5EF4-FFF2-40B4-BE49-F238E27FC236}">
+                <a16:creationId xmlns:a16="http://schemas.microsoft.com/office/drawing/2014/main" id="{1CDA795C-6B0F-7C9F-15E2-3964683B406F}"/>
+              </a:ext>
+            </a:extLst>
+          </p:cNvPr>
+          <p:cNvSpPr txBox="1"/>
+          <p:nvPr/>
+        </p:nvSpPr>
+        <p:spPr>
+          <a:xfrm>
+            <a:off x="8395542" y="1965346"/>
+            <a:ext cx="3064041" cy="400110"/>
+          </a:xfrm>
+          <a:prstGeom prst="rect">
+            <a:avLst/>
+          </a:prstGeom>
+          <a:noFill/>
+        </p:spPr>
+        <p:txBody>
+          <a:bodyPr wrap="square" rtlCol="0">
+            <a:spAutoFit/>
+          </a:bodyPr>
+          <a:lstStyle/>
+          <a:p>
+            <a:pPr algn="ctr"/>
+            <a:r>
+              <a:rPr lang="en-US" sz="2000" dirty="0">
+                <a:ln w="0">
+                  <a:noFill/>
+                </a:ln>
+                <a:latin typeface="Avenir Medium" panose="02000503020000020003" pitchFamily="2" charset="0"/>
+              </a:rPr>
+              <a:t>Shallow Classifier</a:t>
+            </a:r>
+          </a:p>
+        </p:txBody>
+      </p:sp>
+      <p:sp>
+        <p:nvSpPr>
+          <p:cNvPr id="68" name="Rectangle 67">
+            <a:extLst>
+              <a:ext uri="{FF2B5EF4-FFF2-40B4-BE49-F238E27FC236}">
+                <a16:creationId xmlns:a16="http://schemas.microsoft.com/office/drawing/2014/main" id="{25A24D19-34D8-D60A-63DF-14FF9211C1E6}"/>
               </a:ext>
             </a:extLst>
           </p:cNvPr>
@@ -15747,22 +16818,19 @@
           <p:nvPr/>
         </p:nvSpPr>
         <p:spPr>
-          <a:xfrm rot="10800000">
-            <a:off x="2790227" y="2448404"/>
-            <a:ext cx="88774" cy="211735"/>
-          </a:xfrm>
-          <a:prstGeom prst="downArrow">
-            <a:avLst>
-              <a:gd name="adj1" fmla="val 11941"/>
-              <a:gd name="adj2" fmla="val 81286"/>
-            </a:avLst>
+          <a:xfrm>
+            <a:off x="8395543" y="5321017"/>
+            <a:ext cx="3064042" cy="481263"/>
+          </a:xfrm>
+          <a:prstGeom prst="rect">
+            <a:avLst/>
           </a:prstGeom>
           <a:solidFill>
-            <a:schemeClr val="tx1"/>
+            <a:srgbClr val="D3D3F1"/>
           </a:solidFill>
-          <a:ln>
+          <a:ln w="19050">
             <a:solidFill>
-              <a:schemeClr val="tx1"/>
+              <a:srgbClr val="30335D"/>
             </a:solidFill>
           </a:ln>
         </p:spPr>
@@ -15787,61 +16855,16 @@
           <a:lstStyle/>
           <a:p>
             <a:pPr algn="ctr"/>
-            <a:endParaRPr lang="en-US" dirty="0"/>
-          </a:p>
-        </p:txBody>
-      </p:sp>
-      <p:cxnSp>
-        <p:nvCxnSpPr>
-          <p:cNvPr id="16" name="Straight Arrow Connector 15">
-            <a:extLst>
-              <a:ext uri="{FF2B5EF4-FFF2-40B4-BE49-F238E27FC236}">
-                <a16:creationId xmlns:a16="http://schemas.microsoft.com/office/drawing/2014/main" id="{1165CF68-21CA-1080-7798-100647CE8AF3}"/>
-              </a:ext>
-            </a:extLst>
-          </p:cNvPr>
-          <p:cNvCxnSpPr>
-            <a:cxnSpLocks/>
-          </p:cNvCxnSpPr>
-          <p:nvPr/>
-        </p:nvCxnSpPr>
-        <p:spPr>
-          <a:xfrm flipV="1">
-            <a:off x="2838596" y="3205150"/>
-            <a:ext cx="0" cy="579450"/>
-          </a:xfrm>
-          <a:prstGeom prst="straightConnector1">
-            <a:avLst/>
-          </a:prstGeom>
-          <a:ln w="25400">
-            <a:solidFill>
-              <a:schemeClr val="tx1"/>
-            </a:solidFill>
-            <a:prstDash val="sysDot"/>
-            <a:tailEnd type="triangle"/>
-          </a:ln>
-        </p:spPr>
-        <p:style>
-          <a:lnRef idx="1">
-            <a:schemeClr val="accent1"/>
-          </a:lnRef>
-          <a:fillRef idx="0">
-            <a:schemeClr val="accent1"/>
-          </a:fillRef>
-          <a:effectRef idx="0">
-            <a:schemeClr val="accent1"/>
-          </a:effectRef>
-          <a:fontRef idx="minor">
-            <a:schemeClr val="tx1"/>
-          </a:fontRef>
-        </p:style>
-      </p:cxnSp>
-      <p:sp>
-        <p:nvSpPr>
-          <p:cNvPr id="19" name="Down Arrow 18">
-            <a:extLst>
-              <a:ext uri="{FF2B5EF4-FFF2-40B4-BE49-F238E27FC236}">
-                <a16:creationId xmlns:a16="http://schemas.microsoft.com/office/drawing/2014/main" id="{F5F97355-AA3D-6B6B-05D6-E1EDB4A8E06E}"/>
+            <a:endParaRPr lang="en-US"/>
+          </a:p>
+        </p:txBody>
+      </p:sp>
+      <p:sp>
+        <p:nvSpPr>
+          <p:cNvPr id="69" name="Down Arrow 68">
+            <a:extLst>
+              <a:ext uri="{FF2B5EF4-FFF2-40B4-BE49-F238E27FC236}">
+                <a16:creationId xmlns:a16="http://schemas.microsoft.com/office/drawing/2014/main" id="{5E372594-E445-D5B2-834A-9EB71C0E3269}"/>
               </a:ext>
             </a:extLst>
           </p:cNvPr>
@@ -15850,8 +16873,8 @@
         </p:nvSpPr>
         <p:spPr>
           <a:xfrm rot="10800000">
-            <a:off x="2790227" y="4359521"/>
-            <a:ext cx="88774" cy="211735"/>
+            <a:off x="9907672" y="2426725"/>
+            <a:ext cx="88772" cy="242557"/>
           </a:xfrm>
           <a:prstGeom prst="downArrow">
             <a:avLst>
@@ -15893,12 +16916,57 @@
           </a:p>
         </p:txBody>
       </p:sp>
-      <p:sp>
-        <p:nvSpPr>
-          <p:cNvPr id="20" name="Down Arrow 19">
-            <a:extLst>
-              <a:ext uri="{FF2B5EF4-FFF2-40B4-BE49-F238E27FC236}">
-                <a16:creationId xmlns:a16="http://schemas.microsoft.com/office/drawing/2014/main" id="{CBA8C326-AF12-EA5D-6472-85236EF92644}"/>
+      <p:cxnSp>
+        <p:nvCxnSpPr>
+          <p:cNvPr id="70" name="Straight Arrow Connector 69">
+            <a:extLst>
+              <a:ext uri="{FF2B5EF4-FFF2-40B4-BE49-F238E27FC236}">
+                <a16:creationId xmlns:a16="http://schemas.microsoft.com/office/drawing/2014/main" id="{6560F780-F1CD-950F-C209-3C53793BE3BB}"/>
+              </a:ext>
+            </a:extLst>
+          </p:cNvPr>
+          <p:cNvCxnSpPr>
+            <a:cxnSpLocks/>
+          </p:cNvCxnSpPr>
+          <p:nvPr/>
+        </p:nvCxnSpPr>
+        <p:spPr>
+          <a:xfrm flipV="1">
+            <a:off x="9956041" y="3205150"/>
+            <a:ext cx="0" cy="579450"/>
+          </a:xfrm>
+          <a:prstGeom prst="straightConnector1">
+            <a:avLst/>
+          </a:prstGeom>
+          <a:ln w="25400">
+            <a:solidFill>
+              <a:schemeClr val="tx1"/>
+            </a:solidFill>
+            <a:prstDash val="sysDot"/>
+            <a:tailEnd type="triangle"/>
+          </a:ln>
+        </p:spPr>
+        <p:style>
+          <a:lnRef idx="1">
+            <a:schemeClr val="accent1"/>
+          </a:lnRef>
+          <a:fillRef idx="0">
+            <a:schemeClr val="accent1"/>
+          </a:fillRef>
+          <a:effectRef idx="0">
+            <a:schemeClr val="accent1"/>
+          </a:effectRef>
+          <a:fontRef idx="minor">
+            <a:schemeClr val="tx1"/>
+          </a:fontRef>
+        </p:style>
+      </p:cxnSp>
+      <p:sp>
+        <p:nvSpPr>
+          <p:cNvPr id="71" name="Down Arrow 70">
+            <a:extLst>
+              <a:ext uri="{FF2B5EF4-FFF2-40B4-BE49-F238E27FC236}">
+                <a16:creationId xmlns:a16="http://schemas.microsoft.com/office/drawing/2014/main" id="{A7071995-4CEF-85E7-DCAB-98C8203840BB}"/>
               </a:ext>
             </a:extLst>
           </p:cNvPr>
@@ -15907,8 +16975,8 @@
         </p:nvSpPr>
         <p:spPr>
           <a:xfrm rot="10800000">
-            <a:off x="2790227" y="5125845"/>
-            <a:ext cx="88774" cy="211735"/>
+            <a:off x="9907672" y="4337580"/>
+            <a:ext cx="88772" cy="251964"/>
           </a:xfrm>
           <a:prstGeom prst="downArrow">
             <a:avLst>
@@ -15952,320 +17020,10 @@
       </p:sp>
       <p:sp>
         <p:nvSpPr>
-          <p:cNvPr id="21" name="TextBox 20">
-            <a:extLst>
-              <a:ext uri="{FF2B5EF4-FFF2-40B4-BE49-F238E27FC236}">
-                <a16:creationId xmlns:a16="http://schemas.microsoft.com/office/drawing/2014/main" id="{618EB694-8FAE-7D5E-3962-8E71929980FF}"/>
-              </a:ext>
-            </a:extLst>
-          </p:cNvPr>
-          <p:cNvSpPr txBox="1"/>
-          <p:nvPr/>
-        </p:nvSpPr>
-        <p:spPr>
-          <a:xfrm>
-            <a:off x="2271778" y="1163124"/>
-            <a:ext cx="1076682" cy="400110"/>
-          </a:xfrm>
-          <a:prstGeom prst="rect">
-            <a:avLst/>
-          </a:prstGeom>
-          <a:noFill/>
-        </p:spPr>
-        <p:txBody>
-          <a:bodyPr wrap="square" rtlCol="0">
-            <a:spAutoFit/>
-          </a:bodyPr>
-          <a:lstStyle/>
-          <a:p>
-            <a:pPr algn="ctr"/>
-            <a:r>
-              <a:rPr lang="en-US" sz="2000" dirty="0">
-                <a:latin typeface="Avenir Medium" panose="02000503020000020003" pitchFamily="2" charset="0"/>
-              </a:rPr>
-              <a:t>Output</a:t>
-            </a:r>
-          </a:p>
-        </p:txBody>
-      </p:sp>
-      <p:sp>
-        <p:nvSpPr>
-          <p:cNvPr id="22" name="TextBox 21">
-            <a:extLst>
-              <a:ext uri="{FF2B5EF4-FFF2-40B4-BE49-F238E27FC236}">
-                <a16:creationId xmlns:a16="http://schemas.microsoft.com/office/drawing/2014/main" id="{38E05823-9068-B34E-72EC-47E0871E6899}"/>
-              </a:ext>
-            </a:extLst>
-          </p:cNvPr>
-          <p:cNvSpPr txBox="1"/>
-          <p:nvPr/>
-        </p:nvSpPr>
-        <p:spPr>
-          <a:xfrm>
-            <a:off x="2106044" y="1960552"/>
-            <a:ext cx="1504708" cy="400110"/>
-          </a:xfrm>
-          <a:prstGeom prst="rect">
-            <a:avLst/>
-          </a:prstGeom>
-          <a:noFill/>
-        </p:spPr>
-        <p:txBody>
-          <a:bodyPr wrap="square" rtlCol="0">
-            <a:spAutoFit/>
-          </a:bodyPr>
-          <a:lstStyle/>
-          <a:p>
-            <a:pPr algn="ctr"/>
-            <a:r>
-              <a:rPr lang="en-US" sz="2000" dirty="0">
-                <a:latin typeface="Avenir Medium" panose="02000503020000020003" pitchFamily="2" charset="0"/>
-              </a:rPr>
-              <a:t>FC: Softmax</a:t>
-            </a:r>
-          </a:p>
-        </p:txBody>
-      </p:sp>
-      <p:sp>
-        <p:nvSpPr>
-          <p:cNvPr id="23" name="TextBox 22">
-            <a:extLst>
-              <a:ext uri="{FF2B5EF4-FFF2-40B4-BE49-F238E27FC236}">
-                <a16:creationId xmlns:a16="http://schemas.microsoft.com/office/drawing/2014/main" id="{E1CF0247-5C22-6EA3-1637-1B202509D742}"/>
-              </a:ext>
-            </a:extLst>
-          </p:cNvPr>
-          <p:cNvSpPr txBox="1"/>
-          <p:nvPr/>
-        </p:nvSpPr>
-        <p:spPr>
-          <a:xfrm>
-            <a:off x="2106044" y="2728049"/>
-            <a:ext cx="1504708" cy="400110"/>
-          </a:xfrm>
-          <a:prstGeom prst="rect">
-            <a:avLst/>
-          </a:prstGeom>
-          <a:noFill/>
-        </p:spPr>
-        <p:txBody>
-          <a:bodyPr wrap="square" rtlCol="0">
-            <a:spAutoFit/>
-          </a:bodyPr>
-          <a:lstStyle/>
-          <a:p>
-            <a:pPr algn="ctr"/>
-            <a:r>
-              <a:rPr lang="en-US" sz="2000" dirty="0">
-                <a:latin typeface="Avenir Medium" panose="02000503020000020003" pitchFamily="2" charset="0"/>
-              </a:rPr>
-              <a:t>Layer N</a:t>
-            </a:r>
-          </a:p>
-        </p:txBody>
-      </p:sp>
-      <p:sp>
-        <p:nvSpPr>
-          <p:cNvPr id="24" name="TextBox 23">
-            <a:extLst>
-              <a:ext uri="{FF2B5EF4-FFF2-40B4-BE49-F238E27FC236}">
-                <a16:creationId xmlns:a16="http://schemas.microsoft.com/office/drawing/2014/main" id="{394E2FE2-FFF1-6948-F4B3-5076E187D312}"/>
-              </a:ext>
-            </a:extLst>
-          </p:cNvPr>
-          <p:cNvSpPr txBox="1"/>
-          <p:nvPr/>
-        </p:nvSpPr>
-        <p:spPr>
-          <a:xfrm>
-            <a:off x="2037872" y="3885523"/>
-            <a:ext cx="1504708" cy="400110"/>
-          </a:xfrm>
-          <a:prstGeom prst="rect">
-            <a:avLst/>
-          </a:prstGeom>
-          <a:noFill/>
-        </p:spPr>
-        <p:txBody>
-          <a:bodyPr wrap="square" rtlCol="0">
-            <a:spAutoFit/>
-          </a:bodyPr>
-          <a:lstStyle/>
-          <a:p>
-            <a:pPr algn="ctr"/>
-            <a:r>
-              <a:rPr lang="en-US" sz="2000" dirty="0">
-                <a:latin typeface="Avenir Medium" panose="02000503020000020003" pitchFamily="2" charset="0"/>
-              </a:rPr>
-              <a:t>Layer 2</a:t>
-            </a:r>
-          </a:p>
-        </p:txBody>
-      </p:sp>
-      <p:sp>
-        <p:nvSpPr>
-          <p:cNvPr id="25" name="TextBox 24">
-            <a:extLst>
-              <a:ext uri="{FF2B5EF4-FFF2-40B4-BE49-F238E27FC236}">
-                <a16:creationId xmlns:a16="http://schemas.microsoft.com/office/drawing/2014/main" id="{AA3B4C66-01CF-2060-1CA1-83E9B2A90058}"/>
-              </a:ext>
-            </a:extLst>
-          </p:cNvPr>
-          <p:cNvSpPr txBox="1"/>
-          <p:nvPr/>
-        </p:nvSpPr>
-        <p:spPr>
-          <a:xfrm>
-            <a:off x="2057765" y="4647759"/>
-            <a:ext cx="1504708" cy="400110"/>
-          </a:xfrm>
-          <a:prstGeom prst="rect">
-            <a:avLst/>
-          </a:prstGeom>
-          <a:noFill/>
-        </p:spPr>
-        <p:txBody>
-          <a:bodyPr wrap="square" rtlCol="0">
-            <a:spAutoFit/>
-          </a:bodyPr>
-          <a:lstStyle/>
-          <a:p>
-            <a:pPr algn="ctr"/>
-            <a:r>
-              <a:rPr lang="en-US" sz="2000" dirty="0">
-                <a:latin typeface="Avenir Medium" panose="02000503020000020003" pitchFamily="2" charset="0"/>
-              </a:rPr>
-              <a:t>Layer 1</a:t>
-            </a:r>
-          </a:p>
-        </p:txBody>
-      </p:sp>
-      <p:sp>
-        <p:nvSpPr>
-          <p:cNvPr id="26" name="TextBox 25">
-            <a:extLst>
-              <a:ext uri="{FF2B5EF4-FFF2-40B4-BE49-F238E27FC236}">
-                <a16:creationId xmlns:a16="http://schemas.microsoft.com/office/drawing/2014/main" id="{2C3D7526-FF74-1ED2-C510-DE4E0701EFDE}"/>
-              </a:ext>
-            </a:extLst>
-          </p:cNvPr>
-          <p:cNvSpPr txBox="1"/>
-          <p:nvPr/>
-        </p:nvSpPr>
-        <p:spPr>
-          <a:xfrm>
-            <a:off x="2037872" y="5372964"/>
-            <a:ext cx="1504708" cy="400110"/>
-          </a:xfrm>
-          <a:prstGeom prst="rect">
-            <a:avLst/>
-          </a:prstGeom>
-          <a:noFill/>
-        </p:spPr>
-        <p:txBody>
-          <a:bodyPr wrap="square" rtlCol="0">
-            <a:spAutoFit/>
-          </a:bodyPr>
-          <a:lstStyle/>
-          <a:p>
-            <a:pPr algn="ctr"/>
-            <a:r>
-              <a:rPr lang="en-US" sz="2000" dirty="0">
-                <a:latin typeface="Avenir Medium" panose="02000503020000020003" pitchFamily="2" charset="0"/>
-              </a:rPr>
-              <a:t>Input Data</a:t>
-            </a:r>
-          </a:p>
-        </p:txBody>
-      </p:sp>
-      <p:sp>
-        <p:nvSpPr>
-          <p:cNvPr id="32" name="TextBox 31">
-            <a:extLst>
-              <a:ext uri="{FF2B5EF4-FFF2-40B4-BE49-F238E27FC236}">
-                <a16:creationId xmlns:a16="http://schemas.microsoft.com/office/drawing/2014/main" id="{D08E61E1-01D8-04A1-89B6-719630716904}"/>
-              </a:ext>
-            </a:extLst>
-          </p:cNvPr>
-          <p:cNvSpPr txBox="1"/>
-          <p:nvPr/>
-        </p:nvSpPr>
-        <p:spPr>
-          <a:xfrm>
-            <a:off x="5556977" y="3324699"/>
-            <a:ext cx="1504708" cy="400110"/>
-          </a:xfrm>
-          <a:prstGeom prst="rect">
-            <a:avLst/>
-          </a:prstGeom>
-          <a:noFill/>
-        </p:spPr>
-        <p:txBody>
-          <a:bodyPr wrap="square" rtlCol="0">
-            <a:spAutoFit/>
-          </a:bodyPr>
-          <a:lstStyle/>
-          <a:p>
-            <a:pPr algn="ctr"/>
-            <a:r>
-              <a:rPr lang="en-US" sz="2000" i="1" dirty="0">
-                <a:solidFill>
-                  <a:schemeClr val="bg1"/>
-                </a:solidFill>
-                <a:latin typeface="Avenir Medium Oblique" panose="02000503020000020003" pitchFamily="2" charset="0"/>
-              </a:rPr>
-              <a:t>Transfer</a:t>
-            </a:r>
-          </a:p>
-        </p:txBody>
-      </p:sp>
-      <p:sp>
-        <p:nvSpPr>
-          <p:cNvPr id="49" name="TextBox 48">
-            <a:extLst>
-              <a:ext uri="{FF2B5EF4-FFF2-40B4-BE49-F238E27FC236}">
-                <a16:creationId xmlns:a16="http://schemas.microsoft.com/office/drawing/2014/main" id="{FF6983F3-4CE3-B479-810F-5D136D18EFA0}"/>
-              </a:ext>
-            </a:extLst>
-          </p:cNvPr>
-          <p:cNvSpPr txBox="1"/>
-          <p:nvPr/>
-        </p:nvSpPr>
-        <p:spPr>
-          <a:xfrm>
-            <a:off x="8934998" y="1968313"/>
-            <a:ext cx="2032409" cy="400110"/>
-          </a:xfrm>
-          <a:prstGeom prst="rect">
-            <a:avLst/>
-          </a:prstGeom>
-          <a:noFill/>
-        </p:spPr>
-        <p:txBody>
-          <a:bodyPr wrap="square" rtlCol="0">
-            <a:spAutoFit/>
-          </a:bodyPr>
-          <a:lstStyle/>
-          <a:p>
-            <a:pPr algn="ctr"/>
-            <a:r>
-              <a:rPr lang="en-US" sz="2000" dirty="0">
-                <a:ln w="0">
-                  <a:noFill/>
-                </a:ln>
-                <a:latin typeface="Avenir Medium" panose="02000503020000020003" pitchFamily="2" charset="0"/>
-              </a:rPr>
-              <a:t>Shallow Classifier</a:t>
-            </a:r>
-          </a:p>
-        </p:txBody>
-      </p:sp>
-      <p:sp>
-        <p:nvSpPr>
-          <p:cNvPr id="50" name="Rounded Rectangle 49">
-            <a:extLst>
-              <a:ext uri="{FF2B5EF4-FFF2-40B4-BE49-F238E27FC236}">
-                <a16:creationId xmlns:a16="http://schemas.microsoft.com/office/drawing/2014/main" id="{EB5684B9-1655-45DF-7CD3-07CC515CCB62}"/>
+          <p:cNvPr id="72" name="Down Arrow 71">
+            <a:extLst>
+              <a:ext uri="{FF2B5EF4-FFF2-40B4-BE49-F238E27FC236}">
+                <a16:creationId xmlns:a16="http://schemas.microsoft.com/office/drawing/2014/main" id="{D138E983-3D7C-DAA5-40DE-4D27C46BFFCD}"/>
               </a:ext>
             </a:extLst>
           </p:cNvPr>
@@ -16273,17 +17031,22 @@
           <p:nvPr/>
         </p:nvSpPr>
         <p:spPr>
-          <a:xfrm>
-            <a:off x="8395543" y="2692137"/>
-            <a:ext cx="3064042" cy="481263"/>
-          </a:xfrm>
-          <a:prstGeom prst="roundRect">
-            <a:avLst/>
+          <a:xfrm rot="10800000">
+            <a:off x="9907672" y="5107557"/>
+            <a:ext cx="88774" cy="211735"/>
+          </a:xfrm>
+          <a:prstGeom prst="downArrow">
+            <a:avLst>
+              <a:gd name="adj1" fmla="val 11941"/>
+              <a:gd name="adj2" fmla="val 81286"/>
+            </a:avLst>
           </a:prstGeom>
-          <a:noFill/>
-          <a:ln w="63500">
+          <a:solidFill>
+            <a:schemeClr val="tx1"/>
+          </a:solidFill>
+          <a:ln>
             <a:solidFill>
-              <a:srgbClr val="6D6CCA"/>
+              <a:schemeClr val="tx1"/>
             </a:solidFill>
           </a:ln>
         </p:spPr>
@@ -16308,34 +17071,229 @@
           <a:lstStyle/>
           <a:p>
             <a:pPr algn="ctr"/>
-            <a:endParaRPr lang="en-US"/>
-          </a:p>
-        </p:txBody>
-      </p:sp>
-      <p:sp>
-        <p:nvSpPr>
-          <p:cNvPr id="51" name="Rounded Rectangle 50">
-            <a:extLst>
-              <a:ext uri="{FF2B5EF4-FFF2-40B4-BE49-F238E27FC236}">
-                <a16:creationId xmlns:a16="http://schemas.microsoft.com/office/drawing/2014/main" id="{300B97A6-C620-7D29-4B4A-5AB3986C9FD8}"/>
-              </a:ext>
-            </a:extLst>
-          </p:cNvPr>
-          <p:cNvSpPr/>
+            <a:endParaRPr lang="en-US" dirty="0"/>
+          </a:p>
+        </p:txBody>
+      </p:sp>
+      <p:sp>
+        <p:nvSpPr>
+          <p:cNvPr id="73" name="TextBox 72">
+            <a:extLst>
+              <a:ext uri="{FF2B5EF4-FFF2-40B4-BE49-F238E27FC236}">
+                <a16:creationId xmlns:a16="http://schemas.microsoft.com/office/drawing/2014/main" id="{154FCA38-CF9B-A1D3-2A9D-4CF527B732FF}"/>
+              </a:ext>
+            </a:extLst>
+          </p:cNvPr>
+          <p:cNvSpPr txBox="1"/>
           <p:nvPr/>
         </p:nvSpPr>
         <p:spPr>
           <a:xfrm>
-            <a:off x="8395543" y="3835139"/>
-            <a:ext cx="3064042" cy="481263"/>
-          </a:xfrm>
-          <a:prstGeom prst="roundRect">
+            <a:off x="9460663" y="1199700"/>
+            <a:ext cx="1076682" cy="400110"/>
+          </a:xfrm>
+          <a:prstGeom prst="rect">
             <a:avLst/>
           </a:prstGeom>
           <a:noFill/>
-          <a:ln w="63500">
+        </p:spPr>
+        <p:txBody>
+          <a:bodyPr wrap="square" rtlCol="0">
+            <a:spAutoFit/>
+          </a:bodyPr>
+          <a:lstStyle/>
+          <a:p>
+            <a:pPr algn="ctr"/>
+            <a:r>
+              <a:rPr lang="en-US" sz="2000" dirty="0">
+                <a:latin typeface="Avenir Medium" panose="02000503020000020003" pitchFamily="2" charset="0"/>
+              </a:rPr>
+              <a:t>Output</a:t>
+            </a:r>
+          </a:p>
+        </p:txBody>
+      </p:sp>
+      <p:sp>
+        <p:nvSpPr>
+          <p:cNvPr id="74" name="TextBox 73">
+            <a:extLst>
+              <a:ext uri="{FF2B5EF4-FFF2-40B4-BE49-F238E27FC236}">
+                <a16:creationId xmlns:a16="http://schemas.microsoft.com/office/drawing/2014/main" id="{E07380F4-E341-C29F-8A3E-1F7F48FCFFDD}"/>
+              </a:ext>
+            </a:extLst>
+          </p:cNvPr>
+          <p:cNvSpPr txBox="1"/>
+          <p:nvPr/>
+        </p:nvSpPr>
+        <p:spPr>
+          <a:xfrm>
+            <a:off x="9223489" y="2760018"/>
+            <a:ext cx="1504708" cy="400110"/>
+          </a:xfrm>
+          <a:prstGeom prst="rect">
+            <a:avLst/>
+          </a:prstGeom>
+          <a:noFill/>
+        </p:spPr>
+        <p:txBody>
+          <a:bodyPr wrap="square" rtlCol="0">
+            <a:spAutoFit/>
+          </a:bodyPr>
+          <a:lstStyle/>
+          <a:p>
+            <a:pPr algn="ctr"/>
+            <a:r>
+              <a:rPr lang="en-US" sz="2000" dirty="0">
+                <a:latin typeface="Avenir Medium" panose="02000503020000020003" pitchFamily="2" charset="0"/>
+              </a:rPr>
+              <a:t>Layer N</a:t>
+            </a:r>
+          </a:p>
+        </p:txBody>
+      </p:sp>
+      <p:sp>
+        <p:nvSpPr>
+          <p:cNvPr id="75" name="TextBox 74">
+            <a:extLst>
+              <a:ext uri="{FF2B5EF4-FFF2-40B4-BE49-F238E27FC236}">
+                <a16:creationId xmlns:a16="http://schemas.microsoft.com/office/drawing/2014/main" id="{BB3436E5-B9A4-46A3-599A-E41CDACDABAA}"/>
+              </a:ext>
+            </a:extLst>
+          </p:cNvPr>
+          <p:cNvSpPr txBox="1"/>
+          <p:nvPr/>
+        </p:nvSpPr>
+        <p:spPr>
+          <a:xfrm>
+            <a:off x="9155317" y="3873259"/>
+            <a:ext cx="1504708" cy="400110"/>
+          </a:xfrm>
+          <a:prstGeom prst="rect">
+            <a:avLst/>
+          </a:prstGeom>
+          <a:noFill/>
+        </p:spPr>
+        <p:txBody>
+          <a:bodyPr wrap="square" rtlCol="0">
+            <a:spAutoFit/>
+          </a:bodyPr>
+          <a:lstStyle/>
+          <a:p>
+            <a:pPr algn="ctr"/>
+            <a:r>
+              <a:rPr lang="en-US" sz="2000" dirty="0">
+                <a:latin typeface="Avenir Medium" panose="02000503020000020003" pitchFamily="2" charset="0"/>
+              </a:rPr>
+              <a:t>Layer 2</a:t>
+            </a:r>
+          </a:p>
+        </p:txBody>
+      </p:sp>
+      <p:sp>
+        <p:nvSpPr>
+          <p:cNvPr id="76" name="TextBox 75">
+            <a:extLst>
+              <a:ext uri="{FF2B5EF4-FFF2-40B4-BE49-F238E27FC236}">
+                <a16:creationId xmlns:a16="http://schemas.microsoft.com/office/drawing/2014/main" id="{86A0BB14-E55A-999E-E0CF-72660B422B36}"/>
+              </a:ext>
+            </a:extLst>
+          </p:cNvPr>
+          <p:cNvSpPr txBox="1"/>
+          <p:nvPr/>
+        </p:nvSpPr>
+        <p:spPr>
+          <a:xfrm>
+            <a:off x="9175210" y="4658115"/>
+            <a:ext cx="1504708" cy="400110"/>
+          </a:xfrm>
+          <a:prstGeom prst="rect">
+            <a:avLst/>
+          </a:prstGeom>
+          <a:noFill/>
+        </p:spPr>
+        <p:txBody>
+          <a:bodyPr wrap="square" rtlCol="0">
+            <a:spAutoFit/>
+          </a:bodyPr>
+          <a:lstStyle/>
+          <a:p>
+            <a:pPr algn="ctr"/>
+            <a:r>
+              <a:rPr lang="en-US" sz="2000" dirty="0">
+                <a:latin typeface="Avenir Medium" panose="02000503020000020003" pitchFamily="2" charset="0"/>
+              </a:rPr>
+              <a:t>Layer 1</a:t>
+            </a:r>
+          </a:p>
+        </p:txBody>
+      </p:sp>
+      <p:sp>
+        <p:nvSpPr>
+          <p:cNvPr id="77" name="TextBox 76">
+            <a:extLst>
+              <a:ext uri="{FF2B5EF4-FFF2-40B4-BE49-F238E27FC236}">
+                <a16:creationId xmlns:a16="http://schemas.microsoft.com/office/drawing/2014/main" id="{E31AD7E1-4E39-3DCF-89CE-2151FA745800}"/>
+              </a:ext>
+            </a:extLst>
+          </p:cNvPr>
+          <p:cNvSpPr txBox="1"/>
+          <p:nvPr/>
+        </p:nvSpPr>
+        <p:spPr>
+          <a:xfrm>
+            <a:off x="9155317" y="5361018"/>
+            <a:ext cx="1504708" cy="400110"/>
+          </a:xfrm>
+          <a:prstGeom prst="rect">
+            <a:avLst/>
+          </a:prstGeom>
+          <a:noFill/>
+        </p:spPr>
+        <p:txBody>
+          <a:bodyPr wrap="square" rtlCol="0">
+            <a:spAutoFit/>
+          </a:bodyPr>
+          <a:lstStyle/>
+          <a:p>
+            <a:pPr algn="ctr"/>
+            <a:r>
+              <a:rPr lang="en-US" sz="2000" dirty="0">
+                <a:latin typeface="Avenir Medium" panose="02000503020000020003" pitchFamily="2" charset="0"/>
+              </a:rPr>
+              <a:t>Input Data</a:t>
+            </a:r>
+          </a:p>
+        </p:txBody>
+      </p:sp>
+      <p:sp>
+        <p:nvSpPr>
+          <p:cNvPr id="78" name="Down Arrow 77">
+            <a:extLst>
+              <a:ext uri="{FF2B5EF4-FFF2-40B4-BE49-F238E27FC236}">
+                <a16:creationId xmlns:a16="http://schemas.microsoft.com/office/drawing/2014/main" id="{58DFB4D4-084D-377D-9EDA-D30C643AC0D9}"/>
+              </a:ext>
+            </a:extLst>
+          </p:cNvPr>
+          <p:cNvSpPr/>
+          <p:nvPr/>
+        </p:nvSpPr>
+        <p:spPr>
+          <a:xfrm rot="10800000">
+            <a:off x="9953056" y="1636174"/>
+            <a:ext cx="88773" cy="259039"/>
+          </a:xfrm>
+          <a:prstGeom prst="downArrow">
+            <a:avLst>
+              <a:gd name="adj1" fmla="val 11941"/>
+              <a:gd name="adj2" fmla="val 81286"/>
+            </a:avLst>
+          </a:prstGeom>
+          <a:solidFill>
+            <a:schemeClr val="tx1"/>
+          </a:solidFill>
+          <a:ln>
             <a:solidFill>
-              <a:srgbClr val="6D6CCA"/>
+              <a:schemeClr val="tx1"/>
             </a:solidFill>
           </a:ln>
         </p:spPr>
@@ -16360,177 +17318,16 @@
           <a:lstStyle/>
           <a:p>
             <a:pPr algn="ctr"/>
-            <a:endParaRPr lang="en-US"/>
-          </a:p>
-        </p:txBody>
-      </p:sp>
-      <p:sp>
-        <p:nvSpPr>
-          <p:cNvPr id="52" name="Rounded Rectangle 51">
-            <a:extLst>
-              <a:ext uri="{FF2B5EF4-FFF2-40B4-BE49-F238E27FC236}">
-                <a16:creationId xmlns:a16="http://schemas.microsoft.com/office/drawing/2014/main" id="{79E30CF7-91C6-6E57-2655-FE87B09B16C1}"/>
-              </a:ext>
-            </a:extLst>
-          </p:cNvPr>
-          <p:cNvSpPr/>
-          <p:nvPr/>
-        </p:nvSpPr>
-        <p:spPr>
-          <a:xfrm>
-            <a:off x="8395543" y="4605116"/>
-            <a:ext cx="3064042" cy="481263"/>
-          </a:xfrm>
-          <a:prstGeom prst="roundRect">
-            <a:avLst/>
-          </a:prstGeom>
-          <a:noFill/>
-          <a:ln w="63500">
-            <a:solidFill>
-              <a:srgbClr val="6D6CCA"/>
-            </a:solidFill>
-          </a:ln>
-        </p:spPr>
-        <p:style>
-          <a:lnRef idx="2">
-            <a:schemeClr val="accent1">
-              <a:shade val="50000"/>
-            </a:schemeClr>
-          </a:lnRef>
-          <a:fillRef idx="1">
-            <a:schemeClr val="accent1"/>
-          </a:fillRef>
-          <a:effectRef idx="0">
-            <a:schemeClr val="accent1"/>
-          </a:effectRef>
-          <a:fontRef idx="minor">
-            <a:schemeClr val="lt1"/>
-          </a:fontRef>
-        </p:style>
-        <p:txBody>
-          <a:bodyPr rtlCol="0" anchor="ctr"/>
-          <a:lstStyle/>
-          <a:p>
-            <a:pPr algn="ctr"/>
-            <a:endParaRPr lang="en-US"/>
-          </a:p>
-        </p:txBody>
-      </p:sp>
-      <p:sp>
-        <p:nvSpPr>
-          <p:cNvPr id="53" name="Rectangle 52">
-            <a:extLst>
-              <a:ext uri="{FF2B5EF4-FFF2-40B4-BE49-F238E27FC236}">
-                <a16:creationId xmlns:a16="http://schemas.microsoft.com/office/drawing/2014/main" id="{3977D505-5517-7DCA-E4DA-C7180E1C562E}"/>
-              </a:ext>
-            </a:extLst>
-          </p:cNvPr>
-          <p:cNvSpPr/>
-          <p:nvPr/>
-        </p:nvSpPr>
-        <p:spPr>
-          <a:xfrm>
-            <a:off x="8395543" y="5321017"/>
-            <a:ext cx="3064042" cy="481263"/>
-          </a:xfrm>
-          <a:prstGeom prst="rect">
-            <a:avLst/>
-          </a:prstGeom>
-          <a:noFill/>
-          <a:ln w="63500">
-            <a:solidFill>
-              <a:srgbClr val="3D3880"/>
-            </a:solidFill>
-          </a:ln>
-        </p:spPr>
-        <p:style>
-          <a:lnRef idx="2">
-            <a:schemeClr val="accent1">
-              <a:shade val="50000"/>
-            </a:schemeClr>
-          </a:lnRef>
-          <a:fillRef idx="1">
-            <a:schemeClr val="accent1"/>
-          </a:fillRef>
-          <a:effectRef idx="0">
-            <a:schemeClr val="accent1"/>
-          </a:effectRef>
-          <a:fontRef idx="minor">
-            <a:schemeClr val="lt1"/>
-          </a:fontRef>
-        </p:style>
-        <p:txBody>
-          <a:bodyPr rtlCol="0" anchor="ctr"/>
-          <a:lstStyle/>
-          <a:p>
-            <a:pPr algn="ctr"/>
-            <a:endParaRPr lang="en-US"/>
-          </a:p>
-        </p:txBody>
-      </p:sp>
-      <p:sp>
-        <p:nvSpPr>
-          <p:cNvPr id="54" name="Down Arrow 53">
-            <a:extLst>
-              <a:ext uri="{FF2B5EF4-FFF2-40B4-BE49-F238E27FC236}">
-                <a16:creationId xmlns:a16="http://schemas.microsoft.com/office/drawing/2014/main" id="{F298BE4B-CDB0-6023-E43D-EB80D631CE8D}"/>
-              </a:ext>
-            </a:extLst>
-          </p:cNvPr>
-          <p:cNvSpPr/>
-          <p:nvPr/>
-        </p:nvSpPr>
-        <p:spPr>
-          <a:xfrm rot="10800000">
-            <a:off x="9907672" y="2448404"/>
-            <a:ext cx="88774" cy="211735"/>
-          </a:xfrm>
-          <a:prstGeom prst="downArrow">
-            <a:avLst>
-              <a:gd name="adj1" fmla="val 11941"/>
-              <a:gd name="adj2" fmla="val 81286"/>
-            </a:avLst>
-          </a:prstGeom>
-          <a:solidFill>
-            <a:schemeClr val="tx1"/>
-          </a:solidFill>
-          <a:ln>
-            <a:solidFill>
-              <a:schemeClr val="tx1"/>
-            </a:solidFill>
-          </a:ln>
-        </p:spPr>
-        <p:style>
-          <a:lnRef idx="2">
-            <a:schemeClr val="accent1">
-              <a:shade val="50000"/>
-            </a:schemeClr>
-          </a:lnRef>
-          <a:fillRef idx="1">
-            <a:schemeClr val="accent1"/>
-          </a:fillRef>
-          <a:effectRef idx="0">
-            <a:schemeClr val="accent1"/>
-          </a:effectRef>
-          <a:fontRef idx="minor">
-            <a:schemeClr val="lt1"/>
-          </a:fontRef>
-        </p:style>
-        <p:txBody>
-          <a:bodyPr rtlCol="0" anchor="ctr"/>
-          <a:lstStyle/>
-          <a:p>
-            <a:pPr algn="ctr"/>
             <a:endParaRPr lang="en-US" dirty="0"/>
           </a:p>
         </p:txBody>
       </p:sp>
       <p:cxnSp>
         <p:nvCxnSpPr>
-          <p:cNvPr id="55" name="Straight Arrow Connector 54">
-            <a:extLst>
-              <a:ext uri="{FF2B5EF4-FFF2-40B4-BE49-F238E27FC236}">
-                <a16:creationId xmlns:a16="http://schemas.microsoft.com/office/drawing/2014/main" id="{31D3BF22-3507-1B27-D706-C186FEDAA4F5}"/>
+          <p:cNvPr id="79" name="Straight Connector 78">
+            <a:extLst>
+              <a:ext uri="{FF2B5EF4-FFF2-40B4-BE49-F238E27FC236}">
+                <a16:creationId xmlns:a16="http://schemas.microsoft.com/office/drawing/2014/main" id="{02D2129A-3134-8F34-2453-49364388F105}"/>
               </a:ext>
             </a:extLst>
           </p:cNvPr>
@@ -16540,412 +17337,6 @@
           <p:nvPr/>
         </p:nvCxnSpPr>
         <p:spPr>
-          <a:xfrm flipV="1">
-            <a:off x="9956041" y="3205150"/>
-            <a:ext cx="0" cy="579450"/>
-          </a:xfrm>
-          <a:prstGeom prst="straightConnector1">
-            <a:avLst/>
-          </a:prstGeom>
-          <a:ln w="25400">
-            <a:solidFill>
-              <a:schemeClr val="tx1"/>
-            </a:solidFill>
-            <a:prstDash val="sysDot"/>
-            <a:tailEnd type="triangle"/>
-          </a:ln>
-        </p:spPr>
-        <p:style>
-          <a:lnRef idx="1">
-            <a:schemeClr val="accent1"/>
-          </a:lnRef>
-          <a:fillRef idx="0">
-            <a:schemeClr val="accent1"/>
-          </a:fillRef>
-          <a:effectRef idx="0">
-            <a:schemeClr val="accent1"/>
-          </a:effectRef>
-          <a:fontRef idx="minor">
-            <a:schemeClr val="tx1"/>
-          </a:fontRef>
-        </p:style>
-      </p:cxnSp>
-      <p:sp>
-        <p:nvSpPr>
-          <p:cNvPr id="56" name="Down Arrow 55">
-            <a:extLst>
-              <a:ext uri="{FF2B5EF4-FFF2-40B4-BE49-F238E27FC236}">
-                <a16:creationId xmlns:a16="http://schemas.microsoft.com/office/drawing/2014/main" id="{A6AB8500-B625-3FC7-7A23-53772723A553}"/>
-              </a:ext>
-            </a:extLst>
-          </p:cNvPr>
-          <p:cNvSpPr/>
-          <p:nvPr/>
-        </p:nvSpPr>
-        <p:spPr>
-          <a:xfrm rot="10800000">
-            <a:off x="9907672" y="4359521"/>
-            <a:ext cx="88774" cy="211735"/>
-          </a:xfrm>
-          <a:prstGeom prst="downArrow">
-            <a:avLst>
-              <a:gd name="adj1" fmla="val 11941"/>
-              <a:gd name="adj2" fmla="val 81286"/>
-            </a:avLst>
-          </a:prstGeom>
-          <a:solidFill>
-            <a:schemeClr val="tx1"/>
-          </a:solidFill>
-          <a:ln>
-            <a:solidFill>
-              <a:schemeClr val="tx1"/>
-            </a:solidFill>
-          </a:ln>
-        </p:spPr>
-        <p:style>
-          <a:lnRef idx="2">
-            <a:schemeClr val="accent1">
-              <a:shade val="50000"/>
-            </a:schemeClr>
-          </a:lnRef>
-          <a:fillRef idx="1">
-            <a:schemeClr val="accent1"/>
-          </a:fillRef>
-          <a:effectRef idx="0">
-            <a:schemeClr val="accent1"/>
-          </a:effectRef>
-          <a:fontRef idx="minor">
-            <a:schemeClr val="lt1"/>
-          </a:fontRef>
-        </p:style>
-        <p:txBody>
-          <a:bodyPr rtlCol="0" anchor="ctr"/>
-          <a:lstStyle/>
-          <a:p>
-            <a:pPr algn="ctr"/>
-            <a:endParaRPr lang="en-US" dirty="0"/>
-          </a:p>
-        </p:txBody>
-      </p:sp>
-      <p:sp>
-        <p:nvSpPr>
-          <p:cNvPr id="57" name="Down Arrow 56">
-            <a:extLst>
-              <a:ext uri="{FF2B5EF4-FFF2-40B4-BE49-F238E27FC236}">
-                <a16:creationId xmlns:a16="http://schemas.microsoft.com/office/drawing/2014/main" id="{655374B5-4748-4DCE-5352-62DA156C6FBD}"/>
-              </a:ext>
-            </a:extLst>
-          </p:cNvPr>
-          <p:cNvSpPr/>
-          <p:nvPr/>
-        </p:nvSpPr>
-        <p:spPr>
-          <a:xfrm rot="10800000">
-            <a:off x="9907672" y="5125845"/>
-            <a:ext cx="88774" cy="211735"/>
-          </a:xfrm>
-          <a:prstGeom prst="downArrow">
-            <a:avLst>
-              <a:gd name="adj1" fmla="val 11941"/>
-              <a:gd name="adj2" fmla="val 81286"/>
-            </a:avLst>
-          </a:prstGeom>
-          <a:solidFill>
-            <a:schemeClr val="tx1"/>
-          </a:solidFill>
-          <a:ln>
-            <a:solidFill>
-              <a:schemeClr val="tx1"/>
-            </a:solidFill>
-          </a:ln>
-        </p:spPr>
-        <p:style>
-          <a:lnRef idx="2">
-            <a:schemeClr val="accent1">
-              <a:shade val="50000"/>
-            </a:schemeClr>
-          </a:lnRef>
-          <a:fillRef idx="1">
-            <a:schemeClr val="accent1"/>
-          </a:fillRef>
-          <a:effectRef idx="0">
-            <a:schemeClr val="accent1"/>
-          </a:effectRef>
-          <a:fontRef idx="minor">
-            <a:schemeClr val="lt1"/>
-          </a:fontRef>
-        </p:style>
-        <p:txBody>
-          <a:bodyPr rtlCol="0" anchor="ctr"/>
-          <a:lstStyle/>
-          <a:p>
-            <a:pPr algn="ctr"/>
-            <a:endParaRPr lang="en-US" dirty="0"/>
-          </a:p>
-        </p:txBody>
-      </p:sp>
-      <p:sp>
-        <p:nvSpPr>
-          <p:cNvPr id="58" name="TextBox 57">
-            <a:extLst>
-              <a:ext uri="{FF2B5EF4-FFF2-40B4-BE49-F238E27FC236}">
-                <a16:creationId xmlns:a16="http://schemas.microsoft.com/office/drawing/2014/main" id="{B30FE09D-5437-7268-A8AE-0051DE537AAA}"/>
-              </a:ext>
-            </a:extLst>
-          </p:cNvPr>
-          <p:cNvSpPr txBox="1"/>
-          <p:nvPr/>
-        </p:nvSpPr>
-        <p:spPr>
-          <a:xfrm>
-            <a:off x="9460663" y="1141352"/>
-            <a:ext cx="1076682" cy="400110"/>
-          </a:xfrm>
-          <a:prstGeom prst="rect">
-            <a:avLst/>
-          </a:prstGeom>
-          <a:noFill/>
-        </p:spPr>
-        <p:txBody>
-          <a:bodyPr wrap="square" rtlCol="0">
-            <a:spAutoFit/>
-          </a:bodyPr>
-          <a:lstStyle/>
-          <a:p>
-            <a:pPr algn="ctr"/>
-            <a:r>
-              <a:rPr lang="en-US" sz="2000" dirty="0">
-                <a:latin typeface="Avenir Medium" panose="02000503020000020003" pitchFamily="2" charset="0"/>
-              </a:rPr>
-              <a:t>Output</a:t>
-            </a:r>
-          </a:p>
-        </p:txBody>
-      </p:sp>
-      <p:sp>
-        <p:nvSpPr>
-          <p:cNvPr id="59" name="TextBox 58">
-            <a:extLst>
-              <a:ext uri="{FF2B5EF4-FFF2-40B4-BE49-F238E27FC236}">
-                <a16:creationId xmlns:a16="http://schemas.microsoft.com/office/drawing/2014/main" id="{99C92E7E-4354-8AFB-5A9C-4BA25ABE4721}"/>
-              </a:ext>
-            </a:extLst>
-          </p:cNvPr>
-          <p:cNvSpPr txBox="1"/>
-          <p:nvPr/>
-        </p:nvSpPr>
-        <p:spPr>
-          <a:xfrm>
-            <a:off x="9223489" y="2727360"/>
-            <a:ext cx="1504708" cy="400110"/>
-          </a:xfrm>
-          <a:prstGeom prst="rect">
-            <a:avLst/>
-          </a:prstGeom>
-          <a:noFill/>
-        </p:spPr>
-        <p:txBody>
-          <a:bodyPr wrap="square" rtlCol="0">
-            <a:spAutoFit/>
-          </a:bodyPr>
-          <a:lstStyle/>
-          <a:p>
-            <a:pPr algn="ctr"/>
-            <a:r>
-              <a:rPr lang="en-US" sz="2000" dirty="0">
-                <a:latin typeface="Avenir Medium" panose="02000503020000020003" pitchFamily="2" charset="0"/>
-              </a:rPr>
-              <a:t>Layer N</a:t>
-            </a:r>
-          </a:p>
-        </p:txBody>
-      </p:sp>
-      <p:sp>
-        <p:nvSpPr>
-          <p:cNvPr id="60" name="TextBox 59">
-            <a:extLst>
-              <a:ext uri="{FF2B5EF4-FFF2-40B4-BE49-F238E27FC236}">
-                <a16:creationId xmlns:a16="http://schemas.microsoft.com/office/drawing/2014/main" id="{7ED40724-08B3-128B-A6E1-DF98D43C8F8C}"/>
-              </a:ext>
-            </a:extLst>
-          </p:cNvPr>
-          <p:cNvSpPr txBox="1"/>
-          <p:nvPr/>
-        </p:nvSpPr>
-        <p:spPr>
-          <a:xfrm>
-            <a:off x="9155317" y="3874637"/>
-            <a:ext cx="1504708" cy="400110"/>
-          </a:xfrm>
-          <a:prstGeom prst="rect">
-            <a:avLst/>
-          </a:prstGeom>
-          <a:noFill/>
-        </p:spPr>
-        <p:txBody>
-          <a:bodyPr wrap="square" rtlCol="0">
-            <a:spAutoFit/>
-          </a:bodyPr>
-          <a:lstStyle/>
-          <a:p>
-            <a:pPr algn="ctr"/>
-            <a:r>
-              <a:rPr lang="en-US" sz="2000" dirty="0">
-                <a:latin typeface="Avenir Medium" panose="02000503020000020003" pitchFamily="2" charset="0"/>
-              </a:rPr>
-              <a:t>Layer 2</a:t>
-            </a:r>
-          </a:p>
-        </p:txBody>
-      </p:sp>
-      <p:sp>
-        <p:nvSpPr>
-          <p:cNvPr id="61" name="TextBox 60">
-            <a:extLst>
-              <a:ext uri="{FF2B5EF4-FFF2-40B4-BE49-F238E27FC236}">
-                <a16:creationId xmlns:a16="http://schemas.microsoft.com/office/drawing/2014/main" id="{6C54A204-AC6E-08C7-D239-7BFE84A649C8}"/>
-              </a:ext>
-            </a:extLst>
-          </p:cNvPr>
-          <p:cNvSpPr txBox="1"/>
-          <p:nvPr/>
-        </p:nvSpPr>
-        <p:spPr>
-          <a:xfrm>
-            <a:off x="9175210" y="4647759"/>
-            <a:ext cx="1504708" cy="400110"/>
-          </a:xfrm>
-          <a:prstGeom prst="rect">
-            <a:avLst/>
-          </a:prstGeom>
-          <a:noFill/>
-        </p:spPr>
-        <p:txBody>
-          <a:bodyPr wrap="square" rtlCol="0">
-            <a:spAutoFit/>
-          </a:bodyPr>
-          <a:lstStyle/>
-          <a:p>
-            <a:pPr algn="ctr"/>
-            <a:r>
-              <a:rPr lang="en-US" sz="2000" dirty="0">
-                <a:latin typeface="Avenir Medium" panose="02000503020000020003" pitchFamily="2" charset="0"/>
-              </a:rPr>
-              <a:t>Layer 1</a:t>
-            </a:r>
-          </a:p>
-        </p:txBody>
-      </p:sp>
-      <p:sp>
-        <p:nvSpPr>
-          <p:cNvPr id="62" name="TextBox 61">
-            <a:extLst>
-              <a:ext uri="{FF2B5EF4-FFF2-40B4-BE49-F238E27FC236}">
-                <a16:creationId xmlns:a16="http://schemas.microsoft.com/office/drawing/2014/main" id="{EC2F716D-3FA9-C85A-41CC-C256C4E437C7}"/>
-              </a:ext>
-            </a:extLst>
-          </p:cNvPr>
-          <p:cNvSpPr txBox="1"/>
-          <p:nvPr/>
-        </p:nvSpPr>
-        <p:spPr>
-          <a:xfrm>
-            <a:off x="9155317" y="5362078"/>
-            <a:ext cx="1504708" cy="400110"/>
-          </a:xfrm>
-          <a:prstGeom prst="rect">
-            <a:avLst/>
-          </a:prstGeom>
-          <a:noFill/>
-        </p:spPr>
-        <p:txBody>
-          <a:bodyPr wrap="square" rtlCol="0">
-            <a:spAutoFit/>
-          </a:bodyPr>
-          <a:lstStyle/>
-          <a:p>
-            <a:pPr algn="ctr"/>
-            <a:r>
-              <a:rPr lang="en-US" sz="2000" dirty="0">
-                <a:latin typeface="Avenir Medium" panose="02000503020000020003" pitchFamily="2" charset="0"/>
-              </a:rPr>
-              <a:t>Input Data</a:t>
-            </a:r>
-          </a:p>
-        </p:txBody>
-      </p:sp>
-      <p:sp>
-        <p:nvSpPr>
-          <p:cNvPr id="63" name="Down Arrow 62">
-            <a:extLst>
-              <a:ext uri="{FF2B5EF4-FFF2-40B4-BE49-F238E27FC236}">
-                <a16:creationId xmlns:a16="http://schemas.microsoft.com/office/drawing/2014/main" id="{7032C026-FBA7-55B4-F7CD-C0D35DD37D2D}"/>
-              </a:ext>
-            </a:extLst>
-          </p:cNvPr>
-          <p:cNvSpPr/>
-          <p:nvPr/>
-        </p:nvSpPr>
-        <p:spPr>
-          <a:xfrm rot="10800000">
-            <a:off x="9953056" y="1617886"/>
-            <a:ext cx="88773" cy="259039"/>
-          </a:xfrm>
-          <a:prstGeom prst="downArrow">
-            <a:avLst>
-              <a:gd name="adj1" fmla="val 11941"/>
-              <a:gd name="adj2" fmla="val 81286"/>
-            </a:avLst>
-          </a:prstGeom>
-          <a:solidFill>
-            <a:schemeClr val="tx1"/>
-          </a:solidFill>
-          <a:ln>
-            <a:solidFill>
-              <a:schemeClr val="tx1"/>
-            </a:solidFill>
-          </a:ln>
-        </p:spPr>
-        <p:style>
-          <a:lnRef idx="2">
-            <a:schemeClr val="accent1">
-              <a:shade val="50000"/>
-            </a:schemeClr>
-          </a:lnRef>
-          <a:fillRef idx="1">
-            <a:schemeClr val="accent1"/>
-          </a:fillRef>
-          <a:effectRef idx="0">
-            <a:schemeClr val="accent1"/>
-          </a:effectRef>
-          <a:fontRef idx="minor">
-            <a:schemeClr val="lt1"/>
-          </a:fontRef>
-        </p:style>
-        <p:txBody>
-          <a:bodyPr rtlCol="0" anchor="ctr"/>
-          <a:lstStyle/>
-          <a:p>
-            <a:pPr algn="ctr"/>
-            <a:endParaRPr lang="en-US" dirty="0"/>
-          </a:p>
-        </p:txBody>
-      </p:sp>
-      <p:cxnSp>
-        <p:nvCxnSpPr>
-          <p:cNvPr id="28" name="Straight Connector 27">
-            <a:extLst>
-              <a:ext uri="{FF2B5EF4-FFF2-40B4-BE49-F238E27FC236}">
-                <a16:creationId xmlns:a16="http://schemas.microsoft.com/office/drawing/2014/main" id="{899453B2-18FD-AB9D-296A-8190CE147D4B}"/>
-              </a:ext>
-            </a:extLst>
-          </p:cNvPr>
-          <p:cNvCxnSpPr>
-            <a:cxnSpLocks/>
-          </p:cNvCxnSpPr>
-          <p:nvPr/>
-        </p:nvCxnSpPr>
-        <p:spPr>
           <a:xfrm>
             <a:off x="832830" y="2577422"/>
             <a:ext cx="4317357" cy="0"/>
@@ -16955,9 +17346,7 @@
           </a:prstGeom>
           <a:ln w="60325">
             <a:solidFill>
-              <a:schemeClr val="accent2">
-                <a:lumMod val="75000"/>
-              </a:schemeClr>
+              <a:srgbClr val="C00000"/>
             </a:solidFill>
             <a:prstDash val="sysDash"/>
           </a:ln>
@@ -16979,10 +17368,10 @@
       </p:cxnSp>
       <p:pic>
         <p:nvPicPr>
-          <p:cNvPr id="65" name="Graphic 64" descr="Scissors outline">
-            <a:extLst>
-              <a:ext uri="{FF2B5EF4-FFF2-40B4-BE49-F238E27FC236}">
-                <a16:creationId xmlns:a16="http://schemas.microsoft.com/office/drawing/2014/main" id="{35AEA15F-AF8C-81F6-E87F-2A2929BC4F3A}"/>
+          <p:cNvPr id="80" name="Graphic 79" descr="Scissors outline">
+            <a:extLst>
+              <a:ext uri="{FF2B5EF4-FFF2-40B4-BE49-F238E27FC236}">
+                <a16:creationId xmlns:a16="http://schemas.microsoft.com/office/drawing/2014/main" id="{01B91483-B2EC-9AE9-2730-1E228441536B}"/>
               </a:ext>
             </a:extLst>
           </p:cNvPr>
@@ -16992,13 +17381,13 @@
           <p:nvPr/>
         </p:nvPicPr>
         <p:blipFill>
-          <a:blip r:embed="rId3">
+          <a:blip r:embed="rId4">
             <a:extLst>
               <a:ext uri="{28A0092B-C50C-407E-A947-70E740481C1C}">
                 <a14:useLocalDpi xmlns:a14="http://schemas.microsoft.com/office/drawing/2010/main" val="0"/>
               </a:ext>
               <a:ext uri="{96DAC541-7B7A-43D3-8B79-37D633B846F1}">
-                <asvg:svgBlip xmlns:asvg="http://schemas.microsoft.com/office/drawing/2016/SVG/main" r:embed="rId4"/>
+                <asvg:svgBlip xmlns:asvg="http://schemas.microsoft.com/office/drawing/2016/SVG/main" r:embed="rId5"/>
               </a:ext>
             </a:extLst>
           </a:blip>
@@ -17010,42 +17399,6 @@
           <a:xfrm rot="13513896">
             <a:off x="173619" y="2175935"/>
             <a:ext cx="801123" cy="801123"/>
-          </a:xfrm>
-          <a:prstGeom prst="rect">
-            <a:avLst/>
-          </a:prstGeom>
-        </p:spPr>
-      </p:pic>
-      <p:pic>
-        <p:nvPicPr>
-          <p:cNvPr id="2" name="Picture 1" descr="A picture containing dark, gauge&#10;&#10;Description automatically generated">
-            <a:extLst>
-              <a:ext uri="{FF2B5EF4-FFF2-40B4-BE49-F238E27FC236}">
-                <a16:creationId xmlns:a16="http://schemas.microsoft.com/office/drawing/2014/main" id="{2EAB26E5-0B59-CD25-2042-B4D7EE6C624B}"/>
-              </a:ext>
-            </a:extLst>
-          </p:cNvPr>
-          <p:cNvPicPr>
-            <a:picLocks noChangeAspect="1"/>
-          </p:cNvPicPr>
-          <p:nvPr/>
-        </p:nvPicPr>
-        <p:blipFill>
-          <a:blip r:embed="rId5">
-            <a:extLst>
-              <a:ext uri="{28A0092B-C50C-407E-A947-70E740481C1C}">
-                <a14:useLocalDpi xmlns:a14="http://schemas.microsoft.com/office/drawing/2010/main" val="0"/>
-              </a:ext>
-            </a:extLst>
-          </a:blip>
-          <a:stretch>
-            <a:fillRect/>
-          </a:stretch>
-        </p:blipFill>
-        <p:spPr>
-          <a:xfrm>
-            <a:off x="11378037" y="6045200"/>
-            <a:ext cx="800100" cy="812800"/>
           </a:xfrm>
           <a:prstGeom prst="rect">
             <a:avLst/>
@@ -17126,9 +17479,9 @@
             <a:r>
               <a:rPr lang="en-US" sz="4400" b="1" dirty="0">
                 <a:solidFill>
-                  <a:srgbClr val="6D6CCA"/>
+                  <a:srgbClr val="5A5AA8"/>
                 </a:solidFill>
-                <a:latin typeface="Consolas" panose="020B0609020204030204" pitchFamily="49" charset="0"/>
+                <a:latin typeface="Courier New" panose="02070309020205020404" pitchFamily="49" charset="0"/>
                 <a:cs typeface="Courier New" panose="02070309020205020404" pitchFamily="49" charset="0"/>
               </a:rPr>
               <a:t>Talk and Doc</a:t>
@@ -17171,7 +17524,7 @@
           <p:nvPr/>
         </p:nvPicPr>
         <p:blipFill>
-          <a:blip r:embed="rId3">
+          <a:blip r:embed="rId2">
             <a:extLst>
               <a:ext uri="{28A0092B-C50C-407E-A947-70E740481C1C}">
                 <a14:useLocalDpi xmlns:a14="http://schemas.microsoft.com/office/drawing/2010/main" val="0"/>
@@ -17308,10 +17661,12 @@
             <a:avLst/>
           </a:prstGeom>
           <a:solidFill>
-            <a:srgbClr val="6D6CCA"/>
+            <a:srgbClr val="5A5AA8"/>
           </a:solidFill>
-          <a:ln w="44450">
-            <a:noFill/>
+          <a:ln w="6350">
+            <a:solidFill>
+              <a:schemeClr val="tx1"/>
+            </a:solidFill>
           </a:ln>
           <a:effectLst/>
         </p:spPr>

--- a/presentations/02_transfer_learn.pptx
+++ b/presentations/02_transfer_learn.pptx
@@ -224,7 +224,7 @@
           <a:p>
             <a:fld id="{FD93C9B2-20F6-4DB1-B471-224337D0AC79}" type="datetimeFigureOut">
               <a:rPr lang="en-US" smtClean="0"/>
-              <a:t>11/14/2022</a:t>
+              <a:t>11/18/2022</a:t>
             </a:fld>
             <a:endParaRPr lang="en-US"/>
           </a:p>
@@ -2763,7 +2763,7 @@
           <a:p>
             <a:fld id="{C3F78080-8D0A-4BE8-A5B4-CB115102D524}" type="datetimeFigureOut">
               <a:rPr lang="en-US" smtClean="0"/>
-              <a:t>11/14/2022</a:t>
+              <a:t>11/18/2022</a:t>
             </a:fld>
             <a:endParaRPr lang="en-US"/>
           </a:p>
@@ -2961,7 +2961,7 @@
           <a:p>
             <a:fld id="{C3F78080-8D0A-4BE8-A5B4-CB115102D524}" type="datetimeFigureOut">
               <a:rPr lang="en-US" smtClean="0"/>
-              <a:t>11/14/2022</a:t>
+              <a:t>11/18/2022</a:t>
             </a:fld>
             <a:endParaRPr lang="en-US"/>
           </a:p>
@@ -3169,7 +3169,7 @@
           <a:p>
             <a:fld id="{C3F78080-8D0A-4BE8-A5B4-CB115102D524}" type="datetimeFigureOut">
               <a:rPr lang="en-US" smtClean="0"/>
-              <a:t>11/14/2022</a:t>
+              <a:t>11/18/2022</a:t>
             </a:fld>
             <a:endParaRPr lang="en-US"/>
           </a:p>
@@ -3367,7 +3367,7 @@
           <a:p>
             <a:fld id="{C3F78080-8D0A-4BE8-A5B4-CB115102D524}" type="datetimeFigureOut">
               <a:rPr lang="en-US" smtClean="0"/>
-              <a:t>11/14/2022</a:t>
+              <a:t>11/18/2022</a:t>
             </a:fld>
             <a:endParaRPr lang="en-US"/>
           </a:p>
@@ -3642,7 +3642,7 @@
           <a:p>
             <a:fld id="{C3F78080-8D0A-4BE8-A5B4-CB115102D524}" type="datetimeFigureOut">
               <a:rPr lang="en-US" smtClean="0"/>
-              <a:t>11/14/2022</a:t>
+              <a:t>11/18/2022</a:t>
             </a:fld>
             <a:endParaRPr lang="en-US"/>
           </a:p>
@@ -3907,7 +3907,7 @@
           <a:p>
             <a:fld id="{C3F78080-8D0A-4BE8-A5B4-CB115102D524}" type="datetimeFigureOut">
               <a:rPr lang="en-US" smtClean="0"/>
-              <a:t>11/14/2022</a:t>
+              <a:t>11/18/2022</a:t>
             </a:fld>
             <a:endParaRPr lang="en-US"/>
           </a:p>
@@ -4319,7 +4319,7 @@
           <a:p>
             <a:fld id="{C3F78080-8D0A-4BE8-A5B4-CB115102D524}" type="datetimeFigureOut">
               <a:rPr lang="en-US" smtClean="0"/>
-              <a:t>11/14/2022</a:t>
+              <a:t>11/18/2022</a:t>
             </a:fld>
             <a:endParaRPr lang="en-US"/>
           </a:p>
@@ -4460,7 +4460,7 @@
           <a:p>
             <a:fld id="{C3F78080-8D0A-4BE8-A5B4-CB115102D524}" type="datetimeFigureOut">
               <a:rPr lang="en-US" smtClean="0"/>
-              <a:t>11/14/2022</a:t>
+              <a:t>11/18/2022</a:t>
             </a:fld>
             <a:endParaRPr lang="en-US"/>
           </a:p>
@@ -4573,7 +4573,7 @@
           <a:p>
             <a:fld id="{C3F78080-8D0A-4BE8-A5B4-CB115102D524}" type="datetimeFigureOut">
               <a:rPr lang="en-US" smtClean="0"/>
-              <a:t>11/14/2022</a:t>
+              <a:t>11/18/2022</a:t>
             </a:fld>
             <a:endParaRPr lang="en-US"/>
           </a:p>
@@ -4884,7 +4884,7 @@
           <a:p>
             <a:fld id="{C3F78080-8D0A-4BE8-A5B4-CB115102D524}" type="datetimeFigureOut">
               <a:rPr lang="en-US" smtClean="0"/>
-              <a:t>11/14/2022</a:t>
+              <a:t>11/18/2022</a:t>
             </a:fld>
             <a:endParaRPr lang="en-US"/>
           </a:p>
@@ -5172,7 +5172,7 @@
           <a:p>
             <a:fld id="{C3F78080-8D0A-4BE8-A5B4-CB115102D524}" type="datetimeFigureOut">
               <a:rPr lang="en-US" smtClean="0"/>
-              <a:t>11/14/2022</a:t>
+              <a:t>11/18/2022</a:t>
             </a:fld>
             <a:endParaRPr lang="en-US"/>
           </a:p>
@@ -5413,7 +5413,7 @@
           <a:p>
             <a:fld id="{C3F78080-8D0A-4BE8-A5B4-CB115102D524}" type="datetimeFigureOut">
               <a:rPr lang="en-US" smtClean="0"/>
-              <a:t>11/14/2022</a:t>
+              <a:t>11/18/2022</a:t>
             </a:fld>
             <a:endParaRPr lang="en-US"/>
           </a:p>
@@ -10149,124 +10149,103 @@
           </a:p>
         </p:txBody>
       </p:sp>
-      <p:grpSp>
-        <p:nvGrpSpPr>
-          <p:cNvPr id="3" name="Group 2">
-            <a:extLst>
-              <a:ext uri="{FF2B5EF4-FFF2-40B4-BE49-F238E27FC236}">
-                <a16:creationId xmlns:a16="http://schemas.microsoft.com/office/drawing/2014/main" id="{8D9C237C-79CB-5ED1-02C6-C94E1426908F}"/>
-              </a:ext>
-            </a:extLst>
-          </p:cNvPr>
-          <p:cNvGrpSpPr/>
+      <p:sp>
+        <p:nvSpPr>
+          <p:cNvPr id="2" name="Pentagon 1">
+            <a:extLst>
+              <a:ext uri="{FF2B5EF4-FFF2-40B4-BE49-F238E27FC236}">
+                <a16:creationId xmlns:a16="http://schemas.microsoft.com/office/drawing/2014/main" id="{85DBFABD-588B-BA56-86EE-86AE1B9A9E05}"/>
+              </a:ext>
+            </a:extLst>
+          </p:cNvPr>
+          <p:cNvSpPr/>
           <p:nvPr/>
-        </p:nvGrpSpPr>
-        <p:grpSpPr>
-          <a:xfrm>
-            <a:off x="-116541" y="559959"/>
-            <a:ext cx="3088342" cy="805143"/>
-            <a:chOff x="-116541" y="559959"/>
-            <a:chExt cx="3088342" cy="805143"/>
-          </a:xfrm>
-        </p:grpSpPr>
-        <p:sp>
-          <p:nvSpPr>
-            <p:cNvPr id="2" name="Pentagon 1">
-              <a:extLst>
-                <a:ext uri="{FF2B5EF4-FFF2-40B4-BE49-F238E27FC236}">
-                  <a16:creationId xmlns:a16="http://schemas.microsoft.com/office/drawing/2014/main" id="{85DBFABD-588B-BA56-86EE-86AE1B9A9E05}"/>
-                </a:ext>
-              </a:extLst>
-            </p:cNvPr>
-            <p:cNvSpPr/>
-            <p:nvPr/>
-          </p:nvSpPr>
-          <p:spPr>
-            <a:xfrm>
-              <a:off x="-13447" y="559959"/>
-              <a:ext cx="2985248" cy="805143"/>
-            </a:xfrm>
-            <a:prstGeom prst="homePlate">
-              <a:avLst/>
-            </a:prstGeom>
+        </p:nvSpPr>
+        <p:spPr>
+          <a:xfrm>
+            <a:off x="-13447" y="559959"/>
+            <a:ext cx="2985248" cy="805143"/>
+          </a:xfrm>
+          <a:prstGeom prst="homePlate">
+            <a:avLst/>
+          </a:prstGeom>
+          <a:solidFill>
+            <a:srgbClr val="65BB7B"/>
+          </a:solidFill>
+          <a:ln w="3175">
             <a:solidFill>
-              <a:srgbClr val="65BB7B"/>
+              <a:schemeClr val="tx1"/>
             </a:solidFill>
-            <a:ln w="3175">
-              <a:solidFill>
-                <a:schemeClr val="tx1"/>
-              </a:solidFill>
-            </a:ln>
-            <a:effectLst/>
-          </p:spPr>
-          <p:style>
-            <a:lnRef idx="2">
-              <a:schemeClr val="accent1">
-                <a:shade val="50000"/>
-              </a:schemeClr>
-            </a:lnRef>
-            <a:fillRef idx="1">
-              <a:schemeClr val="accent1"/>
-            </a:fillRef>
-            <a:effectRef idx="0">
-              <a:schemeClr val="accent1"/>
-            </a:effectRef>
-            <a:fontRef idx="minor">
-              <a:schemeClr val="lt1"/>
-            </a:fontRef>
-          </p:style>
-          <p:txBody>
-            <a:bodyPr rtlCol="0" anchor="ctr"/>
-            <a:lstStyle/>
-            <a:p>
-              <a:pPr algn="ctr"/>
-              <a:endParaRPr lang="en-US" dirty="0"/>
-            </a:p>
-          </p:txBody>
-        </p:sp>
-        <p:sp>
-          <p:nvSpPr>
-            <p:cNvPr id="4" name="TextBox 3">
-              <a:extLst>
-                <a:ext uri="{FF2B5EF4-FFF2-40B4-BE49-F238E27FC236}">
-                  <a16:creationId xmlns:a16="http://schemas.microsoft.com/office/drawing/2014/main" id="{593AFBD8-44E4-4482-822F-EB3B71BEA588}"/>
-                </a:ext>
-              </a:extLst>
-            </p:cNvPr>
-            <p:cNvSpPr txBox="1"/>
-            <p:nvPr/>
-          </p:nvSpPr>
-          <p:spPr>
-            <a:xfrm>
-              <a:off x="-116541" y="714367"/>
-              <a:ext cx="3074895" cy="553998"/>
-            </a:xfrm>
-            <a:prstGeom prst="rect">
-              <a:avLst/>
-            </a:prstGeom>
-            <a:noFill/>
-          </p:spPr>
-          <p:txBody>
-            <a:bodyPr wrap="square" rtlCol="0">
-              <a:spAutoFit/>
-            </a:bodyPr>
-            <a:lstStyle/>
-            <a:p>
-              <a:pPr algn="ctr"/>
-              <a:r>
-                <a:rPr lang="en-US" sz="3000" dirty="0">
-                  <a:solidFill>
-                    <a:schemeClr val="bg1"/>
-                  </a:solidFill>
-                  <a:latin typeface="Avenir Medium" panose="02000503020000020003" pitchFamily="2" charset="0"/>
-                  <a:cs typeface="Futura Medium" panose="020B0602020204020303" pitchFamily="34" charset="-79"/>
-                </a:rPr>
-                <a:t>Practice</a:t>
-              </a:r>
-            </a:p>
-          </p:txBody>
-        </p:sp>
-      </p:grpSp>
+          </a:ln>
+          <a:effectLst/>
+        </p:spPr>
+        <p:style>
+          <a:lnRef idx="2">
+            <a:schemeClr val="accent1">
+              <a:shade val="50000"/>
+            </a:schemeClr>
+          </a:lnRef>
+          <a:fillRef idx="1">
+            <a:schemeClr val="accent1"/>
+          </a:fillRef>
+          <a:effectRef idx="0">
+            <a:schemeClr val="accent1"/>
+          </a:effectRef>
+          <a:fontRef idx="minor">
+            <a:schemeClr val="lt1"/>
+          </a:fontRef>
+        </p:style>
+        <p:txBody>
+          <a:bodyPr rtlCol="0" anchor="ctr"/>
+          <a:lstStyle/>
+          <a:p>
+            <a:pPr algn="ctr"/>
+            <a:endParaRPr lang="en-US" dirty="0"/>
+          </a:p>
+        </p:txBody>
+      </p:sp>
+      <p:sp>
+        <p:nvSpPr>
+          <p:cNvPr id="4" name="TextBox 3">
+            <a:extLst>
+              <a:ext uri="{FF2B5EF4-FFF2-40B4-BE49-F238E27FC236}">
+                <a16:creationId xmlns:a16="http://schemas.microsoft.com/office/drawing/2014/main" id="{593AFBD8-44E4-4482-822F-EB3B71BEA588}"/>
+              </a:ext>
+            </a:extLst>
+          </p:cNvPr>
+          <p:cNvSpPr txBox="1"/>
+          <p:nvPr/>
+        </p:nvSpPr>
+        <p:spPr>
+          <a:xfrm>
+            <a:off x="-116541" y="714367"/>
+            <a:ext cx="3074895" cy="553998"/>
+          </a:xfrm>
+          <a:prstGeom prst="rect">
+            <a:avLst/>
+          </a:prstGeom>
+          <a:noFill/>
+        </p:spPr>
+        <p:txBody>
+          <a:bodyPr wrap="square" rtlCol="0">
+            <a:spAutoFit/>
+          </a:bodyPr>
+          <a:lstStyle/>
+          <a:p>
+            <a:pPr algn="ctr"/>
+            <a:r>
+              <a:rPr lang="en-US" sz="3000" dirty="0">
+                <a:solidFill>
+                  <a:schemeClr val="bg1"/>
+                </a:solidFill>
+                <a:latin typeface="Avenir Medium" panose="02000503020000020003" pitchFamily="2" charset="0"/>
+                <a:cs typeface="Futura Medium" panose="020B0602020204020303" pitchFamily="34" charset="-79"/>
+              </a:rPr>
+              <a:t>Practice</a:t>
+            </a:r>
+          </a:p>
+        </p:txBody>
+      </p:sp>
       <p:pic>
         <p:nvPicPr>
           <p:cNvPr id="6" name="Picture 5" descr="A picture containing dark, gauge&#10;&#10;Description automatically generated">
@@ -10433,7 +10412,7 @@
       </p:sp>
       <p:pic>
         <p:nvPicPr>
-          <p:cNvPr id="3" name="Picture 2" descr="A green and white logo&#10;&#10;Description automatically generated with low confidence">
+          <p:cNvPr id="3" name="Picture 2">
             <a:extLst>
               <a:ext uri="{FF2B5EF4-FFF2-40B4-BE49-F238E27FC236}">
                 <a16:creationId xmlns:a16="http://schemas.microsoft.com/office/drawing/2014/main" id="{845735AC-AF18-4257-A9FE-DE0BE6D668A3}"/>
@@ -10453,14 +10432,13 @@
               </a:ext>
             </a:extLst>
           </a:blip>
-          <a:stretch>
-            <a:fillRect/>
-          </a:stretch>
+          <a:srcRect/>
+          <a:stretch/>
         </p:blipFill>
         <p:spPr>
           <a:xfrm>
-            <a:off x="2347157" y="2219696"/>
-            <a:ext cx="7497685" cy="2418608"/>
+            <a:off x="2347157" y="2221746"/>
+            <a:ext cx="7497685" cy="2414508"/>
           </a:xfrm>
           <a:prstGeom prst="rect">
             <a:avLst/>
